--- a/Фурье-вычисления для сравнения изображений.pptx
+++ b/Фурье-вычисления для сравнения изображений.pptx
@@ -14889,7 +14889,11 @@
           <a:p>
             <a:r>
               <a:rPr lang="ru-RU" dirty="0" smtClean="0"/>
-              <a:t>Попался …</a:t>
+              <a:t>Попался </a:t>
+            </a:r>
+            <a:r>
+              <a:rPr lang="ru-RU" dirty="0" smtClean="0"/>
+              <a:t>который кусался</a:t>
             </a:r>
             <a:endParaRPr lang="ru-RU" dirty="0"/>
           </a:p>
@@ -17116,9 +17120,10 @@
           <a:lstStyle/>
           <a:p>
             <a:r>
-              <a:rPr lang="ru-RU" dirty="0"/>
+              <a:rPr lang="ru-RU" dirty="0" smtClean="0"/>
               <a:t>Дискретное преобразование Фурье</a:t>
             </a:r>
+            <a:endParaRPr lang="ru-RU" dirty="0"/>
           </a:p>
         </p:txBody>
       </p:sp>

--- a/Фурье-вычисления для сравнения изображений.pptx
+++ b/Фурье-вычисления для сравнения изображений.pptx
@@ -218,7 +218,7 @@
           <a:p>
             <a:fld id="{C6D9D0F6-0CFF-4E50-A808-252F8FA1C906}" type="datetimeFigureOut">
               <a:rPr lang="ru-RU" smtClean="0"/>
-              <a:t>04.09.2015</a:t>
+              <a:t>22.02.2016</a:t>
             </a:fld>
             <a:endParaRPr lang="ru-RU" dirty="0"/>
           </a:p>
@@ -978,7 +978,7 @@
           <a:p>
             <a:fld id="{86C57080-FFB0-4981-8CAD-2101F357659F}" type="datetime1">
               <a:rPr lang="ru-RU" smtClean="0"/>
-              <a:t>04.09.2015</a:t>
+              <a:t>22.02.2016</a:t>
             </a:fld>
             <a:endParaRPr lang="ru-RU" dirty="0"/>
           </a:p>
@@ -1162,7 +1162,7 @@
           <a:p>
             <a:fld id="{86C57080-FFB0-4981-8CAD-2101F357659F}" type="datetime1">
               <a:rPr lang="ru-RU" smtClean="0"/>
-              <a:t>04.09.2015</a:t>
+              <a:t>22.02.2016</a:t>
             </a:fld>
             <a:endParaRPr lang="ru-RU" dirty="0"/>
           </a:p>
@@ -1347,7 +1347,7 @@
           <a:p>
             <a:fld id="{86C57080-FFB0-4981-8CAD-2101F357659F}" type="datetime1">
               <a:rPr lang="ru-RU" smtClean="0"/>
-              <a:t>04.09.2015</a:t>
+              <a:t>22.02.2016</a:t>
             </a:fld>
             <a:endParaRPr lang="ru-RU" dirty="0"/>
           </a:p>
@@ -1522,7 +1522,7 @@
           <a:p>
             <a:fld id="{86C57080-FFB0-4981-8CAD-2101F357659F}" type="datetime1">
               <a:rPr lang="ru-RU" smtClean="0"/>
-              <a:t>04.09.2015</a:t>
+              <a:t>22.02.2016</a:t>
             </a:fld>
             <a:endParaRPr lang="ru-RU" dirty="0"/>
           </a:p>
@@ -1840,7 +1840,7 @@
           <a:p>
             <a:fld id="{86C57080-FFB0-4981-8CAD-2101F357659F}" type="datetime1">
               <a:rPr lang="ru-RU" smtClean="0"/>
-              <a:t>04.09.2015</a:t>
+              <a:t>22.02.2016</a:t>
             </a:fld>
             <a:endParaRPr lang="ru-RU" dirty="0"/>
           </a:p>
@@ -2231,7 +2231,7 @@
           <a:p>
             <a:fld id="{86C57080-FFB0-4981-8CAD-2101F357659F}" type="datetime1">
               <a:rPr lang="ru-RU" smtClean="0"/>
-              <a:t>04.09.2015</a:t>
+              <a:t>22.02.2016</a:t>
             </a:fld>
             <a:endParaRPr lang="ru-RU" dirty="0"/>
           </a:p>
@@ -2670,7 +2670,7 @@
           <a:p>
             <a:fld id="{86C57080-FFB0-4981-8CAD-2101F357659F}" type="datetime1">
               <a:rPr lang="ru-RU" smtClean="0"/>
-              <a:t>04.09.2015</a:t>
+              <a:t>22.02.2016</a:t>
             </a:fld>
             <a:endParaRPr lang="ru-RU" dirty="0"/>
           </a:p>
@@ -2793,7 +2793,7 @@
           <a:p>
             <a:fld id="{86C57080-FFB0-4981-8CAD-2101F357659F}" type="datetime1">
               <a:rPr lang="ru-RU" smtClean="0"/>
-              <a:t>04.09.2015</a:t>
+              <a:t>22.02.2016</a:t>
             </a:fld>
             <a:endParaRPr lang="ru-RU" dirty="0"/>
           </a:p>
@@ -2893,7 +2893,7 @@
           <a:p>
             <a:fld id="{86C57080-FFB0-4981-8CAD-2101F357659F}" type="datetime1">
               <a:rPr lang="ru-RU" smtClean="0"/>
-              <a:t>04.09.2015</a:t>
+              <a:t>22.02.2016</a:t>
             </a:fld>
             <a:endParaRPr lang="ru-RU" dirty="0"/>
           </a:p>
@@ -3248,7 +3248,7 @@
           <a:p>
             <a:fld id="{86C57080-FFB0-4981-8CAD-2101F357659F}" type="datetime1">
               <a:rPr lang="ru-RU" smtClean="0"/>
-              <a:t>04.09.2015</a:t>
+              <a:t>22.02.2016</a:t>
             </a:fld>
             <a:endParaRPr lang="ru-RU" dirty="0"/>
           </a:p>
@@ -3678,7 +3678,7 @@
           <a:p>
             <a:fld id="{86C57080-FFB0-4981-8CAD-2101F357659F}" type="datetime1">
               <a:rPr lang="ru-RU" smtClean="0"/>
-              <a:t>04.09.2015</a:t>
+              <a:t>22.02.2016</a:t>
             </a:fld>
             <a:endParaRPr lang="ru-RU" dirty="0"/>
           </a:p>
@@ -3960,7 +3960,7 @@
           <a:p>
             <a:fld id="{86C57080-FFB0-4981-8CAD-2101F357659F}" type="datetime1">
               <a:rPr lang="ru-RU" smtClean="0"/>
-              <a:t>04.09.2015</a:t>
+              <a:t>22.02.2016</a:t>
             </a:fld>
             <a:endParaRPr lang="ru-RU" dirty="0"/>
           </a:p>
@@ -4744,8 +4744,8 @@
         </p:blipFill>
         <p:spPr bwMode="auto">
           <a:xfrm>
-            <a:off x="5250484" y="3529230"/>
-            <a:ext cx="507206" cy="142875"/>
+            <a:off x="5250483" y="3529230"/>
+            <a:ext cx="1104305" cy="311072"/>
           </a:xfrm>
           <a:prstGeom prst="rect">
             <a:avLst/>
@@ -4785,8 +4785,8 @@
         </p:blipFill>
         <p:spPr bwMode="auto">
           <a:xfrm>
-            <a:off x="3553842" y="3867734"/>
-            <a:ext cx="3900488" cy="1121570"/>
+            <a:off x="3030141" y="4233494"/>
+            <a:ext cx="5224512" cy="1502288"/>
           </a:xfrm>
           <a:prstGeom prst="rect">
             <a:avLst/>
@@ -4865,115 +4865,250 @@
           </a:p>
         </p:txBody>
       </p:sp>
-      <p:sp>
-        <p:nvSpPr>
-          <p:cNvPr id="3" name="Объект 2"/>
-          <p:cNvSpPr>
-            <a:spLocks noGrp="1"/>
-          </p:cNvSpPr>
-          <p:nvPr>
-            <p:ph idx="1"/>
-          </p:nvPr>
-        </p:nvSpPr>
-        <p:spPr/>
-        <p:txBody>
-          <a:bodyPr>
-            <a:normAutofit fontScale="92500" lnSpcReduction="10000"/>
-          </a:bodyPr>
-          <a:lstStyle/>
-          <a:p>
-            <a:r>
-              <a:rPr lang="ru-RU" dirty="0" smtClean="0"/>
-              <a:t>Одним из замечательных свойств преобразований Фурье является возможность быстрого вычисления корреляции двух функций определённых, либо на действительном аргументе (при использовании классической формулы), либо на конечном кольце (при использовании дискретных преобразований).</a:t>
-            </a:r>
-          </a:p>
-          <a:p>
-            <a:r>
-              <a:rPr lang="ru-RU" dirty="0" smtClean="0"/>
-              <a:t>И хотя подобные свойства присущи многим линейным преобразованиям, для практического применения, для вычисления операции свёртки, согласно данному нами определению, используется формула</a:t>
-            </a:r>
-          </a:p>
-          <a:p>
-            <a:pPr marL="0" indent="0" algn="ctr">
-              <a:buNone/>
-            </a:pPr>
-            <a:r>
-              <a:rPr lang="en-US" dirty="0"/>
-              <a:t>F</a:t>
-            </a:r>
-            <a:r>
-              <a:rPr lang="ru-RU" dirty="0"/>
-              <a:t>х</a:t>
-            </a:r>
-            <a:r>
-              <a:rPr lang="en-US" dirty="0" smtClean="0"/>
-              <a:t>G</a:t>
-            </a:r>
-            <a:r>
-              <a:rPr lang="ru-RU" dirty="0" smtClean="0"/>
-              <a:t> = </a:t>
-            </a:r>
-            <a:r>
-              <a:rPr lang="en-US" dirty="0" smtClean="0"/>
-              <a:t>BFT ( FFT(F)*FFT(G) )</a:t>
-            </a:r>
-          </a:p>
-          <a:p>
-            <a:r>
-              <a:rPr lang="ru-RU" dirty="0" smtClean="0"/>
-              <a:t>Где</a:t>
-            </a:r>
-          </a:p>
-          <a:p>
-            <a:pPr lvl="1"/>
-            <a:r>
-              <a:rPr lang="en-US" dirty="0"/>
-              <a:t>FFT – </a:t>
-            </a:r>
-            <a:r>
-              <a:rPr lang="ru-RU" dirty="0"/>
-              <a:t>операция прямого преобразования </a:t>
-            </a:r>
-            <a:r>
-              <a:rPr lang="ru-RU" dirty="0" smtClean="0"/>
-              <a:t>Фурье</a:t>
-            </a:r>
-          </a:p>
-          <a:p>
-            <a:pPr lvl="1"/>
-            <a:r>
-              <a:rPr lang="en-US" dirty="0"/>
-              <a:t>B</a:t>
-            </a:r>
-            <a:r>
-              <a:rPr lang="en-US" dirty="0" smtClean="0"/>
-              <a:t>FT </a:t>
-            </a:r>
-            <a:r>
-              <a:rPr lang="en-US" dirty="0"/>
-              <a:t>– </a:t>
-            </a:r>
-            <a:r>
-              <a:rPr lang="ru-RU" dirty="0"/>
-              <a:t>операция </a:t>
-            </a:r>
-            <a:r>
-              <a:rPr lang="ru-RU" dirty="0" smtClean="0"/>
-              <a:t>обратного преобразования Фурье</a:t>
-            </a:r>
-          </a:p>
-          <a:p>
-            <a:r>
-              <a:rPr lang="ru-RU" dirty="0" smtClean="0"/>
-              <a:t>Проверить правильность равенства довольно легко – явно подставив в формулы Фурье-преобразований и сократив получившиеся формулы </a:t>
-            </a:r>
-            <a:endParaRPr lang="ru-RU" dirty="0"/>
-          </a:p>
-          <a:p>
-            <a:endParaRPr lang="ru-RU" dirty="0"/>
-          </a:p>
-        </p:txBody>
-      </p:sp>
+      <mc:AlternateContent xmlns:mc="http://schemas.openxmlformats.org/markup-compatibility/2006" xmlns:a14="http://schemas.microsoft.com/office/drawing/2010/main">
+        <mc:Choice Requires="a14">
+          <p:sp>
+            <p:nvSpPr>
+              <p:cNvPr id="3" name="Объект 2"/>
+              <p:cNvSpPr>
+                <a:spLocks noGrp="1"/>
+              </p:cNvSpPr>
+              <p:nvPr>
+                <p:ph idx="1"/>
+              </p:nvPr>
+            </p:nvSpPr>
+            <p:spPr/>
+            <p:txBody>
+              <a:bodyPr>
+                <a:normAutofit lnSpcReduction="10000"/>
+              </a:bodyPr>
+              <a:lstStyle/>
+              <a:p>
+                <a:r>
+                  <a:rPr lang="ru-RU" dirty="0" smtClean="0"/>
+                  <a:t>Одним из замечательных свойств преобразований Фурье является возможность быстрого вычисления корреляции двух функций определённых, либо на действительном аргументе (при использовании классической формулы), либо на конечном кольце (при использовании дискретных преобразований).</a:t>
+                </a:r>
+              </a:p>
+              <a:p>
+                <a:r>
+                  <a:rPr lang="ru-RU" dirty="0" smtClean="0"/>
+                  <a:t>И хотя подобные свойства присущи многим линейным преобразованиям, для практического применения, для вычисления операции свёртки, согласно данному нами определению, используется формула</a:t>
+                </a:r>
+              </a:p>
+              <a:p>
+                <a:pPr marL="0" indent="0" algn="ctr">
+                  <a:buNone/>
+                </a:pPr>
+                <a14:m>
+                  <m:oMathPara xmlns:m="http://schemas.openxmlformats.org/officeDocument/2006/math">
+                    <m:oMathParaPr>
+                      <m:jc m:val="centerGroup"/>
+                    </m:oMathParaPr>
+                    <m:oMath xmlns:m="http://schemas.openxmlformats.org/officeDocument/2006/math">
+                      <m:r>
+                        <a:rPr lang="en-US" i="1" dirty="0" smtClean="0">
+                          <a:latin typeface="Cambria Math" panose="02040503050406030204" pitchFamily="18" charset="0"/>
+                        </a:rPr>
+                        <m:t>𝐹</m:t>
+                      </m:r>
+                      <m:r>
+                        <a:rPr lang="ru-RU" i="1" dirty="0">
+                          <a:latin typeface="Cambria Math" panose="02040503050406030204" pitchFamily="18" charset="0"/>
+                        </a:rPr>
+                        <m:t>х</m:t>
+                      </m:r>
+                      <m:r>
+                        <a:rPr lang="en-US" i="1" dirty="0" smtClean="0">
+                          <a:latin typeface="Cambria Math" panose="02040503050406030204" pitchFamily="18" charset="0"/>
+                        </a:rPr>
+                        <m:t>𝐺</m:t>
+                      </m:r>
+                      <m:r>
+                        <a:rPr lang="ru-RU" i="1" dirty="0" smtClean="0">
+                          <a:latin typeface="Cambria Math" panose="02040503050406030204" pitchFamily="18" charset="0"/>
+                        </a:rPr>
+                        <m:t> = </m:t>
+                      </m:r>
+                      <m:r>
+                        <a:rPr lang="en-US" i="1" dirty="0" smtClean="0">
+                          <a:latin typeface="Cambria Math" panose="02040503050406030204" pitchFamily="18" charset="0"/>
+                        </a:rPr>
+                        <m:t>𝐵𝐹𝑇</m:t>
+                      </m:r>
+                      <m:r>
+                        <a:rPr lang="en-US" i="1" dirty="0" smtClean="0">
+                          <a:latin typeface="Cambria Math" panose="02040503050406030204" pitchFamily="18" charset="0"/>
+                        </a:rPr>
+                        <m:t> ( </m:t>
+                      </m:r>
+                      <m:r>
+                        <a:rPr lang="en-US" i="1" dirty="0" smtClean="0">
+                          <a:latin typeface="Cambria Math" panose="02040503050406030204" pitchFamily="18" charset="0"/>
+                        </a:rPr>
+                        <m:t>𝐹𝐹𝑇</m:t>
+                      </m:r>
+                      <m:r>
+                        <a:rPr lang="en-US" i="1" dirty="0" smtClean="0">
+                          <a:latin typeface="Cambria Math" panose="02040503050406030204" pitchFamily="18" charset="0"/>
+                        </a:rPr>
+                        <m:t>(</m:t>
+                      </m:r>
+                      <m:r>
+                        <a:rPr lang="en-US" i="1" dirty="0" smtClean="0">
+                          <a:latin typeface="Cambria Math" panose="02040503050406030204" pitchFamily="18" charset="0"/>
+                        </a:rPr>
+                        <m:t>𝐹</m:t>
+                      </m:r>
+                      <m:r>
+                        <a:rPr lang="en-US" i="1" dirty="0" smtClean="0">
+                          <a:latin typeface="Cambria Math" panose="02040503050406030204" pitchFamily="18" charset="0"/>
+                        </a:rPr>
+                        <m:t>)∗</m:t>
+                      </m:r>
+                      <m:r>
+                        <a:rPr lang="en-US" i="1" dirty="0" smtClean="0">
+                          <a:latin typeface="Cambria Math" panose="02040503050406030204" pitchFamily="18" charset="0"/>
+                        </a:rPr>
+                        <m:t>𝐹𝐹𝑇</m:t>
+                      </m:r>
+                      <m:r>
+                        <a:rPr lang="en-US" i="1" dirty="0" smtClean="0">
+                          <a:latin typeface="Cambria Math" panose="02040503050406030204" pitchFamily="18" charset="0"/>
+                        </a:rPr>
+                        <m:t>(</m:t>
+                      </m:r>
+                      <m:r>
+                        <a:rPr lang="en-US" i="1" dirty="0" smtClean="0">
+                          <a:latin typeface="Cambria Math" panose="02040503050406030204" pitchFamily="18" charset="0"/>
+                        </a:rPr>
+                        <m:t>𝐺</m:t>
+                      </m:r>
+                      <m:r>
+                        <a:rPr lang="en-US" i="1" dirty="0" smtClean="0">
+                          <a:latin typeface="Cambria Math" panose="02040503050406030204" pitchFamily="18" charset="0"/>
+                        </a:rPr>
+                        <m:t>) )</m:t>
+                      </m:r>
+                    </m:oMath>
+                  </m:oMathPara>
+                </a14:m>
+                <a:endParaRPr lang="en-US" dirty="0" smtClean="0"/>
+              </a:p>
+              <a:p>
+                <a:r>
+                  <a:rPr lang="ru-RU" dirty="0" smtClean="0"/>
+                  <a:t>Где</a:t>
+                </a:r>
+              </a:p>
+              <a:p>
+                <a:pPr lvl="1"/>
+                <a14:m>
+                  <m:oMath xmlns:m="http://schemas.openxmlformats.org/officeDocument/2006/math">
+                    <m:r>
+                      <a:rPr lang="en-US" i="1" dirty="0" smtClean="0">
+                        <a:latin typeface="Cambria Math" panose="02040503050406030204" pitchFamily="18" charset="0"/>
+                      </a:rPr>
+                      <m:t>𝐹𝐹𝑇</m:t>
+                    </m:r>
+                    <m:r>
+                      <a:rPr lang="en-US" i="1" dirty="0" smtClean="0">
+                        <a:latin typeface="Cambria Math" panose="02040503050406030204" pitchFamily="18" charset="0"/>
+                      </a:rPr>
+                      <m:t> </m:t>
+                    </m:r>
+                  </m:oMath>
+                </a14:m>
+                <a:r>
+                  <a:rPr lang="en-US" dirty="0"/>
+                  <a:t>– </a:t>
+                </a:r>
+                <a:r>
+                  <a:rPr lang="ru-RU" dirty="0"/>
+                  <a:t>операция прямого преобразования </a:t>
+                </a:r>
+                <a:r>
+                  <a:rPr lang="ru-RU" dirty="0" smtClean="0"/>
+                  <a:t>Фурье</a:t>
+                </a:r>
+              </a:p>
+              <a:p>
+                <a:pPr lvl="1"/>
+                <a14:m>
+                  <m:oMath xmlns:m="http://schemas.openxmlformats.org/officeDocument/2006/math">
+                    <m:r>
+                      <a:rPr lang="en-US" i="1" dirty="0" smtClean="0">
+                        <a:latin typeface="Cambria Math" panose="02040503050406030204" pitchFamily="18" charset="0"/>
+                      </a:rPr>
+                      <m:t>𝐵𝐹𝑇</m:t>
+                    </m:r>
+                    <m:r>
+                      <a:rPr lang="en-US" i="1" dirty="0" smtClean="0">
+                        <a:latin typeface="Cambria Math" panose="02040503050406030204" pitchFamily="18" charset="0"/>
+                      </a:rPr>
+                      <m:t> </m:t>
+                    </m:r>
+                  </m:oMath>
+                </a14:m>
+                <a:r>
+                  <a:rPr lang="en-US" dirty="0"/>
+                  <a:t>– </a:t>
+                </a:r>
+                <a:r>
+                  <a:rPr lang="ru-RU" dirty="0"/>
+                  <a:t>операция </a:t>
+                </a:r>
+                <a:r>
+                  <a:rPr lang="ru-RU" dirty="0" smtClean="0"/>
+                  <a:t>обратного преобразования Фурье</a:t>
+                </a:r>
+              </a:p>
+              <a:p>
+                <a:r>
+                  <a:rPr lang="ru-RU" dirty="0" smtClean="0"/>
+                  <a:t>Проверить правильность равенства довольно легко – явно подставив в формулы Фурье-преобразований и сократив получившиеся формулы </a:t>
+                </a:r>
+                <a:endParaRPr lang="ru-RU" dirty="0"/>
+              </a:p>
+              <a:p>
+                <a:endParaRPr lang="ru-RU" dirty="0"/>
+              </a:p>
+            </p:txBody>
+          </p:sp>
+        </mc:Choice>
+        <mc:Fallback xmlns="">
+          <p:sp>
+            <p:nvSpPr>
+              <p:cNvPr id="3" name="Объект 2"/>
+              <p:cNvSpPr>
+                <a:spLocks noGrp="1" noRot="1" noChangeAspect="1" noMove="1" noResize="1" noEditPoints="1" noAdjustHandles="1" noChangeArrowheads="1" noChangeShapeType="1" noTextEdit="1"/>
+              </p:cNvSpPr>
+              <p:nvPr>
+                <p:ph idx="1"/>
+              </p:nvPr>
+            </p:nvSpPr>
+            <p:spPr>
+              <a:blipFill rotWithShape="0">
+                <a:blip r:embed="rId2"/>
+                <a:stretch>
+                  <a:fillRect l="-303" t="-2105" r="-970"/>
+                </a:stretch>
+              </a:blipFill>
+            </p:spPr>
+            <p:txBody>
+              <a:bodyPr/>
+              <a:lstStyle/>
+              <a:p>
+                <a:r>
+                  <a:rPr lang="ru-RU">
+                    <a:noFill/>
+                  </a:rPr>
+                  <a:t> </a:t>
+                </a:r>
+              </a:p>
+            </p:txBody>
+          </p:sp>
+        </mc:Fallback>
+      </mc:AlternateContent>
       <p:sp>
         <p:nvSpPr>
           <p:cNvPr id="4" name="Нижний колонтитул 3"/>
@@ -5061,223 +5196,626 @@
           </a:p>
         </p:txBody>
       </p:sp>
-      <p:sp>
-        <p:nvSpPr>
-          <p:cNvPr id="3" name="Объект 2"/>
-          <p:cNvSpPr>
-            <a:spLocks noGrp="1"/>
-          </p:cNvSpPr>
-          <p:nvPr>
-            <p:ph idx="1"/>
-          </p:nvPr>
-        </p:nvSpPr>
-        <p:spPr/>
-        <p:txBody>
-          <a:bodyPr>
-            <a:normAutofit fontScale="92500"/>
-          </a:bodyPr>
-          <a:lstStyle/>
-          <a:p>
-            <a:r>
-              <a:rPr lang="ru-RU" dirty="0" smtClean="0"/>
-              <a:t>Пусть </a:t>
-            </a:r>
-            <a:r>
-              <a:rPr lang="en-US" dirty="0" smtClean="0"/>
-              <a:t>&lt;F,G&gt;(t</a:t>
-            </a:r>
-            <a:r>
-              <a:rPr lang="en-US" dirty="0"/>
-              <a:t>) </a:t>
-            </a:r>
-            <a:r>
-              <a:rPr lang="ru-RU" dirty="0"/>
-              <a:t>равна корреляции получаемой в результате сдвига одного вектора, относительно другого на шаг </a:t>
-            </a:r>
-            <a:r>
-              <a:rPr lang="en-US" dirty="0" smtClean="0"/>
-              <a:t>t</a:t>
-            </a:r>
-          </a:p>
-          <a:p>
-            <a:r>
-              <a:rPr lang="ru-RU" dirty="0" smtClean="0"/>
-              <a:t>Тогда</a:t>
-            </a:r>
-            <a:r>
-              <a:rPr lang="en-US" dirty="0"/>
-              <a:t>,</a:t>
-            </a:r>
-            <a:r>
-              <a:rPr lang="ru-RU" dirty="0" smtClean="0"/>
-              <a:t> как уже показано ранее, выполняется </a:t>
-            </a:r>
-            <a:endParaRPr lang="en-US" dirty="0" smtClean="0"/>
-          </a:p>
-          <a:p>
-            <a:pPr marL="0" indent="0" algn="ctr">
-              <a:buNone/>
-            </a:pPr>
-            <a:r>
-              <a:rPr lang="en-US" dirty="0" smtClean="0"/>
-              <a:t>&lt;F,G</a:t>
-            </a:r>
-            <a:r>
-              <a:rPr lang="en-US" dirty="0"/>
-              <a:t>&gt;(t) </a:t>
-            </a:r>
-            <a:r>
-              <a:rPr lang="en-US" dirty="0" smtClean="0"/>
-              <a:t> = F</a:t>
-            </a:r>
-            <a:r>
-              <a:rPr lang="ru-RU" dirty="0"/>
-              <a:t>х</a:t>
-            </a:r>
-            <a:r>
-              <a:rPr lang="en-US" dirty="0" smtClean="0"/>
-              <a:t>G’(</a:t>
-            </a:r>
-            <a:r>
-              <a:rPr lang="en-US" dirty="0"/>
-              <a:t>t) = BFT ( FFT(F)*</a:t>
-            </a:r>
-            <a:r>
-              <a:rPr lang="en-US" dirty="0" smtClean="0"/>
-              <a:t>FFT(G’) )</a:t>
-            </a:r>
-            <a:endParaRPr lang="ru-RU" dirty="0" smtClean="0"/>
-          </a:p>
-          <a:p>
-            <a:pPr marL="0" indent="0">
-              <a:buNone/>
-            </a:pPr>
-            <a:r>
-              <a:rPr lang="ru-RU" dirty="0" smtClean="0"/>
-              <a:t>Если используются реализации алгоритма трансформации Фурье через комплексные числа, то такие преобразования обладают ещё одним замечательным свойством</a:t>
-            </a:r>
-            <a:r>
-              <a:rPr lang="en-US" dirty="0" smtClean="0"/>
-              <a:t>:</a:t>
-            </a:r>
-          </a:p>
-          <a:p>
-            <a:pPr marL="0" indent="0" algn="ctr">
-              <a:buNone/>
-            </a:pPr>
-            <a:r>
-              <a:rPr lang="en-US" dirty="0"/>
-              <a:t>FFT(G</a:t>
-            </a:r>
-            <a:r>
-              <a:rPr lang="en-US" dirty="0" smtClean="0"/>
-              <a:t>’) </a:t>
-            </a:r>
-            <a:r>
-              <a:rPr lang="en-US" dirty="0"/>
-              <a:t>= CONJUGATE ( </a:t>
-            </a:r>
-            <a:r>
-              <a:rPr lang="en-US" dirty="0" smtClean="0"/>
-              <a:t>FFT(G) )</a:t>
-            </a:r>
-          </a:p>
-          <a:p>
-            <a:pPr marL="0" indent="0">
-              <a:buNone/>
-            </a:pPr>
-            <a:r>
-              <a:rPr lang="ru-RU" dirty="0" smtClean="0"/>
-              <a:t>Где </a:t>
-            </a:r>
-            <a:r>
-              <a:rPr lang="en-US" dirty="0" smtClean="0"/>
-              <a:t> </a:t>
-            </a:r>
-            <a:r>
-              <a:rPr lang="en-US" dirty="0"/>
-              <a:t>CONJUGATE ( FFT(G) </a:t>
-            </a:r>
-            <a:r>
-              <a:rPr lang="en-US" dirty="0" smtClean="0"/>
-              <a:t>) </a:t>
-            </a:r>
-            <a:r>
-              <a:rPr lang="ru-RU" dirty="0" smtClean="0"/>
-              <a:t>– матрица, составленная из сопряжённых элементов матрицы </a:t>
-            </a:r>
-            <a:r>
-              <a:rPr lang="en-US" dirty="0"/>
-              <a:t>FFT(G</a:t>
-            </a:r>
-            <a:r>
-              <a:rPr lang="en-US" dirty="0" smtClean="0"/>
-              <a:t>)</a:t>
-            </a:r>
-            <a:endParaRPr lang="en-US" dirty="0"/>
-          </a:p>
-          <a:p>
-            <a:pPr marL="0" indent="0">
-              <a:buNone/>
-            </a:pPr>
-            <a:r>
-              <a:rPr lang="ru-RU" dirty="0" smtClean="0"/>
-              <a:t>Таким образом</a:t>
-            </a:r>
-            <a:r>
-              <a:rPr lang="ru-RU" dirty="0"/>
-              <a:t>,</a:t>
-            </a:r>
-            <a:r>
-              <a:rPr lang="en-US" dirty="0" smtClean="0"/>
-              <a:t> </a:t>
-            </a:r>
-            <a:r>
-              <a:rPr lang="ru-RU" dirty="0" smtClean="0"/>
-              <a:t>получаем</a:t>
-            </a:r>
-          </a:p>
-          <a:p>
-            <a:pPr marL="0" indent="0" algn="ctr">
-              <a:buNone/>
-            </a:pPr>
-            <a:r>
-              <a:rPr lang="en-US" dirty="0"/>
-              <a:t>&lt;F,G&gt;(t)  = </a:t>
-            </a:r>
-            <a:r>
-              <a:rPr lang="en-US" dirty="0" smtClean="0"/>
-              <a:t>BFT </a:t>
-            </a:r>
-            <a:r>
-              <a:rPr lang="en-US" dirty="0"/>
-              <a:t>( FFT(F</a:t>
-            </a:r>
-            <a:r>
-              <a:rPr lang="en-US" dirty="0" smtClean="0"/>
-              <a:t>)*</a:t>
-            </a:r>
-            <a:r>
-              <a:rPr lang="en-US" dirty="0"/>
-              <a:t>CONJUGATE ( FFT(G) </a:t>
-            </a:r>
-            <a:r>
-              <a:rPr lang="en-US" dirty="0" smtClean="0"/>
-              <a:t>))</a:t>
-            </a:r>
-            <a:endParaRPr lang="ru-RU" dirty="0"/>
-          </a:p>
-          <a:p>
-            <a:pPr marL="0" indent="0">
-              <a:buNone/>
-            </a:pPr>
-            <a:endParaRPr lang="en-US" dirty="0"/>
-          </a:p>
-          <a:p>
-            <a:endParaRPr lang="ru-RU" dirty="0"/>
-          </a:p>
-        </p:txBody>
-      </p:sp>
+      <mc:AlternateContent xmlns:mc="http://schemas.openxmlformats.org/markup-compatibility/2006" xmlns:a14="http://schemas.microsoft.com/office/drawing/2010/main">
+        <mc:Choice Requires="a14">
+          <p:sp>
+            <p:nvSpPr>
+              <p:cNvPr id="3" name="Объект 2"/>
+              <p:cNvSpPr>
+                <a:spLocks noGrp="1"/>
+              </p:cNvSpPr>
+              <p:nvPr>
+                <p:ph idx="1"/>
+              </p:nvPr>
+            </p:nvSpPr>
+            <p:spPr/>
+            <p:txBody>
+              <a:bodyPr>
+                <a:normAutofit/>
+              </a:bodyPr>
+              <a:lstStyle/>
+              <a:p>
+                <a:r>
+                  <a:rPr lang="ru-RU" dirty="0" smtClean="0"/>
+                  <a:t>Пусть </a:t>
+                </a:r>
+                <a14:m>
+                  <m:oMath xmlns:m="http://schemas.openxmlformats.org/officeDocument/2006/math">
+                    <m:r>
+                      <a:rPr lang="en-US" i="1" dirty="0" smtClean="0">
+                        <a:latin typeface="Cambria Math" panose="02040503050406030204" pitchFamily="18" charset="0"/>
+                      </a:rPr>
+                      <m:t>&lt;</m:t>
+                    </m:r>
+                    <m:r>
+                      <a:rPr lang="en-US" i="1" dirty="0" smtClean="0">
+                        <a:latin typeface="Cambria Math" panose="02040503050406030204" pitchFamily="18" charset="0"/>
+                      </a:rPr>
+                      <m:t>𝐹</m:t>
+                    </m:r>
+                    <m:r>
+                      <a:rPr lang="en-US" i="1" dirty="0" smtClean="0">
+                        <a:latin typeface="Cambria Math" panose="02040503050406030204" pitchFamily="18" charset="0"/>
+                      </a:rPr>
+                      <m:t>,</m:t>
+                    </m:r>
+                    <m:r>
+                      <a:rPr lang="en-US" i="1" dirty="0" smtClean="0">
+                        <a:latin typeface="Cambria Math" panose="02040503050406030204" pitchFamily="18" charset="0"/>
+                      </a:rPr>
+                      <m:t>𝐺</m:t>
+                    </m:r>
+                    <m:r>
+                      <a:rPr lang="en-US" i="1" dirty="0" smtClean="0">
+                        <a:latin typeface="Cambria Math" panose="02040503050406030204" pitchFamily="18" charset="0"/>
+                      </a:rPr>
+                      <m:t>&gt;(</m:t>
+                    </m:r>
+                    <m:r>
+                      <a:rPr lang="en-US" i="1" dirty="0" smtClean="0">
+                        <a:latin typeface="Cambria Math" panose="02040503050406030204" pitchFamily="18" charset="0"/>
+                      </a:rPr>
+                      <m:t>𝑡</m:t>
+                    </m:r>
+                    <m:r>
+                      <a:rPr lang="en-US" i="1" dirty="0">
+                        <a:latin typeface="Cambria Math" panose="02040503050406030204" pitchFamily="18" charset="0"/>
+                      </a:rPr>
+                      <m:t>) </m:t>
+                    </m:r>
+                  </m:oMath>
+                </a14:m>
+                <a:r>
+                  <a:rPr lang="ru-RU" dirty="0"/>
+                  <a:t>равна корреляции получаемой в результате сдвига одного вектора, относительно другого на шаг </a:t>
+                </a:r>
+                <a:r>
+                  <a:rPr lang="en-US" dirty="0" smtClean="0"/>
+                  <a:t>t</a:t>
+                </a:r>
+              </a:p>
+              <a:p>
+                <a:r>
+                  <a:rPr lang="ru-RU" dirty="0" smtClean="0"/>
+                  <a:t>Тогда</a:t>
+                </a:r>
+                <a:r>
+                  <a:rPr lang="en-US" dirty="0"/>
+                  <a:t>,</a:t>
+                </a:r>
+                <a:r>
+                  <a:rPr lang="ru-RU" dirty="0" smtClean="0"/>
+                  <a:t> как уже показано ранее, выполняется </a:t>
+                </a:r>
+                <a:endParaRPr lang="en-US" dirty="0" smtClean="0"/>
+              </a:p>
+              <a:p>
+                <a:pPr marL="0" indent="0" algn="ctr">
+                  <a:buNone/>
+                </a:pPr>
+                <a14:m>
+                  <m:oMathPara xmlns:m="http://schemas.openxmlformats.org/officeDocument/2006/math">
+                    <m:oMathParaPr>
+                      <m:jc m:val="centerGroup"/>
+                    </m:oMathParaPr>
+                    <m:oMath xmlns:m="http://schemas.openxmlformats.org/officeDocument/2006/math">
+                      <m:r>
+                        <a:rPr lang="en-US" i="1" dirty="0" smtClean="0">
+                          <a:latin typeface="Cambria Math" panose="02040503050406030204" pitchFamily="18" charset="0"/>
+                        </a:rPr>
+                        <m:t>&lt;</m:t>
+                      </m:r>
+                      <m:r>
+                        <a:rPr lang="en-US" i="1" dirty="0" smtClean="0">
+                          <a:latin typeface="Cambria Math" panose="02040503050406030204" pitchFamily="18" charset="0"/>
+                        </a:rPr>
+                        <m:t>𝐹</m:t>
+                      </m:r>
+                      <m:r>
+                        <a:rPr lang="en-US" i="1" dirty="0" smtClean="0">
+                          <a:latin typeface="Cambria Math" panose="02040503050406030204" pitchFamily="18" charset="0"/>
+                        </a:rPr>
+                        <m:t>,</m:t>
+                      </m:r>
+                      <m:r>
+                        <a:rPr lang="en-US" i="1" dirty="0" smtClean="0">
+                          <a:latin typeface="Cambria Math" panose="02040503050406030204" pitchFamily="18" charset="0"/>
+                        </a:rPr>
+                        <m:t>𝐺</m:t>
+                      </m:r>
+                      <m:r>
+                        <a:rPr lang="en-US" i="1" dirty="0">
+                          <a:latin typeface="Cambria Math" panose="02040503050406030204" pitchFamily="18" charset="0"/>
+                        </a:rPr>
+                        <m:t>&gt;(</m:t>
+                      </m:r>
+                      <m:r>
+                        <a:rPr lang="en-US" i="1" dirty="0">
+                          <a:latin typeface="Cambria Math" panose="02040503050406030204" pitchFamily="18" charset="0"/>
+                        </a:rPr>
+                        <m:t>𝑡</m:t>
+                      </m:r>
+                      <m:r>
+                        <a:rPr lang="en-US" i="1" dirty="0">
+                          <a:latin typeface="Cambria Math" panose="02040503050406030204" pitchFamily="18" charset="0"/>
+                        </a:rPr>
+                        <m:t>)  = </m:t>
+                      </m:r>
+                      <m:r>
+                        <a:rPr lang="en-US" i="1" dirty="0" smtClean="0">
+                          <a:latin typeface="Cambria Math" panose="02040503050406030204" pitchFamily="18" charset="0"/>
+                        </a:rPr>
+                        <m:t>𝐹</m:t>
+                      </m:r>
+                      <m:r>
+                        <a:rPr lang="ru-RU" i="1" dirty="0">
+                          <a:latin typeface="Cambria Math" panose="02040503050406030204" pitchFamily="18" charset="0"/>
+                        </a:rPr>
+                        <m:t>х</m:t>
+                      </m:r>
+                      <m:r>
+                        <a:rPr lang="en-US" i="1" dirty="0" smtClean="0">
+                          <a:latin typeface="Cambria Math" panose="02040503050406030204" pitchFamily="18" charset="0"/>
+                        </a:rPr>
+                        <m:t>𝐺</m:t>
+                      </m:r>
+                      <m:r>
+                        <a:rPr lang="en-US" i="1" dirty="0" smtClean="0">
+                          <a:latin typeface="Cambria Math" panose="02040503050406030204" pitchFamily="18" charset="0"/>
+                        </a:rPr>
+                        <m:t>’(</m:t>
+                      </m:r>
+                      <m:r>
+                        <a:rPr lang="en-US" i="1" dirty="0">
+                          <a:latin typeface="Cambria Math" panose="02040503050406030204" pitchFamily="18" charset="0"/>
+                        </a:rPr>
+                        <m:t>𝑡</m:t>
+                      </m:r>
+                      <m:r>
+                        <a:rPr lang="en-US" i="1" dirty="0">
+                          <a:latin typeface="Cambria Math" panose="02040503050406030204" pitchFamily="18" charset="0"/>
+                        </a:rPr>
+                        <m:t>) = </m:t>
+                      </m:r>
+                      <m:r>
+                        <a:rPr lang="en-US" i="1" dirty="0">
+                          <a:latin typeface="Cambria Math" panose="02040503050406030204" pitchFamily="18" charset="0"/>
+                        </a:rPr>
+                        <m:t>𝐵𝐹𝑇</m:t>
+                      </m:r>
+                      <m:r>
+                        <a:rPr lang="en-US" i="1" dirty="0">
+                          <a:latin typeface="Cambria Math" panose="02040503050406030204" pitchFamily="18" charset="0"/>
+                        </a:rPr>
+                        <m:t> ( </m:t>
+                      </m:r>
+                      <m:r>
+                        <a:rPr lang="en-US" i="1" dirty="0">
+                          <a:latin typeface="Cambria Math" panose="02040503050406030204" pitchFamily="18" charset="0"/>
+                        </a:rPr>
+                        <m:t>𝐹𝐹𝑇</m:t>
+                      </m:r>
+                      <m:r>
+                        <a:rPr lang="en-US" i="1" dirty="0">
+                          <a:latin typeface="Cambria Math" panose="02040503050406030204" pitchFamily="18" charset="0"/>
+                        </a:rPr>
+                        <m:t>(</m:t>
+                      </m:r>
+                      <m:r>
+                        <a:rPr lang="en-US" i="1" dirty="0">
+                          <a:latin typeface="Cambria Math" panose="02040503050406030204" pitchFamily="18" charset="0"/>
+                        </a:rPr>
+                        <m:t>𝐹</m:t>
+                      </m:r>
+                      <m:r>
+                        <a:rPr lang="en-US" i="1" dirty="0">
+                          <a:latin typeface="Cambria Math" panose="02040503050406030204" pitchFamily="18" charset="0"/>
+                        </a:rPr>
+                        <m:t>)∗</m:t>
+                      </m:r>
+                      <m:r>
+                        <a:rPr lang="en-US" i="1" dirty="0" smtClean="0">
+                          <a:latin typeface="Cambria Math" panose="02040503050406030204" pitchFamily="18" charset="0"/>
+                        </a:rPr>
+                        <m:t>𝐹𝐹𝑇</m:t>
+                      </m:r>
+                      <m:r>
+                        <a:rPr lang="en-US" i="1" dirty="0" smtClean="0">
+                          <a:latin typeface="Cambria Math" panose="02040503050406030204" pitchFamily="18" charset="0"/>
+                        </a:rPr>
+                        <m:t>(</m:t>
+                      </m:r>
+                      <m:r>
+                        <a:rPr lang="en-US" i="1" dirty="0" smtClean="0">
+                          <a:latin typeface="Cambria Math" panose="02040503050406030204" pitchFamily="18" charset="0"/>
+                        </a:rPr>
+                        <m:t>𝐺</m:t>
+                      </m:r>
+                      <m:r>
+                        <a:rPr lang="en-US" i="1" dirty="0" smtClean="0">
+                          <a:latin typeface="Cambria Math" panose="02040503050406030204" pitchFamily="18" charset="0"/>
+                        </a:rPr>
+                        <m:t>’) )</m:t>
+                      </m:r>
+                    </m:oMath>
+                  </m:oMathPara>
+                </a14:m>
+                <a:endParaRPr lang="ru-RU" dirty="0" smtClean="0"/>
+              </a:p>
+              <a:p>
+                <a:pPr marL="0" indent="0">
+                  <a:buNone/>
+                </a:pPr>
+                <a:r>
+                  <a:rPr lang="ru-RU" dirty="0" smtClean="0"/>
+                  <a:t>Если используются реализации алгоритма трансформации Фурье через комплексные числа, то такие преобразования обладают ещё одним замечательным свойством</a:t>
+                </a:r>
+                <a:r>
+                  <a:rPr lang="en-US" dirty="0" smtClean="0"/>
+                  <a:t>:</a:t>
+                </a:r>
+              </a:p>
+              <a:p>
+                <a:pPr marL="0" indent="0" algn="ctr">
+                  <a:buNone/>
+                </a:pPr>
+                <a14:m>
+                  <m:oMathPara xmlns:m="http://schemas.openxmlformats.org/officeDocument/2006/math">
+                    <m:oMathParaPr>
+                      <m:jc m:val="centerGroup"/>
+                    </m:oMathParaPr>
+                    <m:oMath xmlns:m="http://schemas.openxmlformats.org/officeDocument/2006/math">
+                      <m:r>
+                        <a:rPr lang="en-US" i="1" dirty="0" smtClean="0">
+                          <a:latin typeface="Cambria Math" panose="02040503050406030204" pitchFamily="18" charset="0"/>
+                        </a:rPr>
+                        <m:t>𝐹𝐹𝑇</m:t>
+                      </m:r>
+                      <m:r>
+                        <a:rPr lang="en-US" i="1" dirty="0" smtClean="0">
+                          <a:latin typeface="Cambria Math" panose="02040503050406030204" pitchFamily="18" charset="0"/>
+                        </a:rPr>
+                        <m:t>(</m:t>
+                      </m:r>
+                      <m:r>
+                        <a:rPr lang="en-US" i="1" dirty="0" smtClean="0">
+                          <a:latin typeface="Cambria Math" panose="02040503050406030204" pitchFamily="18" charset="0"/>
+                        </a:rPr>
+                        <m:t>𝐺</m:t>
+                      </m:r>
+                      <m:r>
+                        <a:rPr lang="en-US" i="1" dirty="0" smtClean="0">
+                          <a:latin typeface="Cambria Math" panose="02040503050406030204" pitchFamily="18" charset="0"/>
+                        </a:rPr>
+                        <m:t>’) = </m:t>
+                      </m:r>
+                      <m:r>
+                        <a:rPr lang="en-US" i="1" dirty="0">
+                          <a:latin typeface="Cambria Math" panose="02040503050406030204" pitchFamily="18" charset="0"/>
+                        </a:rPr>
+                        <m:t>𝐶𝑂𝑁𝐽𝑈𝐺𝐴𝑇𝐸</m:t>
+                      </m:r>
+                      <m:r>
+                        <a:rPr lang="en-US" i="1" dirty="0">
+                          <a:latin typeface="Cambria Math" panose="02040503050406030204" pitchFamily="18" charset="0"/>
+                        </a:rPr>
+                        <m:t> ( </m:t>
+                      </m:r>
+                      <m:r>
+                        <a:rPr lang="en-US" i="1" dirty="0" smtClean="0">
+                          <a:latin typeface="Cambria Math" panose="02040503050406030204" pitchFamily="18" charset="0"/>
+                        </a:rPr>
+                        <m:t>𝐹𝐹𝑇</m:t>
+                      </m:r>
+                      <m:r>
+                        <a:rPr lang="en-US" i="1" dirty="0" smtClean="0">
+                          <a:latin typeface="Cambria Math" panose="02040503050406030204" pitchFamily="18" charset="0"/>
+                        </a:rPr>
+                        <m:t>(</m:t>
+                      </m:r>
+                      <m:r>
+                        <a:rPr lang="en-US" i="1" dirty="0" smtClean="0">
+                          <a:latin typeface="Cambria Math" panose="02040503050406030204" pitchFamily="18" charset="0"/>
+                        </a:rPr>
+                        <m:t>𝐺</m:t>
+                      </m:r>
+                      <m:r>
+                        <a:rPr lang="en-US" i="1" dirty="0" smtClean="0">
+                          <a:latin typeface="Cambria Math" panose="02040503050406030204" pitchFamily="18" charset="0"/>
+                        </a:rPr>
+                        <m:t>) )</m:t>
+                      </m:r>
+                    </m:oMath>
+                  </m:oMathPara>
+                </a14:m>
+                <a:endParaRPr lang="en-US" dirty="0" smtClean="0"/>
+              </a:p>
+              <a:p>
+                <a:pPr marL="0" indent="0">
+                  <a:buNone/>
+                </a:pPr>
+                <a:r>
+                  <a:rPr lang="ru-RU" dirty="0" smtClean="0"/>
+                  <a:t>Где </a:t>
+                </a:r>
+                <a:r>
+                  <a:rPr lang="en-US" dirty="0" smtClean="0"/>
+                  <a:t> </a:t>
+                </a:r>
+                <a14:m>
+                  <m:oMath xmlns:m="http://schemas.openxmlformats.org/officeDocument/2006/math">
+                    <m:r>
+                      <a:rPr lang="en-US" i="1" dirty="0" smtClean="0">
+                        <a:latin typeface="Cambria Math" panose="02040503050406030204" pitchFamily="18" charset="0"/>
+                      </a:rPr>
+                      <m:t>𝐶𝑂𝑁𝐽𝑈𝐺𝐴𝑇𝐸</m:t>
+                    </m:r>
+                    <m:r>
+                      <a:rPr lang="en-US" i="1" dirty="0" smtClean="0">
+                        <a:latin typeface="Cambria Math" panose="02040503050406030204" pitchFamily="18" charset="0"/>
+                      </a:rPr>
+                      <m:t> ( </m:t>
+                    </m:r>
+                    <m:r>
+                      <a:rPr lang="en-US" i="1" dirty="0" smtClean="0">
+                        <a:latin typeface="Cambria Math" panose="02040503050406030204" pitchFamily="18" charset="0"/>
+                      </a:rPr>
+                      <m:t>𝐹𝐹𝑇</m:t>
+                    </m:r>
+                    <m:r>
+                      <a:rPr lang="en-US" i="1" dirty="0" smtClean="0">
+                        <a:latin typeface="Cambria Math" panose="02040503050406030204" pitchFamily="18" charset="0"/>
+                      </a:rPr>
+                      <m:t>(</m:t>
+                    </m:r>
+                    <m:r>
+                      <a:rPr lang="en-US" i="1" dirty="0" smtClean="0">
+                        <a:latin typeface="Cambria Math" panose="02040503050406030204" pitchFamily="18" charset="0"/>
+                      </a:rPr>
+                      <m:t>𝐺</m:t>
+                    </m:r>
+                    <m:r>
+                      <a:rPr lang="en-US" i="1" dirty="0" smtClean="0">
+                        <a:latin typeface="Cambria Math" panose="02040503050406030204" pitchFamily="18" charset="0"/>
+                      </a:rPr>
+                      <m:t>) )</m:t>
+                    </m:r>
+                  </m:oMath>
+                </a14:m>
+                <a:r>
+                  <a:rPr lang="en-US" dirty="0" smtClean="0"/>
+                  <a:t> </a:t>
+                </a:r>
+                <a:r>
+                  <a:rPr lang="ru-RU" dirty="0" smtClean="0"/>
+                  <a:t>– матрица, составленная из сопряжённых элементов матрицы </a:t>
+                </a:r>
+                <a14:m>
+                  <m:oMath xmlns:m="http://schemas.openxmlformats.org/officeDocument/2006/math">
+                    <m:r>
+                      <a:rPr lang="en-US" i="1" dirty="0" smtClean="0">
+                        <a:latin typeface="Cambria Math" panose="02040503050406030204" pitchFamily="18" charset="0"/>
+                      </a:rPr>
+                      <m:t>𝐹𝐹𝑇</m:t>
+                    </m:r>
+                    <m:r>
+                      <a:rPr lang="en-US" i="1" dirty="0" smtClean="0">
+                        <a:latin typeface="Cambria Math" panose="02040503050406030204" pitchFamily="18" charset="0"/>
+                      </a:rPr>
+                      <m:t>(</m:t>
+                    </m:r>
+                    <m:r>
+                      <a:rPr lang="en-US" i="1" dirty="0" smtClean="0">
+                        <a:latin typeface="Cambria Math" panose="02040503050406030204" pitchFamily="18" charset="0"/>
+                      </a:rPr>
+                      <m:t>𝐺</m:t>
+                    </m:r>
+                    <m:r>
+                      <a:rPr lang="en-US" i="1" dirty="0" smtClean="0">
+                        <a:latin typeface="Cambria Math" panose="02040503050406030204" pitchFamily="18" charset="0"/>
+                      </a:rPr>
+                      <m:t>)</m:t>
+                    </m:r>
+                  </m:oMath>
+                </a14:m>
+                <a:endParaRPr lang="en-US" dirty="0"/>
+              </a:p>
+              <a:p>
+                <a:pPr marL="0" indent="0">
+                  <a:buNone/>
+                </a:pPr>
+                <a:r>
+                  <a:rPr lang="ru-RU" dirty="0" smtClean="0"/>
+                  <a:t>Таким образом</a:t>
+                </a:r>
+                <a:r>
+                  <a:rPr lang="ru-RU" dirty="0"/>
+                  <a:t>,</a:t>
+                </a:r>
+                <a:r>
+                  <a:rPr lang="en-US" dirty="0" smtClean="0"/>
+                  <a:t> </a:t>
+                </a:r>
+                <a:r>
+                  <a:rPr lang="ru-RU" dirty="0" smtClean="0"/>
+                  <a:t>получаем</a:t>
+                </a:r>
+              </a:p>
+              <a:p>
+                <a:pPr marL="0" indent="0" algn="ctr">
+                  <a:buNone/>
+                </a:pPr>
+                <a14:m>
+                  <m:oMathPara xmlns:m="http://schemas.openxmlformats.org/officeDocument/2006/math">
+                    <m:oMathParaPr>
+                      <m:jc m:val="centerGroup"/>
+                    </m:oMathParaPr>
+                    <m:oMath xmlns:m="http://schemas.openxmlformats.org/officeDocument/2006/math">
+                      <m:r>
+                        <a:rPr lang="en-US" i="1" dirty="0" smtClean="0">
+                          <a:latin typeface="Cambria Math" panose="02040503050406030204" pitchFamily="18" charset="0"/>
+                        </a:rPr>
+                        <m:t>&lt;</m:t>
+                      </m:r>
+                      <m:r>
+                        <a:rPr lang="en-US" i="1" dirty="0" smtClean="0">
+                          <a:latin typeface="Cambria Math" panose="02040503050406030204" pitchFamily="18" charset="0"/>
+                        </a:rPr>
+                        <m:t>𝐹</m:t>
+                      </m:r>
+                      <m:r>
+                        <a:rPr lang="en-US" i="1" dirty="0" smtClean="0">
+                          <a:latin typeface="Cambria Math" panose="02040503050406030204" pitchFamily="18" charset="0"/>
+                        </a:rPr>
+                        <m:t>,</m:t>
+                      </m:r>
+                      <m:r>
+                        <a:rPr lang="en-US" i="1" dirty="0" smtClean="0">
+                          <a:latin typeface="Cambria Math" panose="02040503050406030204" pitchFamily="18" charset="0"/>
+                        </a:rPr>
+                        <m:t>𝐺</m:t>
+                      </m:r>
+                      <m:r>
+                        <a:rPr lang="en-US" i="1" dirty="0" smtClean="0">
+                          <a:latin typeface="Cambria Math" panose="02040503050406030204" pitchFamily="18" charset="0"/>
+                        </a:rPr>
+                        <m:t>&gt;(</m:t>
+                      </m:r>
+                      <m:r>
+                        <a:rPr lang="en-US" i="1" dirty="0" smtClean="0">
+                          <a:latin typeface="Cambria Math" panose="02040503050406030204" pitchFamily="18" charset="0"/>
+                        </a:rPr>
+                        <m:t>𝑡</m:t>
+                      </m:r>
+                      <m:r>
+                        <a:rPr lang="en-US" i="1" dirty="0" smtClean="0">
+                          <a:latin typeface="Cambria Math" panose="02040503050406030204" pitchFamily="18" charset="0"/>
+                        </a:rPr>
+                        <m:t>)  = </m:t>
+                      </m:r>
+                      <m:r>
+                        <a:rPr lang="en-US" i="1" dirty="0" smtClean="0">
+                          <a:latin typeface="Cambria Math" panose="02040503050406030204" pitchFamily="18" charset="0"/>
+                        </a:rPr>
+                        <m:t>𝐵𝐹𝑇</m:t>
+                      </m:r>
+                      <m:r>
+                        <a:rPr lang="en-US" i="1" dirty="0" smtClean="0">
+                          <a:latin typeface="Cambria Math" panose="02040503050406030204" pitchFamily="18" charset="0"/>
+                        </a:rPr>
+                        <m:t> ( </m:t>
+                      </m:r>
+                      <m:r>
+                        <a:rPr lang="en-US" i="1" dirty="0">
+                          <a:latin typeface="Cambria Math" panose="02040503050406030204" pitchFamily="18" charset="0"/>
+                        </a:rPr>
+                        <m:t>𝐹𝐹𝑇</m:t>
+                      </m:r>
+                      <m:r>
+                        <a:rPr lang="en-US" i="1" dirty="0">
+                          <a:latin typeface="Cambria Math" panose="02040503050406030204" pitchFamily="18" charset="0"/>
+                        </a:rPr>
+                        <m:t>(</m:t>
+                      </m:r>
+                      <m:r>
+                        <a:rPr lang="en-US" i="1" dirty="0">
+                          <a:latin typeface="Cambria Math" panose="02040503050406030204" pitchFamily="18" charset="0"/>
+                        </a:rPr>
+                        <m:t>𝐹</m:t>
+                      </m:r>
+                      <m:r>
+                        <a:rPr lang="en-US" i="1" dirty="0" smtClean="0">
+                          <a:latin typeface="Cambria Math" panose="02040503050406030204" pitchFamily="18" charset="0"/>
+                        </a:rPr>
+                        <m:t>)∗</m:t>
+                      </m:r>
+                      <m:r>
+                        <a:rPr lang="en-US" i="1" dirty="0">
+                          <a:latin typeface="Cambria Math" panose="02040503050406030204" pitchFamily="18" charset="0"/>
+                        </a:rPr>
+                        <m:t>𝐶𝑂𝑁𝐽𝑈𝐺𝐴𝑇𝐸</m:t>
+                      </m:r>
+                      <m:r>
+                        <a:rPr lang="en-US" i="1" dirty="0">
+                          <a:latin typeface="Cambria Math" panose="02040503050406030204" pitchFamily="18" charset="0"/>
+                        </a:rPr>
+                        <m:t> ( </m:t>
+                      </m:r>
+                      <m:r>
+                        <a:rPr lang="en-US" i="1" dirty="0">
+                          <a:latin typeface="Cambria Math" panose="02040503050406030204" pitchFamily="18" charset="0"/>
+                        </a:rPr>
+                        <m:t>𝐹𝐹𝑇</m:t>
+                      </m:r>
+                      <m:r>
+                        <a:rPr lang="en-US" i="1" dirty="0">
+                          <a:latin typeface="Cambria Math" panose="02040503050406030204" pitchFamily="18" charset="0"/>
+                        </a:rPr>
+                        <m:t>(</m:t>
+                      </m:r>
+                      <m:r>
+                        <a:rPr lang="en-US" i="1" dirty="0">
+                          <a:latin typeface="Cambria Math" panose="02040503050406030204" pitchFamily="18" charset="0"/>
+                        </a:rPr>
+                        <m:t>𝐺</m:t>
+                      </m:r>
+                      <m:r>
+                        <a:rPr lang="en-US" i="1" dirty="0">
+                          <a:latin typeface="Cambria Math" panose="02040503050406030204" pitchFamily="18" charset="0"/>
+                        </a:rPr>
+                        <m:t>) ))</m:t>
+                      </m:r>
+                    </m:oMath>
+                  </m:oMathPara>
+                </a14:m>
+                <a:endParaRPr lang="ru-RU" dirty="0"/>
+              </a:p>
+              <a:p>
+                <a:pPr marL="0" indent="0">
+                  <a:buNone/>
+                </a:pPr>
+                <a:endParaRPr lang="en-US" dirty="0"/>
+              </a:p>
+              <a:p>
+                <a:endParaRPr lang="ru-RU" dirty="0"/>
+              </a:p>
+            </p:txBody>
+          </p:sp>
+        </mc:Choice>
+        <mc:Fallback xmlns="">
+          <p:sp>
+            <p:nvSpPr>
+              <p:cNvPr id="3" name="Объект 2"/>
+              <p:cNvSpPr>
+                <a:spLocks noGrp="1" noRot="1" noChangeAspect="1" noMove="1" noResize="1" noEditPoints="1" noAdjustHandles="1" noChangeArrowheads="1" noChangeShapeType="1" noTextEdit="1"/>
+              </p:cNvSpPr>
+              <p:nvPr>
+                <p:ph idx="1"/>
+              </p:nvPr>
+            </p:nvSpPr>
+            <p:spPr>
+              <a:blipFill rotWithShape="0">
+                <a:blip r:embed="rId2"/>
+                <a:stretch>
+                  <a:fillRect l="-667" t="-1353" b="-301"/>
+                </a:stretch>
+              </a:blipFill>
+            </p:spPr>
+            <p:txBody>
+              <a:bodyPr/>
+              <a:lstStyle/>
+              <a:p>
+                <a:r>
+                  <a:rPr lang="ru-RU">
+                    <a:noFill/>
+                  </a:rPr>
+                  <a:t> </a:t>
+                </a:r>
+              </a:p>
+            </p:txBody>
+          </p:sp>
+        </mc:Fallback>
+      </mc:AlternateContent>
       <p:sp>
         <p:nvSpPr>
           <p:cNvPr id="4" name="Нижний колонтитул 3"/>
@@ -5358,612 +5896,761 @@
           </a:p>
         </p:txBody>
       </p:sp>
-      <p:sp>
-        <p:nvSpPr>
-          <p:cNvPr id="3" name="Объект 2"/>
-          <p:cNvSpPr>
-            <a:spLocks noGrp="1"/>
-          </p:cNvSpPr>
-          <p:nvPr>
-            <p:ph idx="1"/>
-          </p:nvPr>
-        </p:nvSpPr>
-        <p:spPr/>
-        <p:txBody>
-          <a:bodyPr>
-            <a:normAutofit fontScale="70000" lnSpcReduction="20000"/>
-          </a:bodyPr>
-          <a:lstStyle/>
-          <a:p>
-            <a:r>
-              <a:rPr lang="ru-RU" dirty="0" smtClean="0"/>
-              <a:t>При использовании формулы для оценки расстояния между изображениями </a:t>
-            </a:r>
-            <a:r>
-              <a:rPr lang="ru-RU" dirty="0"/>
-              <a:t>при сдвиге </a:t>
-            </a:r>
-            <a:r>
-              <a:rPr lang="es-ES" dirty="0"/>
-              <a:t>(i,j) </a:t>
-            </a:r>
-            <a:r>
-              <a:rPr lang="ru-RU" dirty="0"/>
-              <a:t>относительно друг друга</a:t>
-            </a:r>
-            <a:endParaRPr lang="ru-RU" dirty="0" smtClean="0"/>
-          </a:p>
-          <a:p>
-            <a:pPr marL="0" indent="0" algn="ctr">
-              <a:buNone/>
-            </a:pPr>
-            <a:r>
-              <a:rPr lang="es-ES" dirty="0" smtClean="0"/>
-              <a:t>m(X,Y)</a:t>
-            </a:r>
-            <a:r>
-              <a:rPr lang="es-ES" dirty="0"/>
-              <a:t> (i,j)</a:t>
-            </a:r>
-            <a:r>
-              <a:rPr lang="es-ES" dirty="0" smtClean="0"/>
-              <a:t> </a:t>
-            </a:r>
-            <a:r>
-              <a:rPr lang="es-ES" dirty="0"/>
-              <a:t>= &lt;X,Y</a:t>
-            </a:r>
-            <a:r>
-              <a:rPr lang="es-ES" dirty="0" smtClean="0"/>
-              <a:t>&gt;</a:t>
-            </a:r>
-            <a:r>
-              <a:rPr lang="es-ES" dirty="0"/>
-              <a:t>(i,j)</a:t>
-            </a:r>
-            <a:r>
-              <a:rPr lang="es-ES" dirty="0" smtClean="0"/>
-              <a:t> </a:t>
-            </a:r>
-            <a:r>
-              <a:rPr lang="es-ES" dirty="0"/>
-              <a:t>/ ( </a:t>
-            </a:r>
-            <a:r>
-              <a:rPr lang="en-US" dirty="0" smtClean="0"/>
-              <a:t>|</a:t>
-            </a:r>
-            <a:r>
-              <a:rPr lang="es-ES" dirty="0" smtClean="0"/>
-              <a:t>X|(i,j</a:t>
-            </a:r>
-            <a:r>
-              <a:rPr lang="es-ES" dirty="0"/>
-              <a:t>)</a:t>
-            </a:r>
-            <a:r>
-              <a:rPr lang="es-ES" dirty="0" smtClean="0"/>
-              <a:t> </a:t>
-            </a:r>
-            <a:r>
-              <a:rPr lang="es-ES" dirty="0" smtClean="0"/>
-              <a:t>* </a:t>
-            </a:r>
-            <a:r>
-              <a:rPr lang="es-ES" dirty="0" smtClean="0"/>
-              <a:t>|Y|(</a:t>
-            </a:r>
-            <a:r>
-              <a:rPr lang="es-ES" dirty="0"/>
-              <a:t>i,j)</a:t>
-            </a:r>
-            <a:r>
-              <a:rPr lang="es-ES" dirty="0" smtClean="0"/>
-              <a:t> </a:t>
-            </a:r>
-            <a:r>
-              <a:rPr lang="es-ES" dirty="0"/>
-              <a:t>) </a:t>
-            </a:r>
-            <a:r>
-              <a:rPr lang="ru-RU" dirty="0" smtClean="0"/>
-              <a:t>, </a:t>
-            </a:r>
-          </a:p>
-          <a:p>
-            <a:r>
-              <a:rPr lang="ru-RU" dirty="0" smtClean="0"/>
-              <a:t>получаем, что</a:t>
-            </a:r>
-            <a:endParaRPr lang="es-ES" dirty="0"/>
-          </a:p>
-          <a:p>
-            <a:pPr lvl="1"/>
-            <a:r>
-              <a:rPr lang="es-ES" dirty="0"/>
-              <a:t>&lt;</a:t>
-            </a:r>
-            <a:r>
-              <a:rPr lang="es-ES" dirty="0" smtClean="0"/>
-              <a:t>X,Y&gt; = </a:t>
-            </a:r>
-            <a:r>
-              <a:rPr lang="en-US" dirty="0" smtClean="0"/>
-              <a:t>XxY’ = </a:t>
-            </a:r>
-            <a:r>
-              <a:rPr lang="en-US" dirty="0"/>
-              <a:t>BFT ( </a:t>
-            </a:r>
-            <a:r>
-              <a:rPr lang="en-US" dirty="0" smtClean="0"/>
-              <a:t>FFT(X</a:t>
-            </a:r>
-            <a:r>
-              <a:rPr lang="en-US" dirty="0" smtClean="0"/>
-              <a:t>) * </a:t>
-            </a:r>
-            <a:r>
-              <a:rPr lang="en-US" dirty="0"/>
-              <a:t>CONJUGATE ( </a:t>
-            </a:r>
-            <a:r>
-              <a:rPr lang="en-US" dirty="0" smtClean="0"/>
-              <a:t>FFT(</a:t>
-            </a:r>
-            <a:r>
-              <a:rPr lang="en-US" dirty="0"/>
-              <a:t>Y</a:t>
-            </a:r>
-            <a:r>
-              <a:rPr lang="en-US" dirty="0" smtClean="0"/>
-              <a:t>) ) )</a:t>
-            </a:r>
-            <a:endParaRPr lang="en-US" dirty="0" smtClean="0"/>
-          </a:p>
-          <a:p>
-            <a:pPr lvl="1"/>
-            <a:r>
-              <a:rPr lang="en-US" dirty="0"/>
-              <a:t>|</a:t>
-            </a:r>
-            <a:r>
-              <a:rPr lang="es-ES" dirty="0"/>
-              <a:t>X</a:t>
-            </a:r>
-            <a:r>
-              <a:rPr lang="es-ES" dirty="0" smtClean="0"/>
-              <a:t>|^2</a:t>
-            </a:r>
-            <a:r>
-              <a:rPr lang="ru-RU" dirty="0" smtClean="0"/>
-              <a:t> </a:t>
-            </a:r>
-            <a:r>
-              <a:rPr lang="en-US" dirty="0" smtClean="0"/>
-              <a:t>= </a:t>
-            </a:r>
-            <a:r>
-              <a:rPr lang="es-ES" dirty="0"/>
-              <a:t>&lt;X,X&gt; = </a:t>
-            </a:r>
-            <a:r>
-              <a:rPr lang="en-US" dirty="0"/>
-              <a:t>XxX’xE</a:t>
-            </a:r>
-            <a:r>
-              <a:rPr lang="en-US" dirty="0" smtClean="0"/>
-              <a:t>’</a:t>
-            </a:r>
-            <a:r>
-              <a:rPr lang="es-ES" dirty="0" smtClean="0"/>
-              <a:t> </a:t>
-            </a:r>
-            <a:r>
-              <a:rPr lang="en-US" dirty="0"/>
-              <a:t>= BFT ( </a:t>
-            </a:r>
-            <a:r>
-              <a:rPr lang="en-US" dirty="0" smtClean="0"/>
-              <a:t>FFT(X</a:t>
-            </a:r>
-            <a:r>
-              <a:rPr lang="en-US" dirty="0" smtClean="0"/>
-              <a:t>) * </a:t>
-            </a:r>
-            <a:r>
-              <a:rPr lang="en-US" dirty="0"/>
-              <a:t>CONJUGATE ( </a:t>
-            </a:r>
-            <a:r>
-              <a:rPr lang="en-US" dirty="0" smtClean="0"/>
-              <a:t>FFT(X) </a:t>
-            </a:r>
-            <a:r>
-              <a:rPr lang="en-US" dirty="0"/>
-              <a:t>) </a:t>
-            </a:r>
-            <a:r>
-              <a:rPr lang="en-US" dirty="0" smtClean="0"/>
-              <a:t>* </a:t>
-            </a:r>
-            <a:r>
-              <a:rPr lang="en-US" dirty="0"/>
-              <a:t>CONJUGATE ( </a:t>
-            </a:r>
-            <a:r>
-              <a:rPr lang="en-US" dirty="0" smtClean="0"/>
-              <a:t>FFT(E) </a:t>
-            </a:r>
-            <a:r>
-              <a:rPr lang="en-US" dirty="0"/>
-              <a:t>) </a:t>
-            </a:r>
-            <a:r>
-              <a:rPr lang="en-US" dirty="0" smtClean="0"/>
-              <a:t>)</a:t>
-            </a:r>
-            <a:r>
-              <a:rPr lang="ru-RU" dirty="0" smtClean="0"/>
-              <a:t> </a:t>
-            </a:r>
-            <a:r>
-              <a:rPr lang="en-US" dirty="0"/>
-              <a:t>= BFT </a:t>
-            </a:r>
-            <a:r>
-              <a:rPr lang="en-US" dirty="0" smtClean="0"/>
-              <a:t>(</a:t>
-            </a:r>
-            <a:r>
-              <a:rPr lang="ru-RU" dirty="0" smtClean="0"/>
-              <a:t> </a:t>
-            </a:r>
-            <a:r>
-              <a:rPr lang="en-US" dirty="0" smtClean="0"/>
-              <a:t>SQUAREMAGNITUDE( FFT(X) ) </a:t>
-            </a:r>
-            <a:r>
-              <a:rPr lang="en-US" dirty="0"/>
-              <a:t>* CONJUGATE ( FFT(E) ) </a:t>
-            </a:r>
-            <a:r>
-              <a:rPr lang="en-US" dirty="0" smtClean="0"/>
-              <a:t>)</a:t>
-            </a:r>
-            <a:endParaRPr lang="en-US" dirty="0"/>
-          </a:p>
-          <a:p>
-            <a:pPr lvl="1"/>
-            <a:r>
-              <a:rPr lang="en-US" dirty="0" smtClean="0"/>
-              <a:t>|</a:t>
-            </a:r>
-            <a:r>
-              <a:rPr lang="es-ES" dirty="0" smtClean="0"/>
-              <a:t>Y</a:t>
-            </a:r>
-            <a:r>
-              <a:rPr lang="es-ES" dirty="0" smtClean="0"/>
-              <a:t>|^</a:t>
-            </a:r>
-            <a:r>
-              <a:rPr lang="es-ES" dirty="0"/>
-              <a:t>2 = </a:t>
-            </a:r>
-            <a:r>
-              <a:rPr lang="es-ES" dirty="0" smtClean="0"/>
-              <a:t>&lt;Y,Y&gt; </a:t>
-            </a:r>
-            <a:r>
-              <a:rPr lang="es-ES" dirty="0"/>
-              <a:t>= </a:t>
-            </a:r>
-            <a:r>
-              <a:rPr lang="en-US" dirty="0" smtClean="0"/>
-              <a:t>YxY’xE</a:t>
-            </a:r>
-            <a:r>
-              <a:rPr lang="en-US" dirty="0"/>
-              <a:t>’</a:t>
-            </a:r>
-            <a:r>
-              <a:rPr lang="es-ES" dirty="0"/>
-              <a:t> </a:t>
-            </a:r>
-            <a:r>
-              <a:rPr lang="en-US" dirty="0" smtClean="0"/>
-              <a:t>= </a:t>
-            </a:r>
-            <a:r>
-              <a:rPr lang="en-US" dirty="0"/>
-              <a:t>BFT ( </a:t>
-            </a:r>
-            <a:r>
-              <a:rPr lang="en-US" dirty="0" smtClean="0"/>
-              <a:t>FFT(Y</a:t>
-            </a:r>
-            <a:r>
-              <a:rPr lang="en-US" dirty="0" smtClean="0"/>
-              <a:t>) </a:t>
-            </a:r>
-            <a:r>
-              <a:rPr lang="en-US" dirty="0"/>
-              <a:t>* CONJUGATE ( FFT(Y) ) </a:t>
-            </a:r>
-            <a:r>
-              <a:rPr lang="en-US" dirty="0" smtClean="0"/>
-              <a:t>* </a:t>
-            </a:r>
-            <a:r>
-              <a:rPr lang="en-US" dirty="0"/>
-              <a:t>CONJUGATE ( </a:t>
-            </a:r>
-            <a:r>
-              <a:rPr lang="en-US" dirty="0" smtClean="0"/>
-              <a:t>FFT(E) </a:t>
-            </a:r>
-            <a:r>
-              <a:rPr lang="en-US" dirty="0"/>
-              <a:t>) ) </a:t>
-            </a:r>
-            <a:endParaRPr lang="en-US" dirty="0" smtClean="0"/>
-          </a:p>
-          <a:p>
-            <a:r>
-              <a:rPr lang="ru-RU" dirty="0" smtClean="0"/>
-              <a:t>Где</a:t>
-            </a:r>
-            <a:endParaRPr lang="en-US" dirty="0" smtClean="0"/>
-          </a:p>
-          <a:p>
-            <a:pPr lvl="1"/>
-            <a:r>
-              <a:rPr lang="es-ES" dirty="0"/>
-              <a:t>&lt;X,Y&gt;(i,j</a:t>
-            </a:r>
-            <a:r>
-              <a:rPr lang="es-ES" dirty="0" smtClean="0"/>
-              <a:t>) – </a:t>
-            </a:r>
-            <a:r>
-              <a:rPr lang="ru-RU" dirty="0" smtClean="0"/>
-              <a:t>скалярное произведение двух изображений, получаемых при сдвиге </a:t>
-            </a:r>
-            <a:r>
-              <a:rPr lang="es-ES" dirty="0"/>
-              <a:t>(i,j) </a:t>
-            </a:r>
-            <a:r>
-              <a:rPr lang="ru-RU" dirty="0" smtClean="0"/>
-              <a:t>относительно друг друга изображений </a:t>
-            </a:r>
-            <a:r>
-              <a:rPr lang="en-US" dirty="0" smtClean="0"/>
-              <a:t>X</a:t>
-            </a:r>
-            <a:r>
-              <a:rPr lang="ru-RU" dirty="0" smtClean="0"/>
-              <a:t> и </a:t>
-            </a:r>
-            <a:r>
-              <a:rPr lang="en-US" dirty="0" smtClean="0"/>
-              <a:t>Y</a:t>
-            </a:r>
-          </a:p>
-          <a:p>
-            <a:pPr lvl="1"/>
-            <a:r>
-              <a:rPr lang="en-US" dirty="0" smtClean="0"/>
-              <a:t>E – </a:t>
-            </a:r>
-            <a:r>
-              <a:rPr lang="ru-RU" dirty="0" smtClean="0"/>
-              <a:t>изображение размера равному минимальным размерам </a:t>
-            </a:r>
-            <a:r>
-              <a:rPr lang="en-US" dirty="0" smtClean="0"/>
-              <a:t>X </a:t>
-            </a:r>
-            <a:r>
-              <a:rPr lang="ru-RU" dirty="0" smtClean="0"/>
-              <a:t>и </a:t>
-            </a:r>
-            <a:r>
-              <a:rPr lang="en-US" dirty="0" smtClean="0"/>
-              <a:t>Y, </a:t>
-            </a:r>
-            <a:r>
-              <a:rPr lang="ru-RU" dirty="0" smtClean="0"/>
-              <a:t>и заполненное единичными значениями (то есть </a:t>
-            </a:r>
-            <a:r>
-              <a:rPr lang="en-US" dirty="0" smtClean="0"/>
-              <a:t>“</a:t>
-            </a:r>
-            <a:r>
-              <a:rPr lang="ru-RU" dirty="0" smtClean="0"/>
-              <a:t>кадр</a:t>
-            </a:r>
-            <a:r>
-              <a:rPr lang="en-US" dirty="0" smtClean="0"/>
-              <a:t>” </a:t>
-            </a:r>
-            <a:r>
-              <a:rPr lang="ru-RU" dirty="0" smtClean="0"/>
-              <a:t>в котором сравниваются </a:t>
-            </a:r>
-            <a:r>
-              <a:rPr lang="en-US" dirty="0"/>
-              <a:t>X </a:t>
-            </a:r>
-            <a:r>
-              <a:rPr lang="ru-RU" dirty="0"/>
-              <a:t>и </a:t>
-            </a:r>
-            <a:r>
-              <a:rPr lang="en-US" dirty="0"/>
-              <a:t>Y</a:t>
-            </a:r>
-            <a:r>
-              <a:rPr lang="en-US" dirty="0" smtClean="0"/>
-              <a:t>)</a:t>
-            </a:r>
-          </a:p>
-          <a:p>
-            <a:pPr lvl="1"/>
-            <a:r>
-              <a:rPr lang="en-US" dirty="0" smtClean="0"/>
-              <a:t>|</a:t>
-            </a:r>
-            <a:r>
-              <a:rPr lang="es-ES" dirty="0"/>
-              <a:t>X|(i,j) – </a:t>
-            </a:r>
-            <a:r>
-              <a:rPr lang="ru-RU" dirty="0"/>
-              <a:t>норма общей части изображения </a:t>
-            </a:r>
-            <a:r>
-              <a:rPr lang="en-US" dirty="0"/>
-              <a:t>X</a:t>
-            </a:r>
-            <a:r>
-              <a:rPr lang="ru-RU" dirty="0"/>
-              <a:t> при сдвиге </a:t>
-            </a:r>
-            <a:r>
-              <a:rPr lang="es-ES" dirty="0"/>
-              <a:t>(i,j)</a:t>
-            </a:r>
-            <a:endParaRPr lang="ru-RU" dirty="0"/>
-          </a:p>
-          <a:p>
-            <a:pPr lvl="1"/>
-            <a:r>
-              <a:rPr lang="en-US" dirty="0" smtClean="0"/>
-              <a:t>|</a:t>
-            </a:r>
-            <a:r>
-              <a:rPr lang="en-US" dirty="0"/>
-              <a:t>Y</a:t>
-            </a:r>
-            <a:r>
-              <a:rPr lang="es-ES" dirty="0" smtClean="0"/>
-              <a:t>|(</a:t>
-            </a:r>
-            <a:r>
-              <a:rPr lang="es-ES" dirty="0"/>
-              <a:t>i,j) – </a:t>
-            </a:r>
-            <a:r>
-              <a:rPr lang="ru-RU" dirty="0"/>
-              <a:t>норма общей части изображения </a:t>
-            </a:r>
-            <a:r>
-              <a:rPr lang="en-US" dirty="0" smtClean="0"/>
-              <a:t>Y</a:t>
-            </a:r>
-            <a:r>
-              <a:rPr lang="ru-RU" dirty="0" smtClean="0"/>
-              <a:t> </a:t>
-            </a:r>
-            <a:r>
-              <a:rPr lang="ru-RU" dirty="0"/>
-              <a:t>при сдвиге </a:t>
-            </a:r>
-            <a:r>
-              <a:rPr lang="es-ES" dirty="0"/>
-              <a:t>(i,j)</a:t>
-            </a:r>
-            <a:endParaRPr lang="ru-RU" dirty="0"/>
-          </a:p>
-          <a:p>
-            <a:pPr lvl="1"/>
-            <a:r>
-              <a:rPr lang="en-US" dirty="0" smtClean="0"/>
-              <a:t>FFT </a:t>
-            </a:r>
-            <a:r>
-              <a:rPr lang="en-US" dirty="0"/>
-              <a:t>– </a:t>
-            </a:r>
-            <a:r>
-              <a:rPr lang="ru-RU" dirty="0"/>
-              <a:t>операция прямого </a:t>
-            </a:r>
-            <a:r>
-              <a:rPr lang="ru-RU" dirty="0" smtClean="0"/>
-              <a:t>двухмерного дискретного преобразования </a:t>
-            </a:r>
-            <a:r>
-              <a:rPr lang="ru-RU" dirty="0"/>
-              <a:t>Фурье</a:t>
-            </a:r>
-          </a:p>
-          <a:p>
-            <a:pPr lvl="1"/>
-            <a:r>
-              <a:rPr lang="en-US" dirty="0"/>
-              <a:t>BFT – </a:t>
-            </a:r>
-            <a:r>
-              <a:rPr lang="ru-RU" dirty="0"/>
-              <a:t>операция обратного </a:t>
-            </a:r>
-            <a:r>
-              <a:rPr lang="ru-RU" dirty="0" smtClean="0"/>
-              <a:t>двухмерного </a:t>
-            </a:r>
-            <a:r>
-              <a:rPr lang="ru-RU" dirty="0"/>
-              <a:t>дискретного преобразования </a:t>
-            </a:r>
-            <a:r>
-              <a:rPr lang="ru-RU" dirty="0" smtClean="0"/>
-              <a:t>Фурье</a:t>
-            </a:r>
-            <a:endParaRPr lang="en-US" dirty="0" smtClean="0"/>
-          </a:p>
-          <a:p>
-            <a:pPr lvl="1"/>
-            <a:r>
-              <a:rPr lang="en-US" dirty="0" smtClean="0"/>
-              <a:t>CONJUGATE – </a:t>
-            </a:r>
-            <a:r>
-              <a:rPr lang="ru-RU" dirty="0" smtClean="0"/>
-              <a:t>операция вычисления матрицы</a:t>
-            </a:r>
-            <a:r>
-              <a:rPr lang="en-US" dirty="0" smtClean="0"/>
-              <a:t> </a:t>
-            </a:r>
-            <a:r>
-              <a:rPr lang="ru-RU" dirty="0" smtClean="0"/>
-              <a:t>из сопряжённых элементов</a:t>
-            </a:r>
-          </a:p>
-          <a:p>
-            <a:pPr lvl="1"/>
-            <a:r>
-              <a:rPr lang="en-US" dirty="0" smtClean="0"/>
-              <a:t>SQUAREMAGNITUDE</a:t>
-            </a:r>
-            <a:r>
-              <a:rPr lang="ru-RU" dirty="0" smtClean="0"/>
-              <a:t>– операция вычисления матрицы квадратов амплитуд элементов</a:t>
-            </a:r>
-            <a:endParaRPr lang="ru-RU" dirty="0"/>
-          </a:p>
-          <a:p>
-            <a:endParaRPr lang="en-US" dirty="0" smtClean="0"/>
-          </a:p>
-          <a:p>
-            <a:endParaRPr lang="ru-RU" dirty="0"/>
-          </a:p>
-        </p:txBody>
-      </p:sp>
+      <mc:AlternateContent xmlns:mc="http://schemas.openxmlformats.org/markup-compatibility/2006" xmlns:a14="http://schemas.microsoft.com/office/drawing/2010/main">
+        <mc:Choice Requires="a14">
+          <p:sp>
+            <p:nvSpPr>
+              <p:cNvPr id="3" name="Объект 2"/>
+              <p:cNvSpPr>
+                <a:spLocks noGrp="1"/>
+              </p:cNvSpPr>
+              <p:nvPr>
+                <p:ph idx="1"/>
+              </p:nvPr>
+            </p:nvSpPr>
+            <p:spPr/>
+            <p:txBody>
+              <a:bodyPr>
+                <a:normAutofit fontScale="70000" lnSpcReduction="20000"/>
+              </a:bodyPr>
+              <a:lstStyle/>
+              <a:p>
+                <a:r>
+                  <a:rPr lang="ru-RU" dirty="0" smtClean="0"/>
+                  <a:t>При использовании формулы для оценки расстояния между изображениями </a:t>
+                </a:r>
+                <a:r>
+                  <a:rPr lang="ru-RU" dirty="0"/>
+                  <a:t>при сдвиге </a:t>
+                </a:r>
+                <a:r>
+                  <a:rPr lang="es-ES" dirty="0"/>
+                  <a:t>(i,j) </a:t>
+                </a:r>
+                <a:r>
+                  <a:rPr lang="ru-RU" dirty="0"/>
+                  <a:t>относительно друг друга</a:t>
+                </a:r>
+                <a:endParaRPr lang="ru-RU" dirty="0" smtClean="0"/>
+              </a:p>
+              <a:p>
+                <a:pPr marL="0" indent="0" algn="ctr">
+                  <a:buNone/>
+                </a:pPr>
+                <a14:m>
+                  <m:oMath xmlns:m="http://schemas.openxmlformats.org/officeDocument/2006/math">
+                    <m:r>
+                      <a:rPr lang="es-ES" i="1" dirty="0" smtClean="0">
+                        <a:latin typeface="Cambria Math" panose="02040503050406030204" pitchFamily="18" charset="0"/>
+                        <a:ea typeface="Cambria Math" panose="02040503050406030204" pitchFamily="18" charset="0"/>
+                      </a:rPr>
+                      <m:t>𝜇</m:t>
+                    </m:r>
+                    <m:r>
+                      <a:rPr lang="es-ES" i="1" dirty="0" smtClean="0">
+                        <a:latin typeface="Cambria Math" panose="02040503050406030204" pitchFamily="18" charset="0"/>
+                      </a:rPr>
+                      <m:t>(</m:t>
+                    </m:r>
+                    <m:r>
+                      <a:rPr lang="es-ES" i="1" dirty="0" smtClean="0">
+                        <a:latin typeface="Cambria Math" panose="02040503050406030204" pitchFamily="18" charset="0"/>
+                      </a:rPr>
+                      <m:t>𝑋</m:t>
+                    </m:r>
+                    <m:r>
+                      <a:rPr lang="es-ES" i="1" dirty="0" smtClean="0">
+                        <a:latin typeface="Cambria Math" panose="02040503050406030204" pitchFamily="18" charset="0"/>
+                      </a:rPr>
+                      <m:t>,</m:t>
+                    </m:r>
+                    <m:r>
+                      <a:rPr lang="es-ES" i="1" dirty="0" smtClean="0">
+                        <a:latin typeface="Cambria Math" panose="02040503050406030204" pitchFamily="18" charset="0"/>
+                      </a:rPr>
+                      <m:t>𝑌</m:t>
+                    </m:r>
+                    <m:r>
+                      <a:rPr lang="es-ES" i="1" dirty="0" smtClean="0">
+                        <a:latin typeface="Cambria Math" panose="02040503050406030204" pitchFamily="18" charset="0"/>
+                      </a:rPr>
+                      <m:t>) (</m:t>
+                    </m:r>
+                    <m:r>
+                      <a:rPr lang="es-ES" i="1" dirty="0">
+                        <a:latin typeface="Cambria Math" panose="02040503050406030204" pitchFamily="18" charset="0"/>
+                      </a:rPr>
+                      <m:t>𝑖</m:t>
+                    </m:r>
+                    <m:r>
+                      <a:rPr lang="es-ES" i="1" dirty="0">
+                        <a:latin typeface="Cambria Math" panose="02040503050406030204" pitchFamily="18" charset="0"/>
+                      </a:rPr>
+                      <m:t>,</m:t>
+                    </m:r>
+                    <m:r>
+                      <a:rPr lang="es-ES" i="1" dirty="0">
+                        <a:latin typeface="Cambria Math" panose="02040503050406030204" pitchFamily="18" charset="0"/>
+                      </a:rPr>
+                      <m:t>𝑗</m:t>
+                    </m:r>
+                    <m:r>
+                      <a:rPr lang="es-ES" i="1" dirty="0">
+                        <a:latin typeface="Cambria Math" panose="02040503050406030204" pitchFamily="18" charset="0"/>
+                      </a:rPr>
+                      <m:t>) = &lt;</m:t>
+                    </m:r>
+                    <m:r>
+                      <a:rPr lang="es-ES" i="1" dirty="0">
+                        <a:latin typeface="Cambria Math" panose="02040503050406030204" pitchFamily="18" charset="0"/>
+                      </a:rPr>
+                      <m:t>𝑋</m:t>
+                    </m:r>
+                    <m:r>
+                      <a:rPr lang="es-ES" i="1" dirty="0">
+                        <a:latin typeface="Cambria Math" panose="02040503050406030204" pitchFamily="18" charset="0"/>
+                      </a:rPr>
+                      <m:t>,</m:t>
+                    </m:r>
+                    <m:r>
+                      <a:rPr lang="es-ES" i="1" dirty="0">
+                        <a:latin typeface="Cambria Math" panose="02040503050406030204" pitchFamily="18" charset="0"/>
+                      </a:rPr>
+                      <m:t>𝑌</m:t>
+                    </m:r>
+                    <m:r>
+                      <a:rPr lang="es-ES" i="1" dirty="0" smtClean="0">
+                        <a:latin typeface="Cambria Math" panose="02040503050406030204" pitchFamily="18" charset="0"/>
+                      </a:rPr>
+                      <m:t>&gt;</m:t>
+                    </m:r>
+                    <m:r>
+                      <a:rPr lang="es-ES" i="1" dirty="0">
+                        <a:latin typeface="Cambria Math" panose="02040503050406030204" pitchFamily="18" charset="0"/>
+                      </a:rPr>
+                      <m:t>(</m:t>
+                    </m:r>
+                    <m:r>
+                      <a:rPr lang="es-ES" i="1" dirty="0">
+                        <a:latin typeface="Cambria Math" panose="02040503050406030204" pitchFamily="18" charset="0"/>
+                      </a:rPr>
+                      <m:t>𝑖</m:t>
+                    </m:r>
+                    <m:r>
+                      <a:rPr lang="es-ES" i="1" dirty="0">
+                        <a:latin typeface="Cambria Math" panose="02040503050406030204" pitchFamily="18" charset="0"/>
+                      </a:rPr>
+                      <m:t>,</m:t>
+                    </m:r>
+                    <m:r>
+                      <a:rPr lang="es-ES" i="1" dirty="0">
+                        <a:latin typeface="Cambria Math" panose="02040503050406030204" pitchFamily="18" charset="0"/>
+                      </a:rPr>
+                      <m:t>𝑗</m:t>
+                    </m:r>
+                    <m:r>
+                      <a:rPr lang="es-ES" i="1" dirty="0">
+                        <a:latin typeface="Cambria Math" panose="02040503050406030204" pitchFamily="18" charset="0"/>
+                      </a:rPr>
+                      <m:t>) / ( |</m:t>
+                    </m:r>
+                    <m:r>
+                      <a:rPr lang="es-ES" i="1" dirty="0" smtClean="0">
+                        <a:latin typeface="Cambria Math" panose="02040503050406030204" pitchFamily="18" charset="0"/>
+                      </a:rPr>
+                      <m:t>𝑋</m:t>
+                    </m:r>
+                    <m:r>
+                      <a:rPr lang="es-ES" i="1" dirty="0" smtClean="0">
+                        <a:latin typeface="Cambria Math" panose="02040503050406030204" pitchFamily="18" charset="0"/>
+                      </a:rPr>
+                      <m:t>|(</m:t>
+                    </m:r>
+                    <m:r>
+                      <a:rPr lang="es-ES" i="1" dirty="0" smtClean="0">
+                        <a:latin typeface="Cambria Math" panose="02040503050406030204" pitchFamily="18" charset="0"/>
+                      </a:rPr>
+                      <m:t>𝑖</m:t>
+                    </m:r>
+                    <m:r>
+                      <a:rPr lang="es-ES" i="1" dirty="0" smtClean="0">
+                        <a:latin typeface="Cambria Math" panose="02040503050406030204" pitchFamily="18" charset="0"/>
+                      </a:rPr>
+                      <m:t>,</m:t>
+                    </m:r>
+                    <m:r>
+                      <a:rPr lang="es-ES" i="1" dirty="0" smtClean="0">
+                        <a:latin typeface="Cambria Math" panose="02040503050406030204" pitchFamily="18" charset="0"/>
+                      </a:rPr>
+                      <m:t>𝑗</m:t>
+                    </m:r>
+                    <m:r>
+                      <a:rPr lang="es-ES" i="1" dirty="0">
+                        <a:latin typeface="Cambria Math" panose="02040503050406030204" pitchFamily="18" charset="0"/>
+                      </a:rPr>
+                      <m:t>)</m:t>
+                    </m:r>
+                    <m:r>
+                      <a:rPr lang="es-ES" i="1" dirty="0" smtClean="0">
+                        <a:latin typeface="Cambria Math" panose="02040503050406030204" pitchFamily="18" charset="0"/>
+                      </a:rPr>
+                      <m:t> ∗ |</m:t>
+                    </m:r>
+                    <m:r>
+                      <a:rPr lang="es-ES" i="1" dirty="0" smtClean="0">
+                        <a:latin typeface="Cambria Math" panose="02040503050406030204" pitchFamily="18" charset="0"/>
+                      </a:rPr>
+                      <m:t>𝑌</m:t>
+                    </m:r>
+                    <m:r>
+                      <a:rPr lang="es-ES" i="1" dirty="0" smtClean="0">
+                        <a:latin typeface="Cambria Math" panose="02040503050406030204" pitchFamily="18" charset="0"/>
+                      </a:rPr>
+                      <m:t>|(</m:t>
+                    </m:r>
+                    <m:r>
+                      <a:rPr lang="es-ES" i="1" dirty="0">
+                        <a:latin typeface="Cambria Math" panose="02040503050406030204" pitchFamily="18" charset="0"/>
+                      </a:rPr>
+                      <m:t>𝑖</m:t>
+                    </m:r>
+                    <m:r>
+                      <a:rPr lang="es-ES" i="1" dirty="0">
+                        <a:latin typeface="Cambria Math" panose="02040503050406030204" pitchFamily="18" charset="0"/>
+                      </a:rPr>
+                      <m:t>,</m:t>
+                    </m:r>
+                    <m:r>
+                      <a:rPr lang="es-ES" i="1" dirty="0">
+                        <a:latin typeface="Cambria Math" panose="02040503050406030204" pitchFamily="18" charset="0"/>
+                      </a:rPr>
+                      <m:t>𝑗</m:t>
+                    </m:r>
+                    <m:r>
+                      <a:rPr lang="es-ES" i="1" dirty="0">
+                        <a:latin typeface="Cambria Math" panose="02040503050406030204" pitchFamily="18" charset="0"/>
+                      </a:rPr>
+                      <m:t>) ) </m:t>
+                    </m:r>
+                  </m:oMath>
+                </a14:m>
+                <a:r>
+                  <a:rPr lang="ru-RU" dirty="0" smtClean="0"/>
+                  <a:t>, </a:t>
+                </a:r>
+              </a:p>
+              <a:p>
+                <a:r>
+                  <a:rPr lang="ru-RU" dirty="0" smtClean="0"/>
+                  <a:t>получаем, что</a:t>
+                </a:r>
+                <a:endParaRPr lang="es-ES" dirty="0"/>
+              </a:p>
+              <a:p>
+                <a:pPr lvl="1"/>
+                <a:r>
+                  <a:rPr lang="es-ES" dirty="0"/>
+                  <a:t>&lt;</a:t>
+                </a:r>
+                <a:r>
+                  <a:rPr lang="es-ES" dirty="0" smtClean="0"/>
+                  <a:t>X,Y&gt; = </a:t>
+                </a:r>
+                <a:r>
+                  <a:rPr lang="en-US" dirty="0" smtClean="0"/>
+                  <a:t>XxY’ = </a:t>
+                </a:r>
+                <a:r>
+                  <a:rPr lang="en-US" dirty="0"/>
+                  <a:t>BFT ( </a:t>
+                </a:r>
+                <a:r>
+                  <a:rPr lang="en-US" dirty="0" smtClean="0"/>
+                  <a:t>FFT(X) * </a:t>
+                </a:r>
+                <a:r>
+                  <a:rPr lang="en-US" dirty="0"/>
+                  <a:t>CONJUGATE ( </a:t>
+                </a:r>
+                <a:r>
+                  <a:rPr lang="en-US" dirty="0" smtClean="0"/>
+                  <a:t>FFT(</a:t>
+                </a:r>
+                <a:r>
+                  <a:rPr lang="en-US" dirty="0"/>
+                  <a:t>Y</a:t>
+                </a:r>
+                <a:r>
+                  <a:rPr lang="en-US" dirty="0" smtClean="0"/>
+                  <a:t>) ) )</a:t>
+                </a:r>
+              </a:p>
+              <a:p>
+                <a:pPr lvl="1"/>
+                <a:r>
+                  <a:rPr lang="en-US" dirty="0"/>
+                  <a:t>|</a:t>
+                </a:r>
+                <a:r>
+                  <a:rPr lang="es-ES" dirty="0"/>
+                  <a:t>X</a:t>
+                </a:r>
+                <a:r>
+                  <a:rPr lang="es-ES" dirty="0" smtClean="0"/>
+                  <a:t>|^2</a:t>
+                </a:r>
+                <a:r>
+                  <a:rPr lang="ru-RU" dirty="0" smtClean="0"/>
+                  <a:t> </a:t>
+                </a:r>
+                <a:r>
+                  <a:rPr lang="en-US" dirty="0" smtClean="0"/>
+                  <a:t>= </a:t>
+                </a:r>
+                <a:r>
+                  <a:rPr lang="es-ES" dirty="0"/>
+                  <a:t>&lt;X,X&gt; = </a:t>
+                </a:r>
+                <a:r>
+                  <a:rPr lang="en-US" dirty="0"/>
+                  <a:t>XxX’xE</a:t>
+                </a:r>
+                <a:r>
+                  <a:rPr lang="en-US" dirty="0" smtClean="0"/>
+                  <a:t>’</a:t>
+                </a:r>
+                <a:r>
+                  <a:rPr lang="es-ES" dirty="0" smtClean="0"/>
+                  <a:t> </a:t>
+                </a:r>
+                <a:r>
+                  <a:rPr lang="en-US" dirty="0"/>
+                  <a:t>= BFT ( </a:t>
+                </a:r>
+                <a:r>
+                  <a:rPr lang="en-US" dirty="0" smtClean="0"/>
+                  <a:t>FFT(X) * </a:t>
+                </a:r>
+                <a:r>
+                  <a:rPr lang="en-US" dirty="0"/>
+                  <a:t>CONJUGATE ( </a:t>
+                </a:r>
+                <a:r>
+                  <a:rPr lang="en-US" dirty="0" smtClean="0"/>
+                  <a:t>FFT(X) </a:t>
+                </a:r>
+                <a:r>
+                  <a:rPr lang="en-US" dirty="0"/>
+                  <a:t>) </a:t>
+                </a:r>
+                <a:r>
+                  <a:rPr lang="en-US" dirty="0" smtClean="0"/>
+                  <a:t>* </a:t>
+                </a:r>
+                <a:r>
+                  <a:rPr lang="en-US" dirty="0"/>
+                  <a:t>CONJUGATE ( </a:t>
+                </a:r>
+                <a:r>
+                  <a:rPr lang="en-US" dirty="0" smtClean="0"/>
+                  <a:t>FFT(E) </a:t>
+                </a:r>
+                <a:r>
+                  <a:rPr lang="en-US" dirty="0"/>
+                  <a:t>) </a:t>
+                </a:r>
+                <a:r>
+                  <a:rPr lang="en-US" dirty="0" smtClean="0"/>
+                  <a:t>)</a:t>
+                </a:r>
+                <a:r>
+                  <a:rPr lang="ru-RU" dirty="0" smtClean="0"/>
+                  <a:t> </a:t>
+                </a:r>
+                <a:r>
+                  <a:rPr lang="en-US" dirty="0"/>
+                  <a:t>= BFT </a:t>
+                </a:r>
+                <a:r>
+                  <a:rPr lang="en-US" dirty="0" smtClean="0"/>
+                  <a:t>(</a:t>
+                </a:r>
+                <a:r>
+                  <a:rPr lang="ru-RU" dirty="0" smtClean="0"/>
+                  <a:t> </a:t>
+                </a:r>
+                <a:r>
+                  <a:rPr lang="en-US" dirty="0" smtClean="0"/>
+                  <a:t>SQUAREMAGNITUDE( FFT(X) ) </a:t>
+                </a:r>
+                <a:r>
+                  <a:rPr lang="en-US" dirty="0"/>
+                  <a:t>* CONJUGATE ( FFT(E) ) </a:t>
+                </a:r>
+                <a:r>
+                  <a:rPr lang="en-US" dirty="0" smtClean="0"/>
+                  <a:t>)</a:t>
+                </a:r>
+                <a:endParaRPr lang="en-US" dirty="0"/>
+              </a:p>
+              <a:p>
+                <a:pPr lvl="1"/>
+                <a:r>
+                  <a:rPr lang="en-US" dirty="0" smtClean="0"/>
+                  <a:t>|</a:t>
+                </a:r>
+                <a:r>
+                  <a:rPr lang="es-ES" dirty="0" smtClean="0"/>
+                  <a:t>Y|^</a:t>
+                </a:r>
+                <a:r>
+                  <a:rPr lang="es-ES" dirty="0"/>
+                  <a:t>2 = </a:t>
+                </a:r>
+                <a:r>
+                  <a:rPr lang="es-ES" dirty="0" smtClean="0"/>
+                  <a:t>&lt;Y,Y&gt; </a:t>
+                </a:r>
+                <a:r>
+                  <a:rPr lang="es-ES" dirty="0"/>
+                  <a:t>= </a:t>
+                </a:r>
+                <a:r>
+                  <a:rPr lang="en-US" dirty="0" smtClean="0"/>
+                  <a:t>YxY’xE</a:t>
+                </a:r>
+                <a:r>
+                  <a:rPr lang="en-US" dirty="0"/>
+                  <a:t>’</a:t>
+                </a:r>
+                <a:r>
+                  <a:rPr lang="es-ES" dirty="0"/>
+                  <a:t> </a:t>
+                </a:r>
+                <a:r>
+                  <a:rPr lang="en-US" dirty="0" smtClean="0"/>
+                  <a:t>= </a:t>
+                </a:r>
+                <a:r>
+                  <a:rPr lang="en-US" dirty="0"/>
+                  <a:t>BFT ( </a:t>
+                </a:r>
+                <a:r>
+                  <a:rPr lang="en-US" dirty="0" smtClean="0"/>
+                  <a:t>FFT(Y) </a:t>
+                </a:r>
+                <a:r>
+                  <a:rPr lang="en-US" dirty="0"/>
+                  <a:t>* CONJUGATE ( FFT(Y) ) </a:t>
+                </a:r>
+                <a:r>
+                  <a:rPr lang="en-US" dirty="0" smtClean="0"/>
+                  <a:t>* </a:t>
+                </a:r>
+                <a:r>
+                  <a:rPr lang="en-US" dirty="0"/>
+                  <a:t>CONJUGATE ( </a:t>
+                </a:r>
+                <a:r>
+                  <a:rPr lang="en-US" dirty="0" smtClean="0"/>
+                  <a:t>FFT(E) </a:t>
+                </a:r>
+                <a:r>
+                  <a:rPr lang="en-US" dirty="0"/>
+                  <a:t>) ) </a:t>
+                </a:r>
+                <a:endParaRPr lang="en-US" dirty="0" smtClean="0"/>
+              </a:p>
+              <a:p>
+                <a:r>
+                  <a:rPr lang="ru-RU" dirty="0" smtClean="0"/>
+                  <a:t>Где</a:t>
+                </a:r>
+                <a:endParaRPr lang="en-US" dirty="0" smtClean="0"/>
+              </a:p>
+              <a:p>
+                <a:pPr lvl="1"/>
+                <a:r>
+                  <a:rPr lang="es-ES" dirty="0"/>
+                  <a:t>&lt;X,Y&gt;(i,j</a:t>
+                </a:r>
+                <a:r>
+                  <a:rPr lang="es-ES" dirty="0" smtClean="0"/>
+                  <a:t>) – </a:t>
+                </a:r>
+                <a:r>
+                  <a:rPr lang="ru-RU" dirty="0" smtClean="0"/>
+                  <a:t>скалярное произведение двух изображений, получаемых при сдвиге </a:t>
+                </a:r>
+                <a:r>
+                  <a:rPr lang="es-ES" dirty="0"/>
+                  <a:t>(i,j) </a:t>
+                </a:r>
+                <a:r>
+                  <a:rPr lang="ru-RU" dirty="0" smtClean="0"/>
+                  <a:t>относительно друг друга изображений </a:t>
+                </a:r>
+                <a:r>
+                  <a:rPr lang="en-US" dirty="0" smtClean="0"/>
+                  <a:t>X</a:t>
+                </a:r>
+                <a:r>
+                  <a:rPr lang="ru-RU" dirty="0" smtClean="0"/>
+                  <a:t> и </a:t>
+                </a:r>
+                <a:r>
+                  <a:rPr lang="en-US" dirty="0" smtClean="0"/>
+                  <a:t>Y</a:t>
+                </a:r>
+              </a:p>
+              <a:p>
+                <a:pPr lvl="1"/>
+                <a:r>
+                  <a:rPr lang="en-US" dirty="0" smtClean="0"/>
+                  <a:t>E – </a:t>
+                </a:r>
+                <a:r>
+                  <a:rPr lang="ru-RU" dirty="0" smtClean="0"/>
+                  <a:t>изображение размера равному минимальным размерам </a:t>
+                </a:r>
+                <a:r>
+                  <a:rPr lang="en-US" dirty="0" smtClean="0"/>
+                  <a:t>X </a:t>
+                </a:r>
+                <a:r>
+                  <a:rPr lang="ru-RU" dirty="0" smtClean="0"/>
+                  <a:t>и </a:t>
+                </a:r>
+                <a:r>
+                  <a:rPr lang="en-US" dirty="0" smtClean="0"/>
+                  <a:t>Y, </a:t>
+                </a:r>
+                <a:r>
+                  <a:rPr lang="ru-RU" dirty="0" smtClean="0"/>
+                  <a:t>и заполненное единичными значениями (то есть </a:t>
+                </a:r>
+                <a:r>
+                  <a:rPr lang="en-US" dirty="0" smtClean="0"/>
+                  <a:t>“</a:t>
+                </a:r>
+                <a:r>
+                  <a:rPr lang="ru-RU" dirty="0" smtClean="0"/>
+                  <a:t>кадр</a:t>
+                </a:r>
+                <a:r>
+                  <a:rPr lang="en-US" dirty="0" smtClean="0"/>
+                  <a:t>” </a:t>
+                </a:r>
+                <a:r>
+                  <a:rPr lang="ru-RU" dirty="0" smtClean="0"/>
+                  <a:t>в котором сравниваются </a:t>
+                </a:r>
+                <a:r>
+                  <a:rPr lang="en-US" dirty="0"/>
+                  <a:t>X </a:t>
+                </a:r>
+                <a:r>
+                  <a:rPr lang="ru-RU" dirty="0"/>
+                  <a:t>и </a:t>
+                </a:r>
+                <a:r>
+                  <a:rPr lang="en-US" dirty="0"/>
+                  <a:t>Y</a:t>
+                </a:r>
+                <a:r>
+                  <a:rPr lang="en-US" dirty="0" smtClean="0"/>
+                  <a:t>)</a:t>
+                </a:r>
+              </a:p>
+              <a:p>
+                <a:pPr lvl="1"/>
+                <a:r>
+                  <a:rPr lang="en-US" dirty="0" smtClean="0"/>
+                  <a:t>|</a:t>
+                </a:r>
+                <a:r>
+                  <a:rPr lang="es-ES" dirty="0"/>
+                  <a:t>X|(i,j) – </a:t>
+                </a:r>
+                <a:r>
+                  <a:rPr lang="ru-RU" dirty="0"/>
+                  <a:t>норма общей части изображения </a:t>
+                </a:r>
+                <a:r>
+                  <a:rPr lang="en-US" dirty="0"/>
+                  <a:t>X</a:t>
+                </a:r>
+                <a:r>
+                  <a:rPr lang="ru-RU" dirty="0"/>
+                  <a:t> при сдвиге </a:t>
+                </a:r>
+                <a:r>
+                  <a:rPr lang="es-ES" dirty="0"/>
+                  <a:t>(i,j)</a:t>
+                </a:r>
+                <a:endParaRPr lang="ru-RU" dirty="0"/>
+              </a:p>
+              <a:p>
+                <a:pPr lvl="1"/>
+                <a:r>
+                  <a:rPr lang="en-US" dirty="0" smtClean="0"/>
+                  <a:t>|</a:t>
+                </a:r>
+                <a:r>
+                  <a:rPr lang="en-US" dirty="0"/>
+                  <a:t>Y</a:t>
+                </a:r>
+                <a:r>
+                  <a:rPr lang="es-ES" dirty="0" smtClean="0"/>
+                  <a:t>|(</a:t>
+                </a:r>
+                <a:r>
+                  <a:rPr lang="es-ES" dirty="0"/>
+                  <a:t>i,j) – </a:t>
+                </a:r>
+                <a:r>
+                  <a:rPr lang="ru-RU" dirty="0"/>
+                  <a:t>норма общей части изображения </a:t>
+                </a:r>
+                <a:r>
+                  <a:rPr lang="en-US" dirty="0" smtClean="0"/>
+                  <a:t>Y</a:t>
+                </a:r>
+                <a:r>
+                  <a:rPr lang="ru-RU" dirty="0" smtClean="0"/>
+                  <a:t> </a:t>
+                </a:r>
+                <a:r>
+                  <a:rPr lang="ru-RU" dirty="0"/>
+                  <a:t>при сдвиге </a:t>
+                </a:r>
+                <a:r>
+                  <a:rPr lang="es-ES" dirty="0"/>
+                  <a:t>(i,j)</a:t>
+                </a:r>
+                <a:endParaRPr lang="ru-RU" dirty="0"/>
+              </a:p>
+              <a:p>
+                <a:pPr lvl="1"/>
+                <a:r>
+                  <a:rPr lang="en-US" dirty="0" smtClean="0"/>
+                  <a:t>FFT </a:t>
+                </a:r>
+                <a:r>
+                  <a:rPr lang="en-US" dirty="0"/>
+                  <a:t>– </a:t>
+                </a:r>
+                <a:r>
+                  <a:rPr lang="ru-RU" dirty="0"/>
+                  <a:t>операция прямого </a:t>
+                </a:r>
+                <a:r>
+                  <a:rPr lang="ru-RU" dirty="0" smtClean="0"/>
+                  <a:t>двухмерного дискретного преобразования </a:t>
+                </a:r>
+                <a:r>
+                  <a:rPr lang="ru-RU" dirty="0"/>
+                  <a:t>Фурье</a:t>
+                </a:r>
+              </a:p>
+              <a:p>
+                <a:pPr lvl="1"/>
+                <a:r>
+                  <a:rPr lang="en-US" dirty="0"/>
+                  <a:t>BFT – </a:t>
+                </a:r>
+                <a:r>
+                  <a:rPr lang="ru-RU" dirty="0"/>
+                  <a:t>операция обратного </a:t>
+                </a:r>
+                <a:r>
+                  <a:rPr lang="ru-RU" dirty="0" smtClean="0"/>
+                  <a:t>двухмерного </a:t>
+                </a:r>
+                <a:r>
+                  <a:rPr lang="ru-RU" dirty="0"/>
+                  <a:t>дискретного преобразования </a:t>
+                </a:r>
+                <a:r>
+                  <a:rPr lang="ru-RU" dirty="0" smtClean="0"/>
+                  <a:t>Фурье</a:t>
+                </a:r>
+                <a:endParaRPr lang="en-US" dirty="0" smtClean="0"/>
+              </a:p>
+              <a:p>
+                <a:pPr lvl="1"/>
+                <a:r>
+                  <a:rPr lang="en-US" dirty="0" smtClean="0"/>
+                  <a:t>CONJUGATE – </a:t>
+                </a:r>
+                <a:r>
+                  <a:rPr lang="ru-RU" dirty="0" smtClean="0"/>
+                  <a:t>операция вычисления матрицы</a:t>
+                </a:r>
+                <a:r>
+                  <a:rPr lang="en-US" dirty="0" smtClean="0"/>
+                  <a:t> </a:t>
+                </a:r>
+                <a:r>
+                  <a:rPr lang="ru-RU" dirty="0" smtClean="0"/>
+                  <a:t>из сопряжённых элементов</a:t>
+                </a:r>
+              </a:p>
+              <a:p>
+                <a:pPr lvl="1"/>
+                <a:r>
+                  <a:rPr lang="en-US" dirty="0" smtClean="0"/>
+                  <a:t>SQUAREMAGNITUDE</a:t>
+                </a:r>
+                <a:r>
+                  <a:rPr lang="ru-RU" dirty="0" smtClean="0"/>
+                  <a:t>– операция вычисления матрицы квадратов амплитуд элементов</a:t>
+                </a:r>
+                <a:endParaRPr lang="ru-RU" dirty="0"/>
+              </a:p>
+              <a:p>
+                <a:endParaRPr lang="en-US" dirty="0" smtClean="0"/>
+              </a:p>
+              <a:p>
+                <a:endParaRPr lang="ru-RU" dirty="0"/>
+              </a:p>
+            </p:txBody>
+          </p:sp>
+        </mc:Choice>
+        <mc:Fallback xmlns="">
+          <p:sp>
+            <p:nvSpPr>
+              <p:cNvPr id="3" name="Объект 2"/>
+              <p:cNvSpPr>
+                <a:spLocks noGrp="1" noRot="1" noChangeAspect="1" noMove="1" noResize="1" noEditPoints="1" noAdjustHandles="1" noChangeArrowheads="1" noChangeShapeType="1" noTextEdit="1"/>
+              </p:cNvSpPr>
+              <p:nvPr>
+                <p:ph idx="1"/>
+              </p:nvPr>
+            </p:nvSpPr>
+            <p:spPr>
+              <a:blipFill rotWithShape="0">
+                <a:blip r:embed="rId2"/>
+                <a:stretch>
+                  <a:fillRect t="-1805"/>
+                </a:stretch>
+              </a:blipFill>
+            </p:spPr>
+            <p:txBody>
+              <a:bodyPr/>
+              <a:lstStyle/>
+              <a:p>
+                <a:r>
+                  <a:rPr lang="ru-RU">
+                    <a:noFill/>
+                  </a:rPr>
+                  <a:t> </a:t>
+                </a:r>
+              </a:p>
+            </p:txBody>
+          </p:sp>
+        </mc:Fallback>
+      </mc:AlternateContent>
       <p:sp>
         <p:nvSpPr>
           <p:cNvPr id="4" name="Нижний колонтитул 3"/>
@@ -6049,390 +6736,545 @@
           </a:p>
         </p:txBody>
       </p:sp>
-      <p:sp>
-        <p:nvSpPr>
-          <p:cNvPr id="3" name="Объект 2"/>
-          <p:cNvSpPr>
-            <a:spLocks noGrp="1"/>
-          </p:cNvSpPr>
-          <p:nvPr>
-            <p:ph idx="1"/>
-          </p:nvPr>
-        </p:nvSpPr>
-        <p:spPr/>
-        <p:txBody>
-          <a:bodyPr>
-            <a:normAutofit fontScale="70000" lnSpcReduction="20000"/>
-          </a:bodyPr>
-          <a:lstStyle/>
-          <a:p>
-            <a:r>
-              <a:rPr lang="ru-RU" dirty="0" smtClean="0"/>
-              <a:t>При решении задачи для поиска одного образца, дополнительное нормирование образца является излишним, а также вычисление нормы у общей части может быть заменено на сумму яркостей пикселей в этой общей </a:t>
-            </a:r>
-            <a:r>
-              <a:rPr lang="ru-RU" dirty="0" smtClean="0"/>
-              <a:t>части</a:t>
-            </a:r>
-            <a:r>
-              <a:rPr lang="en-US" dirty="0" smtClean="0"/>
-              <a:t> </a:t>
-            </a:r>
-            <a:r>
-              <a:rPr lang="ru-RU" dirty="0" smtClean="0"/>
-              <a:t>или на сумму </a:t>
-            </a:r>
-            <a:r>
-              <a:rPr lang="ru-RU" dirty="0"/>
-              <a:t>квадратов яркостей в этой общей части</a:t>
-            </a:r>
-            <a:r>
-              <a:rPr lang="en-US" dirty="0"/>
-              <a:t> </a:t>
-            </a:r>
-            <a:endParaRPr lang="ru-RU" dirty="0" smtClean="0"/>
-          </a:p>
-          <a:p>
-            <a:r>
-              <a:rPr lang="ru-RU" dirty="0" smtClean="0"/>
-              <a:t>При использовании формулы для оценки расстояния между изображениями </a:t>
-            </a:r>
-            <a:r>
-              <a:rPr lang="ru-RU" dirty="0"/>
-              <a:t>при сдвиге </a:t>
-            </a:r>
-            <a:r>
-              <a:rPr lang="es-ES" dirty="0"/>
-              <a:t>(i,j) </a:t>
-            </a:r>
-            <a:r>
-              <a:rPr lang="ru-RU" dirty="0"/>
-              <a:t>относительно друг </a:t>
-            </a:r>
-            <a:r>
-              <a:rPr lang="ru-RU" dirty="0" smtClean="0"/>
-              <a:t>друга</a:t>
-            </a:r>
-          </a:p>
-          <a:p>
-            <a:pPr marL="0" indent="0" algn="ctr">
-              <a:buNone/>
-            </a:pPr>
-            <a:r>
-              <a:rPr lang="es-ES" dirty="0" smtClean="0"/>
-              <a:t>m(X,Y)</a:t>
-            </a:r>
-            <a:r>
-              <a:rPr lang="es-ES" dirty="0"/>
-              <a:t> (i,j)</a:t>
-            </a:r>
-            <a:r>
-              <a:rPr lang="es-ES" dirty="0" smtClean="0"/>
-              <a:t> </a:t>
-            </a:r>
-            <a:r>
-              <a:rPr lang="es-ES" dirty="0"/>
-              <a:t>= &lt;X,Y</a:t>
-            </a:r>
-            <a:r>
-              <a:rPr lang="es-ES" dirty="0" smtClean="0"/>
-              <a:t>&gt;(</a:t>
-            </a:r>
-            <a:r>
-              <a:rPr lang="es-ES" dirty="0"/>
-              <a:t>i,j</a:t>
-            </a:r>
-            <a:r>
-              <a:rPr lang="es-ES" dirty="0" smtClean="0"/>
-              <a:t>)</a:t>
-            </a:r>
-            <a:r>
-              <a:rPr lang="ru-RU" dirty="0" smtClean="0"/>
-              <a:t> </a:t>
-            </a:r>
-            <a:r>
-              <a:rPr lang="es-ES" dirty="0" smtClean="0"/>
-              <a:t>/ |</a:t>
-            </a:r>
-            <a:r>
-              <a:rPr lang="en-US" dirty="0"/>
-              <a:t>X</a:t>
-            </a:r>
-            <a:r>
-              <a:rPr lang="es-ES" dirty="0" smtClean="0"/>
-              <a:t>|^2(i,j</a:t>
-            </a:r>
-            <a:r>
-              <a:rPr lang="es-ES" dirty="0" smtClean="0"/>
-              <a:t>)</a:t>
-            </a:r>
-            <a:r>
-              <a:rPr lang="ru-RU" dirty="0" smtClean="0"/>
-              <a:t>, </a:t>
-            </a:r>
-          </a:p>
-          <a:p>
-            <a:r>
-              <a:rPr lang="ru-RU" dirty="0" smtClean="0"/>
-              <a:t>получаем, что</a:t>
-            </a:r>
-            <a:endParaRPr lang="es-ES" dirty="0"/>
-          </a:p>
-          <a:p>
-            <a:pPr lvl="1"/>
-            <a:r>
-              <a:rPr lang="es-ES" dirty="0"/>
-              <a:t>&lt;</a:t>
-            </a:r>
-            <a:r>
-              <a:rPr lang="es-ES" dirty="0" smtClean="0"/>
-              <a:t>X,Y&gt; = </a:t>
-            </a:r>
-            <a:r>
-              <a:rPr lang="en-US" dirty="0"/>
-              <a:t>BFT ( FFT(X) * CONJUGATE ( FFT(Y) ) )</a:t>
-            </a:r>
-          </a:p>
-          <a:p>
-            <a:pPr lvl="1"/>
-            <a:r>
-              <a:rPr lang="es-ES" dirty="0"/>
-              <a:t>&lt;X,X&gt; </a:t>
-            </a:r>
-            <a:r>
-              <a:rPr lang="es-ES" dirty="0"/>
-              <a:t>= </a:t>
-            </a:r>
-            <a:r>
-              <a:rPr lang="en-US" dirty="0"/>
-              <a:t>BFT (</a:t>
-            </a:r>
-            <a:r>
-              <a:rPr lang="ru-RU" dirty="0"/>
-              <a:t> </a:t>
-            </a:r>
-            <a:r>
-              <a:rPr lang="en-US" dirty="0" smtClean="0"/>
-              <a:t>SQUAREMAGNITUDE( </a:t>
-            </a:r>
-            <a:r>
-              <a:rPr lang="en-US" dirty="0"/>
-              <a:t>FFT(X) ) * CONJUGATE ( FFT(E) ) )</a:t>
-            </a:r>
-            <a:endParaRPr lang="en-US" dirty="0" smtClean="0"/>
-          </a:p>
-          <a:p>
-            <a:r>
-              <a:rPr lang="ru-RU" dirty="0" smtClean="0"/>
-              <a:t>Где</a:t>
-            </a:r>
-            <a:endParaRPr lang="en-US" dirty="0" smtClean="0"/>
-          </a:p>
-          <a:p>
-            <a:pPr lvl="1"/>
-            <a:r>
-              <a:rPr lang="es-ES" dirty="0"/>
-              <a:t>&lt;X,Y&gt;(i,j</a:t>
-            </a:r>
-            <a:r>
-              <a:rPr lang="es-ES" dirty="0" smtClean="0"/>
-              <a:t>) – </a:t>
-            </a:r>
-            <a:r>
-              <a:rPr lang="ru-RU" dirty="0" smtClean="0"/>
-              <a:t>скалярное произведение двух изображений, получаемых при сдвиге </a:t>
-            </a:r>
-            <a:r>
-              <a:rPr lang="es-ES" dirty="0"/>
-              <a:t>(i,j) </a:t>
-            </a:r>
-            <a:r>
-              <a:rPr lang="ru-RU" dirty="0" smtClean="0"/>
-              <a:t>относительно друг друга изображений </a:t>
-            </a:r>
-            <a:r>
-              <a:rPr lang="en-US" dirty="0" smtClean="0"/>
-              <a:t>X</a:t>
-            </a:r>
-            <a:r>
-              <a:rPr lang="ru-RU" dirty="0" smtClean="0"/>
-              <a:t> и </a:t>
-            </a:r>
-            <a:r>
-              <a:rPr lang="en-US" dirty="0" smtClean="0"/>
-              <a:t>Y</a:t>
-            </a:r>
-          </a:p>
-          <a:p>
-            <a:pPr lvl="1"/>
-            <a:r>
-              <a:rPr lang="en-US" dirty="0" smtClean="0"/>
-              <a:t>E – </a:t>
-            </a:r>
-            <a:r>
-              <a:rPr lang="ru-RU" dirty="0" smtClean="0"/>
-              <a:t>изображение размера равному минимальным размерам </a:t>
-            </a:r>
-            <a:r>
-              <a:rPr lang="en-US" dirty="0" smtClean="0"/>
-              <a:t>X </a:t>
-            </a:r>
-            <a:r>
-              <a:rPr lang="ru-RU" dirty="0" smtClean="0"/>
-              <a:t>и </a:t>
-            </a:r>
-            <a:r>
-              <a:rPr lang="en-US" dirty="0" smtClean="0"/>
-              <a:t>Y, </a:t>
-            </a:r>
-            <a:r>
-              <a:rPr lang="ru-RU" dirty="0" smtClean="0"/>
-              <a:t>и заполненное единичными значениями (то есть </a:t>
-            </a:r>
-            <a:r>
-              <a:rPr lang="en-US" dirty="0" smtClean="0"/>
-              <a:t>“</a:t>
-            </a:r>
-            <a:r>
-              <a:rPr lang="ru-RU" dirty="0" smtClean="0"/>
-              <a:t>кадр</a:t>
-            </a:r>
-            <a:r>
-              <a:rPr lang="en-US" dirty="0" smtClean="0"/>
-              <a:t>” </a:t>
-            </a:r>
-            <a:r>
-              <a:rPr lang="ru-RU" dirty="0" smtClean="0"/>
-              <a:t>в котором сравниваются </a:t>
-            </a:r>
-            <a:r>
-              <a:rPr lang="en-US" dirty="0"/>
-              <a:t>X </a:t>
-            </a:r>
-            <a:r>
-              <a:rPr lang="ru-RU" dirty="0"/>
-              <a:t>и </a:t>
-            </a:r>
-            <a:r>
-              <a:rPr lang="en-US" dirty="0"/>
-              <a:t>Y</a:t>
-            </a:r>
-            <a:r>
-              <a:rPr lang="en-US" dirty="0" smtClean="0"/>
-              <a:t>)</a:t>
-            </a:r>
-          </a:p>
-          <a:p>
-            <a:pPr lvl="1"/>
-            <a:r>
-              <a:rPr lang="es-ES" dirty="0"/>
-              <a:t>&lt;X,X</a:t>
-            </a:r>
-            <a:r>
-              <a:rPr lang="es-ES" dirty="0" smtClean="0"/>
-              <a:t>&gt;(</a:t>
-            </a:r>
-            <a:r>
-              <a:rPr lang="es-ES" dirty="0"/>
-              <a:t>i,j) – </a:t>
-            </a:r>
-            <a:r>
-              <a:rPr lang="ru-RU" dirty="0"/>
-              <a:t>норма (</a:t>
-            </a:r>
-            <a:r>
-              <a:rPr lang="ru-RU" dirty="0" smtClean="0"/>
-              <a:t>сумма яркостей пикселей) общей </a:t>
-            </a:r>
-            <a:r>
-              <a:rPr lang="ru-RU" dirty="0"/>
-              <a:t>части изображения </a:t>
-            </a:r>
-            <a:r>
-              <a:rPr lang="en-US" dirty="0"/>
-              <a:t>X</a:t>
-            </a:r>
-            <a:r>
-              <a:rPr lang="ru-RU" dirty="0"/>
-              <a:t> при сдвиге </a:t>
-            </a:r>
-            <a:r>
-              <a:rPr lang="es-ES" dirty="0"/>
-              <a:t>(i,j)</a:t>
-            </a:r>
-            <a:endParaRPr lang="ru-RU" dirty="0"/>
-          </a:p>
-          <a:p>
-            <a:pPr lvl="1"/>
-            <a:r>
-              <a:rPr lang="en-US" dirty="0" smtClean="0"/>
-              <a:t>FFT </a:t>
-            </a:r>
-            <a:r>
-              <a:rPr lang="en-US" dirty="0"/>
-              <a:t>– </a:t>
-            </a:r>
-            <a:r>
-              <a:rPr lang="ru-RU" dirty="0"/>
-              <a:t>операция прямого двухмерного дискретного преобразования Фурье</a:t>
-            </a:r>
-          </a:p>
-          <a:p>
-            <a:pPr lvl="1"/>
-            <a:r>
-              <a:rPr lang="en-US" dirty="0"/>
-              <a:t>BFT – </a:t>
-            </a:r>
-            <a:r>
-              <a:rPr lang="ru-RU" dirty="0"/>
-              <a:t>операция обратного двухмерного дискретного преобразования </a:t>
-            </a:r>
-            <a:r>
-              <a:rPr lang="ru-RU" dirty="0" smtClean="0"/>
-              <a:t>Фурье</a:t>
-            </a:r>
-            <a:endParaRPr lang="en-US" dirty="0" smtClean="0"/>
-          </a:p>
-          <a:p>
-            <a:pPr lvl="1"/>
-            <a:r>
-              <a:rPr lang="en-US" dirty="0"/>
-              <a:t>CONJUGATE – </a:t>
-            </a:r>
-            <a:r>
-              <a:rPr lang="ru-RU" dirty="0"/>
-              <a:t>операция вычисления матрицы</a:t>
-            </a:r>
-            <a:r>
-              <a:rPr lang="en-US" dirty="0"/>
-              <a:t> </a:t>
-            </a:r>
-            <a:r>
-              <a:rPr lang="ru-RU" dirty="0"/>
-              <a:t>из сопряжённых элементов</a:t>
-            </a:r>
-          </a:p>
-          <a:p>
-            <a:pPr lvl="1"/>
-            <a:r>
-              <a:rPr lang="en-US" dirty="0" smtClean="0"/>
-              <a:t>SQUAREMAGNITUDE</a:t>
-            </a:r>
-            <a:r>
-              <a:rPr lang="ru-RU" dirty="0" smtClean="0"/>
-              <a:t>– </a:t>
-            </a:r>
-            <a:r>
-              <a:rPr lang="ru-RU" dirty="0"/>
-              <a:t>операция вычисления матрицы квадратов амплитуд элементов</a:t>
-            </a:r>
-          </a:p>
-          <a:p>
-            <a:pPr lvl="1"/>
-            <a:endParaRPr lang="ru-RU" dirty="0"/>
-          </a:p>
-        </p:txBody>
-      </p:sp>
+      <mc:AlternateContent xmlns:mc="http://schemas.openxmlformats.org/markup-compatibility/2006" xmlns:a14="http://schemas.microsoft.com/office/drawing/2010/main">
+        <mc:Choice Requires="a14">
+          <p:sp>
+            <p:nvSpPr>
+              <p:cNvPr id="3" name="Объект 2"/>
+              <p:cNvSpPr>
+                <a:spLocks noGrp="1"/>
+              </p:cNvSpPr>
+              <p:nvPr>
+                <p:ph idx="1"/>
+              </p:nvPr>
+            </p:nvSpPr>
+            <p:spPr/>
+            <p:txBody>
+              <a:bodyPr>
+                <a:normAutofit fontScale="70000" lnSpcReduction="20000"/>
+              </a:bodyPr>
+              <a:lstStyle/>
+              <a:p>
+                <a:r>
+                  <a:rPr lang="ru-RU" dirty="0" smtClean="0"/>
+                  <a:t>При решении задачи для поиска одного образца, дополнительное нормирование образца является излишним, а также вычисление нормы у общей части может быть заменено на сумму яркостей пикселей в этой общей части</a:t>
+                </a:r>
+                <a:r>
+                  <a:rPr lang="en-US" dirty="0" smtClean="0"/>
+                  <a:t> </a:t>
+                </a:r>
+                <a:r>
+                  <a:rPr lang="ru-RU" dirty="0" smtClean="0"/>
+                  <a:t>или на сумму </a:t>
+                </a:r>
+                <a:r>
+                  <a:rPr lang="ru-RU" dirty="0"/>
+                  <a:t>квадратов яркостей в этой общей части</a:t>
+                </a:r>
+                <a:r>
+                  <a:rPr lang="en-US" dirty="0"/>
+                  <a:t> </a:t>
+                </a:r>
+                <a:endParaRPr lang="ru-RU" dirty="0" smtClean="0"/>
+              </a:p>
+              <a:p>
+                <a:r>
+                  <a:rPr lang="ru-RU" dirty="0" smtClean="0"/>
+                  <a:t>При использовании формулы для оценки расстояния между изображениями </a:t>
+                </a:r>
+                <a:r>
+                  <a:rPr lang="ru-RU" dirty="0"/>
+                  <a:t>при сдвиге </a:t>
+                </a:r>
+                <a:r>
+                  <a:rPr lang="es-ES" dirty="0"/>
+                  <a:t>(i,j) </a:t>
+                </a:r>
+                <a:r>
+                  <a:rPr lang="ru-RU" dirty="0"/>
+                  <a:t>относительно друг </a:t>
+                </a:r>
+                <a:r>
+                  <a:rPr lang="ru-RU" dirty="0" smtClean="0"/>
+                  <a:t>друга</a:t>
+                </a:r>
+              </a:p>
+              <a:p>
+                <a:pPr marL="0" indent="0" algn="ctr">
+                  <a:buNone/>
+                </a:pPr>
+                <a14:m>
+                  <m:oMath xmlns:m="http://schemas.openxmlformats.org/officeDocument/2006/math">
+                    <m:r>
+                      <a:rPr lang="es-ES" i="1" dirty="0" smtClean="0">
+                        <a:latin typeface="Cambria Math" panose="02040503050406030204" pitchFamily="18" charset="0"/>
+                        <a:ea typeface="Cambria Math" panose="02040503050406030204" pitchFamily="18" charset="0"/>
+                      </a:rPr>
+                      <m:t>𝜇</m:t>
+                    </m:r>
+                    <m:r>
+                      <a:rPr lang="es-ES" i="1" dirty="0" smtClean="0">
+                        <a:latin typeface="Cambria Math" panose="02040503050406030204" pitchFamily="18" charset="0"/>
+                      </a:rPr>
+                      <m:t>(</m:t>
+                    </m:r>
+                    <m:r>
+                      <a:rPr lang="es-ES" i="1" dirty="0" smtClean="0">
+                        <a:latin typeface="Cambria Math" panose="02040503050406030204" pitchFamily="18" charset="0"/>
+                      </a:rPr>
+                      <m:t>𝑋</m:t>
+                    </m:r>
+                    <m:r>
+                      <a:rPr lang="es-ES" i="1" dirty="0" smtClean="0">
+                        <a:latin typeface="Cambria Math" panose="02040503050406030204" pitchFamily="18" charset="0"/>
+                      </a:rPr>
+                      <m:t>,</m:t>
+                    </m:r>
+                    <m:r>
+                      <a:rPr lang="es-ES" i="1" dirty="0" smtClean="0">
+                        <a:latin typeface="Cambria Math" panose="02040503050406030204" pitchFamily="18" charset="0"/>
+                      </a:rPr>
+                      <m:t>𝑌</m:t>
+                    </m:r>
+                    <m:r>
+                      <a:rPr lang="es-ES" i="1" dirty="0" smtClean="0">
+                        <a:latin typeface="Cambria Math" panose="02040503050406030204" pitchFamily="18" charset="0"/>
+                      </a:rPr>
+                      <m:t>) (</m:t>
+                    </m:r>
+                    <m:r>
+                      <a:rPr lang="es-ES" i="1" dirty="0">
+                        <a:latin typeface="Cambria Math" panose="02040503050406030204" pitchFamily="18" charset="0"/>
+                      </a:rPr>
+                      <m:t>𝑖</m:t>
+                    </m:r>
+                    <m:r>
+                      <a:rPr lang="es-ES" i="1" dirty="0">
+                        <a:latin typeface="Cambria Math" panose="02040503050406030204" pitchFamily="18" charset="0"/>
+                      </a:rPr>
+                      <m:t>,</m:t>
+                    </m:r>
+                    <m:r>
+                      <a:rPr lang="es-ES" i="1" dirty="0">
+                        <a:latin typeface="Cambria Math" panose="02040503050406030204" pitchFamily="18" charset="0"/>
+                      </a:rPr>
+                      <m:t>𝑗</m:t>
+                    </m:r>
+                    <m:r>
+                      <a:rPr lang="es-ES" i="1" dirty="0">
+                        <a:latin typeface="Cambria Math" panose="02040503050406030204" pitchFamily="18" charset="0"/>
+                      </a:rPr>
+                      <m:t>) = </m:t>
+                    </m:r>
+                    <m:f>
+                      <m:fPr>
+                        <m:ctrlPr>
+                          <a:rPr lang="es-ES" i="1" dirty="0" smtClean="0">
+                            <a:latin typeface="Cambria Math" panose="02040503050406030204" pitchFamily="18" charset="0"/>
+                          </a:rPr>
+                        </m:ctrlPr>
+                      </m:fPr>
+                      <m:num>
+                        <m:r>
+                          <a:rPr lang="es-ES" i="1" dirty="0">
+                            <a:latin typeface="Cambria Math" panose="02040503050406030204" pitchFamily="18" charset="0"/>
+                          </a:rPr>
+                          <m:t>&lt;</m:t>
+                        </m:r>
+                        <m:r>
+                          <a:rPr lang="es-ES" i="1" dirty="0">
+                            <a:latin typeface="Cambria Math" panose="02040503050406030204" pitchFamily="18" charset="0"/>
+                          </a:rPr>
+                          <m:t>𝑋</m:t>
+                        </m:r>
+                        <m:r>
+                          <a:rPr lang="es-ES" i="1" dirty="0">
+                            <a:latin typeface="Cambria Math" panose="02040503050406030204" pitchFamily="18" charset="0"/>
+                          </a:rPr>
+                          <m:t>,</m:t>
+                        </m:r>
+                        <m:r>
+                          <a:rPr lang="es-ES" i="1" dirty="0">
+                            <a:latin typeface="Cambria Math" panose="02040503050406030204" pitchFamily="18" charset="0"/>
+                          </a:rPr>
+                          <m:t>𝑌</m:t>
+                        </m:r>
+                        <m:r>
+                          <a:rPr lang="es-ES" i="1" dirty="0">
+                            <a:latin typeface="Cambria Math" panose="02040503050406030204" pitchFamily="18" charset="0"/>
+                          </a:rPr>
+                          <m:t>&gt;(</m:t>
+                        </m:r>
+                        <m:r>
+                          <a:rPr lang="es-ES" i="1" dirty="0">
+                            <a:latin typeface="Cambria Math" panose="02040503050406030204" pitchFamily="18" charset="0"/>
+                          </a:rPr>
+                          <m:t>𝑖</m:t>
+                        </m:r>
+                        <m:r>
+                          <a:rPr lang="es-ES" i="1" dirty="0">
+                            <a:latin typeface="Cambria Math" panose="02040503050406030204" pitchFamily="18" charset="0"/>
+                          </a:rPr>
+                          <m:t>,</m:t>
+                        </m:r>
+                        <m:r>
+                          <a:rPr lang="es-ES" i="1" dirty="0">
+                            <a:latin typeface="Cambria Math" panose="02040503050406030204" pitchFamily="18" charset="0"/>
+                          </a:rPr>
+                          <m:t>𝑗</m:t>
+                        </m:r>
+                        <m:r>
+                          <a:rPr lang="es-ES" i="1" dirty="0">
+                            <a:latin typeface="Cambria Math" panose="02040503050406030204" pitchFamily="18" charset="0"/>
+                          </a:rPr>
+                          <m:t>)</m:t>
+                        </m:r>
+                      </m:num>
+                      <m:den>
+                        <m:r>
+                          <a:rPr lang="es-ES" i="1" dirty="0">
+                            <a:latin typeface="Cambria Math" panose="02040503050406030204" pitchFamily="18" charset="0"/>
+                          </a:rPr>
+                          <m:t>|</m:t>
+                        </m:r>
+                        <m:r>
+                          <a:rPr lang="en-US" i="1" dirty="0">
+                            <a:latin typeface="Cambria Math" panose="02040503050406030204" pitchFamily="18" charset="0"/>
+                          </a:rPr>
+                          <m:t>𝑋</m:t>
+                        </m:r>
+                        <m:r>
+                          <a:rPr lang="es-ES" i="1" dirty="0">
+                            <a:latin typeface="Cambria Math" panose="02040503050406030204" pitchFamily="18" charset="0"/>
+                          </a:rPr>
+                          <m:t>|^2(</m:t>
+                        </m:r>
+                        <m:r>
+                          <a:rPr lang="es-ES" i="1" dirty="0">
+                            <a:latin typeface="Cambria Math" panose="02040503050406030204" pitchFamily="18" charset="0"/>
+                          </a:rPr>
+                          <m:t>𝑖</m:t>
+                        </m:r>
+                        <m:r>
+                          <a:rPr lang="es-ES" i="1" dirty="0">
+                            <a:latin typeface="Cambria Math" panose="02040503050406030204" pitchFamily="18" charset="0"/>
+                          </a:rPr>
+                          <m:t>,</m:t>
+                        </m:r>
+                        <m:r>
+                          <a:rPr lang="es-ES" i="1" dirty="0">
+                            <a:latin typeface="Cambria Math" panose="02040503050406030204" pitchFamily="18" charset="0"/>
+                          </a:rPr>
+                          <m:t>𝑗</m:t>
+                        </m:r>
+                        <m:r>
+                          <a:rPr lang="es-ES" i="1" dirty="0">
+                            <a:latin typeface="Cambria Math" panose="02040503050406030204" pitchFamily="18" charset="0"/>
+                          </a:rPr>
+                          <m:t>)</m:t>
+                        </m:r>
+                      </m:den>
+                    </m:f>
+                  </m:oMath>
+                </a14:m>
+                <a:r>
+                  <a:rPr lang="ru-RU" dirty="0" smtClean="0"/>
+                  <a:t>, </a:t>
+                </a:r>
+              </a:p>
+              <a:p>
+                <a:r>
+                  <a:rPr lang="ru-RU" dirty="0" smtClean="0"/>
+                  <a:t>получаем, что</a:t>
+                </a:r>
+                <a:endParaRPr lang="es-ES" dirty="0"/>
+              </a:p>
+              <a:p>
+                <a:pPr lvl="1"/>
+                <a:r>
+                  <a:rPr lang="es-ES" dirty="0"/>
+                  <a:t>&lt;</a:t>
+                </a:r>
+                <a:r>
+                  <a:rPr lang="es-ES" dirty="0" smtClean="0"/>
+                  <a:t>X,Y&gt; = </a:t>
+                </a:r>
+                <a:r>
+                  <a:rPr lang="en-US" dirty="0"/>
+                  <a:t>BFT ( FFT(X) * CONJUGATE ( FFT(Y) ) )</a:t>
+                </a:r>
+              </a:p>
+              <a:p>
+                <a:pPr lvl="1"/>
+                <a:r>
+                  <a:rPr lang="es-ES" dirty="0"/>
+                  <a:t>&lt;X,X&gt; = </a:t>
+                </a:r>
+                <a:r>
+                  <a:rPr lang="en-US" dirty="0"/>
+                  <a:t>BFT (</a:t>
+                </a:r>
+                <a:r>
+                  <a:rPr lang="ru-RU" dirty="0"/>
+                  <a:t> </a:t>
+                </a:r>
+                <a:r>
+                  <a:rPr lang="en-US" dirty="0" smtClean="0"/>
+                  <a:t>SQUAREMAGNITUDE( </a:t>
+                </a:r>
+                <a:r>
+                  <a:rPr lang="en-US" dirty="0"/>
+                  <a:t>FFT(X) ) * CONJUGATE ( FFT(E) ) )</a:t>
+                </a:r>
+                <a:endParaRPr lang="en-US" dirty="0" smtClean="0"/>
+              </a:p>
+              <a:p>
+                <a:r>
+                  <a:rPr lang="ru-RU" dirty="0" smtClean="0"/>
+                  <a:t>Где</a:t>
+                </a:r>
+                <a:endParaRPr lang="en-US" dirty="0" smtClean="0"/>
+              </a:p>
+              <a:p>
+                <a:pPr lvl="1"/>
+                <a:r>
+                  <a:rPr lang="es-ES" dirty="0"/>
+                  <a:t>&lt;X,Y&gt;(i,j</a:t>
+                </a:r>
+                <a:r>
+                  <a:rPr lang="es-ES" dirty="0" smtClean="0"/>
+                  <a:t>) – </a:t>
+                </a:r>
+                <a:r>
+                  <a:rPr lang="ru-RU" dirty="0" smtClean="0"/>
+                  <a:t>скалярное произведение двух изображений, получаемых при сдвиге </a:t>
+                </a:r>
+                <a:r>
+                  <a:rPr lang="es-ES" dirty="0"/>
+                  <a:t>(i,j) </a:t>
+                </a:r>
+                <a:r>
+                  <a:rPr lang="ru-RU" dirty="0" smtClean="0"/>
+                  <a:t>относительно друг друга изображений </a:t>
+                </a:r>
+                <a:r>
+                  <a:rPr lang="en-US" dirty="0" smtClean="0"/>
+                  <a:t>X</a:t>
+                </a:r>
+                <a:r>
+                  <a:rPr lang="ru-RU" dirty="0" smtClean="0"/>
+                  <a:t> и </a:t>
+                </a:r>
+                <a:r>
+                  <a:rPr lang="en-US" dirty="0" smtClean="0"/>
+                  <a:t>Y</a:t>
+                </a:r>
+              </a:p>
+              <a:p>
+                <a:pPr lvl="1"/>
+                <a:r>
+                  <a:rPr lang="en-US" dirty="0" smtClean="0"/>
+                  <a:t>E – </a:t>
+                </a:r>
+                <a:r>
+                  <a:rPr lang="ru-RU" dirty="0" smtClean="0"/>
+                  <a:t>изображение размера равному минимальным размерам </a:t>
+                </a:r>
+                <a:r>
+                  <a:rPr lang="en-US" dirty="0" smtClean="0"/>
+                  <a:t>X </a:t>
+                </a:r>
+                <a:r>
+                  <a:rPr lang="ru-RU" dirty="0" smtClean="0"/>
+                  <a:t>и </a:t>
+                </a:r>
+                <a:r>
+                  <a:rPr lang="en-US" dirty="0" smtClean="0"/>
+                  <a:t>Y, </a:t>
+                </a:r>
+                <a:r>
+                  <a:rPr lang="ru-RU" dirty="0" smtClean="0"/>
+                  <a:t>и заполненное единичными значениями (то есть </a:t>
+                </a:r>
+                <a:r>
+                  <a:rPr lang="en-US" dirty="0" smtClean="0"/>
+                  <a:t>“</a:t>
+                </a:r>
+                <a:r>
+                  <a:rPr lang="ru-RU" dirty="0" smtClean="0"/>
+                  <a:t>кадр</a:t>
+                </a:r>
+                <a:r>
+                  <a:rPr lang="en-US" dirty="0" smtClean="0"/>
+                  <a:t>” </a:t>
+                </a:r>
+                <a:r>
+                  <a:rPr lang="ru-RU" dirty="0" smtClean="0"/>
+                  <a:t>в котором сравниваются </a:t>
+                </a:r>
+                <a:r>
+                  <a:rPr lang="en-US" dirty="0"/>
+                  <a:t>X </a:t>
+                </a:r>
+                <a:r>
+                  <a:rPr lang="ru-RU" dirty="0"/>
+                  <a:t>и </a:t>
+                </a:r>
+                <a:r>
+                  <a:rPr lang="en-US" dirty="0"/>
+                  <a:t>Y</a:t>
+                </a:r>
+                <a:r>
+                  <a:rPr lang="en-US" dirty="0" smtClean="0"/>
+                  <a:t>)</a:t>
+                </a:r>
+              </a:p>
+              <a:p>
+                <a:pPr lvl="1"/>
+                <a:r>
+                  <a:rPr lang="es-ES" dirty="0"/>
+                  <a:t>&lt;X,X</a:t>
+                </a:r>
+                <a:r>
+                  <a:rPr lang="es-ES" dirty="0" smtClean="0"/>
+                  <a:t>&gt;(</a:t>
+                </a:r>
+                <a:r>
+                  <a:rPr lang="es-ES" dirty="0"/>
+                  <a:t>i,j) – </a:t>
+                </a:r>
+                <a:r>
+                  <a:rPr lang="ru-RU" dirty="0"/>
+                  <a:t>норма (</a:t>
+                </a:r>
+                <a:r>
+                  <a:rPr lang="ru-RU" dirty="0" smtClean="0"/>
+                  <a:t>сумма яркостей пикселей) общей </a:t>
+                </a:r>
+                <a:r>
+                  <a:rPr lang="ru-RU" dirty="0"/>
+                  <a:t>части изображения </a:t>
+                </a:r>
+                <a:r>
+                  <a:rPr lang="en-US" dirty="0"/>
+                  <a:t>X</a:t>
+                </a:r>
+                <a:r>
+                  <a:rPr lang="ru-RU" dirty="0"/>
+                  <a:t> при сдвиге </a:t>
+                </a:r>
+                <a:r>
+                  <a:rPr lang="es-ES" dirty="0"/>
+                  <a:t>(i,j)</a:t>
+                </a:r>
+                <a:endParaRPr lang="ru-RU" dirty="0"/>
+              </a:p>
+              <a:p>
+                <a:pPr lvl="1"/>
+                <a:r>
+                  <a:rPr lang="en-US" dirty="0" smtClean="0"/>
+                  <a:t>FFT </a:t>
+                </a:r>
+                <a:r>
+                  <a:rPr lang="en-US" dirty="0"/>
+                  <a:t>– </a:t>
+                </a:r>
+                <a:r>
+                  <a:rPr lang="ru-RU" dirty="0"/>
+                  <a:t>операция прямого двухмерного дискретного преобразования Фурье</a:t>
+                </a:r>
+              </a:p>
+              <a:p>
+                <a:pPr lvl="1"/>
+                <a:r>
+                  <a:rPr lang="en-US" dirty="0"/>
+                  <a:t>BFT – </a:t>
+                </a:r>
+                <a:r>
+                  <a:rPr lang="ru-RU" dirty="0"/>
+                  <a:t>операция обратного двухмерного дискретного преобразования </a:t>
+                </a:r>
+                <a:r>
+                  <a:rPr lang="ru-RU" dirty="0" smtClean="0"/>
+                  <a:t>Фурье</a:t>
+                </a:r>
+                <a:endParaRPr lang="en-US" dirty="0" smtClean="0"/>
+              </a:p>
+              <a:p>
+                <a:pPr lvl="1"/>
+                <a:r>
+                  <a:rPr lang="en-US" dirty="0"/>
+                  <a:t>CONJUGATE – </a:t>
+                </a:r>
+                <a:r>
+                  <a:rPr lang="ru-RU" dirty="0"/>
+                  <a:t>операция вычисления матрицы</a:t>
+                </a:r>
+                <a:r>
+                  <a:rPr lang="en-US" dirty="0"/>
+                  <a:t> </a:t>
+                </a:r>
+                <a:r>
+                  <a:rPr lang="ru-RU" dirty="0"/>
+                  <a:t>из сопряжённых элементов</a:t>
+                </a:r>
+              </a:p>
+              <a:p>
+                <a:pPr lvl="1"/>
+                <a:r>
+                  <a:rPr lang="en-US" dirty="0" smtClean="0"/>
+                  <a:t>SQUAREMAGNITUDE</a:t>
+                </a:r>
+                <a:r>
+                  <a:rPr lang="ru-RU" dirty="0" smtClean="0"/>
+                  <a:t>– </a:t>
+                </a:r>
+                <a:r>
+                  <a:rPr lang="ru-RU" dirty="0"/>
+                  <a:t>операция вычисления матрицы квадратов амплитуд элементов</a:t>
+                </a:r>
+              </a:p>
+              <a:p>
+                <a:pPr lvl="1"/>
+                <a:endParaRPr lang="ru-RU" dirty="0"/>
+              </a:p>
+            </p:txBody>
+          </p:sp>
+        </mc:Choice>
+        <mc:Fallback xmlns="">
+          <p:sp>
+            <p:nvSpPr>
+              <p:cNvPr id="3" name="Объект 2"/>
+              <p:cNvSpPr>
+                <a:spLocks noGrp="1" noRot="1" noChangeAspect="1" noMove="1" noResize="1" noEditPoints="1" noAdjustHandles="1" noChangeArrowheads="1" noChangeShapeType="1" noTextEdit="1"/>
+              </p:cNvSpPr>
+              <p:nvPr>
+                <p:ph idx="1"/>
+              </p:nvPr>
+            </p:nvSpPr>
+            <p:spPr>
+              <a:blipFill rotWithShape="0">
+                <a:blip r:embed="rId2"/>
+                <a:stretch>
+                  <a:fillRect t="-1805" b="-602"/>
+                </a:stretch>
+              </a:blipFill>
+            </p:spPr>
+            <p:txBody>
+              <a:bodyPr/>
+              <a:lstStyle/>
+              <a:p>
+                <a:r>
+                  <a:rPr lang="ru-RU">
+                    <a:noFill/>
+                  </a:rPr>
+                  <a:t> </a:t>
+                </a:r>
+              </a:p>
+            </p:txBody>
+          </p:sp>
+        </mc:Fallback>
+      </mc:AlternateContent>
       <p:sp>
         <p:nvSpPr>
           <p:cNvPr id="4" name="Нижний колонтитул 3"/>
@@ -6631,11 +7473,7 @@
             </a:r>
             <a:r>
               <a:rPr lang="en-US" dirty="0"/>
-              <a:t>= </a:t>
-            </a:r>
-            <a:r>
-              <a:rPr lang="en-US" dirty="0"/>
-              <a:t>BFT ( FFT(X) * CONJUGATE ( FFT(Y) ) </a:t>
+              <a:t>= BFT ( FFT(X) * CONJUGATE ( FFT(Y) ) </a:t>
             </a:r>
             <a:r>
               <a:rPr lang="en-US" dirty="0" smtClean="0"/>
@@ -6661,11 +7499,7 @@
             </a:r>
             <a:r>
               <a:rPr lang="en-US" dirty="0"/>
-              <a:t>= </a:t>
-            </a:r>
-            <a:r>
-              <a:rPr lang="en-US" dirty="0"/>
-              <a:t>BFT (</a:t>
+              <a:t>= BFT (</a:t>
             </a:r>
             <a:r>
               <a:rPr lang="ru-RU" dirty="0"/>
@@ -6703,11 +7537,7 @@
             </a:r>
             <a:r>
               <a:rPr lang="en-US" dirty="0"/>
-              <a:t> [</a:t>
-            </a:r>
-            <a:r>
-              <a:rPr lang="en-US" dirty="0"/>
-              <a:t>i,j</a:t>
+              <a:t> [i,j</a:t>
             </a:r>
             <a:r>
               <a:rPr lang="en-US" dirty="0" smtClean="0"/>
@@ -15437,138 +16267,348 @@
           </a:p>
         </p:txBody>
       </p:sp>
-      <p:sp>
-        <p:nvSpPr>
-          <p:cNvPr id="3" name="Объект 2"/>
-          <p:cNvSpPr>
-            <a:spLocks noGrp="1"/>
-          </p:cNvSpPr>
-          <p:nvPr>
-            <p:ph idx="1"/>
-          </p:nvPr>
-        </p:nvSpPr>
-        <p:spPr/>
-        <p:txBody>
-          <a:bodyPr>
-            <a:normAutofit fontScale="70000" lnSpcReduction="20000"/>
-          </a:bodyPr>
-          <a:lstStyle/>
-          <a:p>
-            <a:r>
-              <a:rPr lang="ru-RU" dirty="0" smtClean="0"/>
-              <a:t>Традиционная техника</a:t>
-            </a:r>
-            <a:r>
-              <a:rPr lang="en-US" dirty="0"/>
-              <a:t> “</a:t>
-            </a:r>
-            <a:r>
-              <a:rPr lang="ru-RU" dirty="0"/>
-              <a:t>начального уровня</a:t>
-            </a:r>
-            <a:r>
-              <a:rPr lang="en-US" dirty="0"/>
-              <a:t>”,</a:t>
-            </a:r>
-            <a:r>
-              <a:rPr lang="ru-RU" dirty="0" smtClean="0"/>
-              <a:t> </a:t>
-            </a:r>
-            <a:r>
-              <a:rPr lang="ru-RU" dirty="0"/>
-              <a:t>сравнения текущего изображения с эталоном основывается на рассмотрении изображений как двумерных функций яркости (дискретных двумерных матриц интенсивности). При этом измеряется либо расстояние между изображениями, либо мера их близости.</a:t>
-            </a:r>
-          </a:p>
-          <a:p>
-            <a:r>
-              <a:rPr lang="ru-RU" dirty="0"/>
-              <a:t>Как правило, для вычисления расстояний между изображениями используется </a:t>
-            </a:r>
-            <a:r>
-              <a:rPr lang="ru-RU" dirty="0" smtClean="0"/>
-              <a:t>формула, являющаяся суммой модулей или квадратов разностей интенсивности</a:t>
-            </a:r>
-            <a:endParaRPr lang="ru-RU" dirty="0"/>
-          </a:p>
-          <a:p>
-            <a:pPr marL="0" indent="0" algn="ctr">
-              <a:buNone/>
-            </a:pPr>
-            <a:r>
-              <a:rPr lang="en-US" dirty="0" smtClean="0"/>
-              <a:t>d(X,Y) = SUM ( X[i,j] - Y[i,j] )^2</a:t>
-            </a:r>
-            <a:endParaRPr lang="ru-RU" dirty="0" smtClean="0"/>
-          </a:p>
-          <a:p>
-            <a:r>
-              <a:rPr lang="ru-RU" dirty="0" smtClean="0"/>
-              <a:t>Если помимо простого сравнения </a:t>
-            </a:r>
-            <a:r>
-              <a:rPr lang="ru-RU" dirty="0"/>
-              <a:t>двух изображений требуется </a:t>
-            </a:r>
-            <a:r>
-              <a:rPr lang="ru-RU" dirty="0" smtClean="0"/>
-              <a:t>решить задачу обнаружения позиции фрагмента одного изображения в другом, то классический метод </a:t>
-            </a:r>
-            <a:r>
-              <a:rPr lang="en-US" dirty="0" smtClean="0"/>
-              <a:t>“</a:t>
-            </a:r>
-            <a:r>
-              <a:rPr lang="ru-RU" dirty="0" smtClean="0"/>
-              <a:t>начального уровня</a:t>
-            </a:r>
-            <a:r>
-              <a:rPr lang="en-US" dirty="0" smtClean="0"/>
-              <a:t>”,</a:t>
-            </a:r>
-            <a:r>
-              <a:rPr lang="ru-RU" dirty="0" smtClean="0"/>
-              <a:t> заключающийся в переборе всех координат и вычисления расстояния по указанной формуле, как правило, терпит неудачу практического использования из-за требуемого большого количества вычислений.</a:t>
-            </a:r>
-          </a:p>
-          <a:p>
-            <a:r>
-              <a:rPr lang="ru-RU" dirty="0" smtClean="0"/>
-              <a:t>Одним из методов, позволяющих значительно сократить количество вычислений, является применение Фурье преобразований и дискретных </a:t>
-            </a:r>
-            <a:r>
-              <a:rPr lang="ru-RU" dirty="0"/>
-              <a:t>Фурье преобразований </a:t>
-            </a:r>
-            <a:r>
-              <a:rPr lang="ru-RU" dirty="0" smtClean="0"/>
-              <a:t>для расчёта меры совпадения двух изображений при различных смещениях их между собой. Вычисления при этом происходят одновременно для различных комбинаций сдвигов изображений </a:t>
-            </a:r>
-            <a:r>
-              <a:rPr lang="ru-RU" dirty="0"/>
-              <a:t>относительно </a:t>
-            </a:r>
-            <a:r>
-              <a:rPr lang="ru-RU" dirty="0" smtClean="0"/>
-              <a:t>друг друга.</a:t>
-            </a:r>
-          </a:p>
-          <a:p>
-            <a:r>
-              <a:rPr lang="ru-RU" dirty="0" smtClean="0"/>
-              <a:t>Наличие большого числа библиотек, </a:t>
-            </a:r>
-            <a:r>
-              <a:rPr lang="ru-RU" dirty="0"/>
-              <a:t>реализующих Фурье </a:t>
-            </a:r>
-            <a:r>
-              <a:rPr lang="ru-RU" dirty="0" smtClean="0"/>
-              <a:t>преобразований (во всевозможных вариантах быстрых версий), делает реализацию алгоритмов сравнения изображений не очень сложной задачей для программирования.</a:t>
-            </a:r>
-            <a:endParaRPr lang="ru-RU" dirty="0"/>
-          </a:p>
-        </p:txBody>
-      </p:sp>
+      <mc:AlternateContent xmlns:mc="http://schemas.openxmlformats.org/markup-compatibility/2006" xmlns:a14="http://schemas.microsoft.com/office/drawing/2010/main">
+        <mc:Choice Requires="a14">
+          <p:sp>
+            <p:nvSpPr>
+              <p:cNvPr id="3" name="Объект 2"/>
+              <p:cNvSpPr>
+                <a:spLocks noGrp="1"/>
+              </p:cNvSpPr>
+              <p:nvPr>
+                <p:ph idx="1"/>
+              </p:nvPr>
+            </p:nvSpPr>
+            <p:spPr/>
+            <p:txBody>
+              <a:bodyPr>
+                <a:normAutofit fontScale="70000" lnSpcReduction="20000"/>
+              </a:bodyPr>
+              <a:lstStyle/>
+              <a:p>
+                <a:r>
+                  <a:rPr lang="ru-RU" dirty="0" smtClean="0"/>
+                  <a:t>Традиционная техника</a:t>
+                </a:r>
+                <a:r>
+                  <a:rPr lang="en-US" dirty="0"/>
+                  <a:t> “</a:t>
+                </a:r>
+                <a:r>
+                  <a:rPr lang="ru-RU" dirty="0"/>
+                  <a:t>начального уровня</a:t>
+                </a:r>
+                <a:r>
+                  <a:rPr lang="en-US" dirty="0"/>
+                  <a:t>”,</a:t>
+                </a:r>
+                <a:r>
+                  <a:rPr lang="ru-RU" dirty="0" smtClean="0"/>
+                  <a:t> </a:t>
+                </a:r>
+                <a:r>
+                  <a:rPr lang="ru-RU" dirty="0"/>
+                  <a:t>сравнения текущего изображения с эталоном основывается на рассмотрении изображений как двумерных функций яркости (дискретных двумерных матриц интенсивности). При этом измеряется либо расстояние между изображениями, либо мера их близости.</a:t>
+                </a:r>
+              </a:p>
+              <a:p>
+                <a:r>
+                  <a:rPr lang="ru-RU" dirty="0"/>
+                  <a:t>Как правило, для вычисления расстояний между изображениями используется </a:t>
+                </a:r>
+                <a:r>
+                  <a:rPr lang="ru-RU" dirty="0" smtClean="0"/>
+                  <a:t>формула, являющаяся суммой модулей или квадратов разностей интенсивности</a:t>
+                </a:r>
+                <a:endParaRPr lang="ru-RU" dirty="0"/>
+              </a:p>
+              <a:p>
+                <a:pPr marL="0" indent="0">
+                  <a:buNone/>
+                </a:pPr>
+                <a14:m>
+                  <m:oMathPara xmlns:m="http://schemas.openxmlformats.org/officeDocument/2006/math">
+                    <m:oMathParaPr>
+                      <m:jc m:val="center"/>
+                    </m:oMathParaPr>
+                    <m:oMath xmlns:m="http://schemas.openxmlformats.org/officeDocument/2006/math">
+                      <m:r>
+                        <a:rPr lang="en-US" i="1">
+                          <a:latin typeface="Cambria Math" panose="02040503050406030204" pitchFamily="18" charset="0"/>
+                        </a:rPr>
+                        <m:t>𝑑𝑖𝑠𝑡𝑎𝑛𝑐𝑒</m:t>
+                      </m:r>
+                      <m:r>
+                        <a:rPr lang="en-US" i="1">
+                          <a:latin typeface="Cambria Math" panose="02040503050406030204" pitchFamily="18" charset="0"/>
+                        </a:rPr>
+                        <m:t>(</m:t>
+                      </m:r>
+                      <m:r>
+                        <a:rPr lang="en-US" i="1">
+                          <a:latin typeface="Cambria Math" panose="02040503050406030204" pitchFamily="18" charset="0"/>
+                        </a:rPr>
+                        <m:t>𝑋</m:t>
+                      </m:r>
+                      <m:r>
+                        <a:rPr lang="en-US" i="1">
+                          <a:latin typeface="Cambria Math" panose="02040503050406030204" pitchFamily="18" charset="0"/>
+                        </a:rPr>
+                        <m:t>,</m:t>
+                      </m:r>
+                      <m:r>
+                        <a:rPr lang="en-US" i="1">
+                          <a:latin typeface="Cambria Math" panose="02040503050406030204" pitchFamily="18" charset="0"/>
+                        </a:rPr>
+                        <m:t>𝑌</m:t>
+                      </m:r>
+                      <m:r>
+                        <a:rPr lang="en-US" i="1">
+                          <a:latin typeface="Cambria Math" panose="02040503050406030204" pitchFamily="18" charset="0"/>
+                        </a:rPr>
+                        <m:t>) = </m:t>
+                      </m:r>
+                      <m:nary>
+                        <m:naryPr>
+                          <m:chr m:val="∑"/>
+                          <m:limLoc m:val="undOvr"/>
+                          <m:supHide m:val="on"/>
+                          <m:ctrlPr>
+                            <a:rPr lang="ru-RU" i="1">
+                              <a:latin typeface="Cambria Math" panose="02040503050406030204" pitchFamily="18" charset="0"/>
+                            </a:rPr>
+                          </m:ctrlPr>
+                        </m:naryPr>
+                        <m:sub>
+                          <m:r>
+                            <a:rPr lang="en-US" i="1">
+                              <a:latin typeface="Cambria Math" panose="02040503050406030204" pitchFamily="18" charset="0"/>
+                            </a:rPr>
+                            <m:t>𝑖</m:t>
+                          </m:r>
+                          <m:r>
+                            <a:rPr lang="en-US" i="1">
+                              <a:latin typeface="Cambria Math" panose="02040503050406030204" pitchFamily="18" charset="0"/>
+                            </a:rPr>
+                            <m:t>,</m:t>
+                          </m:r>
+                          <m:r>
+                            <a:rPr lang="en-US" i="1">
+                              <a:latin typeface="Cambria Math" panose="02040503050406030204" pitchFamily="18" charset="0"/>
+                            </a:rPr>
+                            <m:t>𝑗</m:t>
+                          </m:r>
+                        </m:sub>
+                        <m:sup/>
+                        <m:e>
+                          <m:sSup>
+                            <m:sSupPr>
+                              <m:ctrlPr>
+                                <a:rPr lang="ru-RU" i="1">
+                                  <a:latin typeface="Cambria Math" panose="02040503050406030204" pitchFamily="18" charset="0"/>
+                                </a:rPr>
+                              </m:ctrlPr>
+                            </m:sSupPr>
+                            <m:e>
+                              <m:r>
+                                <a:rPr lang="en-US" i="1">
+                                  <a:latin typeface="Cambria Math" panose="02040503050406030204" pitchFamily="18" charset="0"/>
+                                </a:rPr>
+                                <m:t>( </m:t>
+                              </m:r>
+                              <m:r>
+                                <a:rPr lang="en-US" i="1">
+                                  <a:latin typeface="Cambria Math" panose="02040503050406030204" pitchFamily="18" charset="0"/>
+                                </a:rPr>
+                                <m:t>𝑋</m:t>
+                              </m:r>
+                              <m:r>
+                                <a:rPr lang="en-US" i="1">
+                                  <a:latin typeface="Cambria Math" panose="02040503050406030204" pitchFamily="18" charset="0"/>
+                                </a:rPr>
+                                <m:t>[</m:t>
+                              </m:r>
+                              <m:r>
+                                <a:rPr lang="en-US" i="1">
+                                  <a:latin typeface="Cambria Math" panose="02040503050406030204" pitchFamily="18" charset="0"/>
+                                </a:rPr>
+                                <m:t>𝑖</m:t>
+                              </m:r>
+                              <m:r>
+                                <a:rPr lang="en-US" i="1">
+                                  <a:latin typeface="Cambria Math" panose="02040503050406030204" pitchFamily="18" charset="0"/>
+                                </a:rPr>
+                                <m:t>,</m:t>
+                              </m:r>
+                              <m:r>
+                                <a:rPr lang="en-US" i="1">
+                                  <a:latin typeface="Cambria Math" panose="02040503050406030204" pitchFamily="18" charset="0"/>
+                                </a:rPr>
+                                <m:t>𝑗</m:t>
+                              </m:r>
+                              <m:r>
+                                <a:rPr lang="en-US" i="1">
+                                  <a:latin typeface="Cambria Math" panose="02040503050406030204" pitchFamily="18" charset="0"/>
+                                </a:rPr>
+                                <m:t>] — </m:t>
+                              </m:r>
+                              <m:r>
+                                <a:rPr lang="en-US" i="1">
+                                  <a:latin typeface="Cambria Math" panose="02040503050406030204" pitchFamily="18" charset="0"/>
+                                </a:rPr>
+                                <m:t>𝑌</m:t>
+                              </m:r>
+                              <m:r>
+                                <a:rPr lang="en-US" i="1">
+                                  <a:latin typeface="Cambria Math" panose="02040503050406030204" pitchFamily="18" charset="0"/>
+                                </a:rPr>
+                                <m:t>[</m:t>
+                              </m:r>
+                              <m:r>
+                                <a:rPr lang="en-US" i="1">
+                                  <a:latin typeface="Cambria Math" panose="02040503050406030204" pitchFamily="18" charset="0"/>
+                                </a:rPr>
+                                <m:t>𝑖</m:t>
+                              </m:r>
+                              <m:r>
+                                <a:rPr lang="en-US" i="1">
+                                  <a:latin typeface="Cambria Math" panose="02040503050406030204" pitchFamily="18" charset="0"/>
+                                </a:rPr>
+                                <m:t>,</m:t>
+                              </m:r>
+                              <m:r>
+                                <a:rPr lang="en-US" i="1">
+                                  <a:latin typeface="Cambria Math" panose="02040503050406030204" pitchFamily="18" charset="0"/>
+                                </a:rPr>
+                                <m:t>𝑗</m:t>
+                              </m:r>
+                              <m:r>
+                                <a:rPr lang="en-US" i="1">
+                                  <a:latin typeface="Cambria Math" panose="02040503050406030204" pitchFamily="18" charset="0"/>
+                                </a:rPr>
+                                <m:t>] )</m:t>
+                              </m:r>
+                            </m:e>
+                            <m:sup>
+                              <m:r>
+                                <a:rPr lang="en-US" i="1">
+                                  <a:latin typeface="Cambria Math" panose="02040503050406030204" pitchFamily="18" charset="0"/>
+                                </a:rPr>
+                                <m:t>2</m:t>
+                              </m:r>
+                            </m:sup>
+                          </m:sSup>
+                        </m:e>
+                      </m:nary>
+                    </m:oMath>
+                  </m:oMathPara>
+                </a14:m>
+                <a:endParaRPr lang="ru-RU" dirty="0"/>
+              </a:p>
+              <a:p>
+                <a:r>
+                  <a:rPr lang="ru-RU" dirty="0" smtClean="0"/>
+                  <a:t>Если помимо простого сравнения </a:t>
+                </a:r>
+                <a:r>
+                  <a:rPr lang="ru-RU" dirty="0"/>
+                  <a:t>двух изображений требуется </a:t>
+                </a:r>
+                <a:r>
+                  <a:rPr lang="ru-RU" dirty="0" smtClean="0"/>
+                  <a:t>решить задачу обнаружения позиции фрагмента одного изображения в другом, то классический метод </a:t>
+                </a:r>
+                <a:r>
+                  <a:rPr lang="en-US" dirty="0" smtClean="0"/>
+                  <a:t>“</a:t>
+                </a:r>
+                <a:r>
+                  <a:rPr lang="ru-RU" dirty="0" smtClean="0"/>
+                  <a:t>начального уровня</a:t>
+                </a:r>
+                <a:r>
+                  <a:rPr lang="en-US" dirty="0" smtClean="0"/>
+                  <a:t>”,</a:t>
+                </a:r>
+                <a:r>
+                  <a:rPr lang="ru-RU" dirty="0" smtClean="0"/>
+                  <a:t> заключающийся в переборе всех координат и вычисления расстояния по указанной формуле, как правило, терпит неудачу практического использования из-за требуемого большого количества вычислений.</a:t>
+                </a:r>
+              </a:p>
+              <a:p>
+                <a:r>
+                  <a:rPr lang="ru-RU" dirty="0" smtClean="0"/>
+                  <a:t>Одним из методов, позволяющих значительно сократить количество вычислений, является применение Фурье преобразований и дискретных </a:t>
+                </a:r>
+                <a:r>
+                  <a:rPr lang="ru-RU" dirty="0"/>
+                  <a:t>Фурье преобразований </a:t>
+                </a:r>
+                <a:r>
+                  <a:rPr lang="ru-RU" dirty="0" smtClean="0"/>
+                  <a:t>для расчёта меры совпадения двух изображений при различных смещениях их между собой. Вычисления при этом происходят одновременно для различных комбинаций сдвигов изображений </a:t>
+                </a:r>
+                <a:r>
+                  <a:rPr lang="ru-RU" dirty="0"/>
+                  <a:t>относительно </a:t>
+                </a:r>
+                <a:r>
+                  <a:rPr lang="ru-RU" dirty="0" smtClean="0"/>
+                  <a:t>друг друга.</a:t>
+                </a:r>
+              </a:p>
+              <a:p>
+                <a:r>
+                  <a:rPr lang="ru-RU" dirty="0" smtClean="0"/>
+                  <a:t>Наличие большого числа библиотек, </a:t>
+                </a:r>
+                <a:r>
+                  <a:rPr lang="ru-RU" dirty="0"/>
+                  <a:t>реализующих Фурье </a:t>
+                </a:r>
+                <a:r>
+                  <a:rPr lang="ru-RU" dirty="0" smtClean="0"/>
+                  <a:t>преобразований (во всевозможных вариантах быстрых версий), делает реализацию алгоритмов сравнения изображений не очень сложной задачей для программирования.</a:t>
+                </a:r>
+                <a:endParaRPr lang="ru-RU" dirty="0"/>
+              </a:p>
+            </p:txBody>
+          </p:sp>
+        </mc:Choice>
+        <mc:Fallback xmlns="">
+          <p:sp>
+            <p:nvSpPr>
+              <p:cNvPr id="3" name="Объект 2"/>
+              <p:cNvSpPr>
+                <a:spLocks noGrp="1" noRot="1" noChangeAspect="1" noMove="1" noResize="1" noEditPoints="1" noAdjustHandles="1" noChangeArrowheads="1" noChangeShapeType="1" noTextEdit="1"/>
+              </p:cNvSpPr>
+              <p:nvPr>
+                <p:ph idx="1"/>
+              </p:nvPr>
+            </p:nvSpPr>
+            <p:spPr>
+              <a:blipFill rotWithShape="0">
+                <a:blip r:embed="rId2"/>
+                <a:stretch>
+                  <a:fillRect t="-1805"/>
+                </a:stretch>
+              </a:blipFill>
+            </p:spPr>
+            <p:txBody>
+              <a:bodyPr/>
+              <a:lstStyle/>
+              <a:p>
+                <a:r>
+                  <a:rPr lang="ru-RU">
+                    <a:noFill/>
+                  </a:rPr>
+                  <a:t> </a:t>
+                </a:r>
+              </a:p>
+            </p:txBody>
+          </p:sp>
+        </mc:Fallback>
+      </mc:AlternateContent>
       <p:sp>
         <p:nvSpPr>
           <p:cNvPr id="4" name="Нижний колонтитул 3"/>
@@ -16099,102 +17139,279 @@
           </a:p>
         </p:txBody>
       </p:sp>
-      <p:sp>
-        <p:nvSpPr>
-          <p:cNvPr id="3" name="Объект 2"/>
-          <p:cNvSpPr>
-            <a:spLocks noGrp="1"/>
-          </p:cNvSpPr>
-          <p:nvPr>
-            <p:ph idx="1"/>
-          </p:nvPr>
-        </p:nvSpPr>
-        <p:spPr/>
-        <p:txBody>
-          <a:bodyPr/>
-          <a:lstStyle/>
-          <a:p>
-            <a:r>
-              <a:rPr lang="ru-RU" dirty="0" smtClean="0"/>
-              <a:t>Пусть даны два изображения </a:t>
-            </a:r>
-            <a:r>
-              <a:rPr lang="en-US" dirty="0" smtClean="0"/>
-              <a:t>X </a:t>
-            </a:r>
-            <a:r>
-              <a:rPr lang="ru-RU" dirty="0" smtClean="0"/>
-              <a:t>и </a:t>
-            </a:r>
-            <a:r>
-              <a:rPr lang="en-US" dirty="0"/>
-              <a:t>Y</a:t>
-            </a:r>
-            <a:r>
-              <a:rPr lang="ru-RU" dirty="0" smtClean="0"/>
-              <a:t> – изображение и образец,</a:t>
-            </a:r>
-            <a:r>
-              <a:rPr lang="en-US" dirty="0" smtClean="0"/>
-              <a:t> </a:t>
-            </a:r>
-            <a:r>
-              <a:rPr lang="ru-RU" dirty="0" smtClean="0"/>
-              <a:t>размеров (</a:t>
-            </a:r>
-            <a:r>
-              <a:rPr lang="en-US" dirty="0" smtClean="0"/>
-              <a:t>N1,N2) </a:t>
-            </a:r>
-            <a:r>
-              <a:rPr lang="ru-RU" dirty="0" smtClean="0"/>
-              <a:t>и (</a:t>
-            </a:r>
-            <a:r>
-              <a:rPr lang="en-US" dirty="0" smtClean="0"/>
-              <a:t>M1,M2</a:t>
-            </a:r>
-            <a:r>
-              <a:rPr lang="en-US" dirty="0"/>
-              <a:t>) </a:t>
-            </a:r>
-            <a:r>
-              <a:rPr lang="ru-RU" dirty="0" smtClean="0"/>
-              <a:t>соответственно и </a:t>
-            </a:r>
-            <a:r>
-              <a:rPr lang="en-US" dirty="0" smtClean="0"/>
-              <a:t>Ni &gt; Mi</a:t>
-            </a:r>
-          </a:p>
-          <a:p>
-            <a:r>
-              <a:rPr lang="ru-RU" dirty="0" smtClean="0"/>
-              <a:t>Требуется найти координаты образца </a:t>
-            </a:r>
-            <a:r>
-              <a:rPr lang="en-US" dirty="0" smtClean="0"/>
-              <a:t>Y</a:t>
-            </a:r>
-            <a:r>
-              <a:rPr lang="ru-RU" dirty="0" smtClean="0"/>
-              <a:t> в полном изображении </a:t>
-            </a:r>
-            <a:r>
-              <a:rPr lang="en-US" dirty="0" smtClean="0"/>
-              <a:t>X</a:t>
-            </a:r>
-            <a:r>
-              <a:rPr lang="ru-RU" dirty="0" smtClean="0"/>
-              <a:t> и вычислить оценочную величину - меру близости.</a:t>
-            </a:r>
-            <a:endParaRPr lang="en-US" dirty="0" smtClean="0"/>
-          </a:p>
-          <a:p>
-            <a:endParaRPr lang="ru-RU" dirty="0"/>
-          </a:p>
-        </p:txBody>
-      </p:sp>
+      <mc:AlternateContent xmlns:mc="http://schemas.openxmlformats.org/markup-compatibility/2006" xmlns:a14="http://schemas.microsoft.com/office/drawing/2010/main">
+        <mc:Choice Requires="a14">
+          <p:sp>
+            <p:nvSpPr>
+              <p:cNvPr id="3" name="Объект 2"/>
+              <p:cNvSpPr>
+                <a:spLocks noGrp="1"/>
+              </p:cNvSpPr>
+              <p:nvPr>
+                <p:ph idx="1"/>
+              </p:nvPr>
+            </p:nvSpPr>
+            <p:spPr/>
+            <p:txBody>
+              <a:bodyPr/>
+              <a:lstStyle/>
+              <a:p>
+                <a:r>
+                  <a:rPr lang="ru-RU" dirty="0" smtClean="0"/>
+                  <a:t>Пусть даны два изображения </a:t>
+                </a:r>
+                <a:r>
+                  <a:rPr lang="en-US" dirty="0" smtClean="0"/>
+                  <a:t>X </a:t>
+                </a:r>
+                <a:r>
+                  <a:rPr lang="ru-RU" dirty="0" smtClean="0"/>
+                  <a:t>и </a:t>
+                </a:r>
+                <a:r>
+                  <a:rPr lang="en-US" dirty="0"/>
+                  <a:t>Y</a:t>
+                </a:r>
+                <a:r>
+                  <a:rPr lang="ru-RU" dirty="0" smtClean="0"/>
+                  <a:t> – изображение и образец,</a:t>
+                </a:r>
+                <a:r>
+                  <a:rPr lang="en-US" dirty="0" smtClean="0"/>
+                  <a:t> </a:t>
+                </a:r>
+                <a:r>
+                  <a:rPr lang="ru-RU" dirty="0" smtClean="0"/>
+                  <a:t>размеров </a:t>
+                </a:r>
+                <a14:m>
+                  <m:oMath xmlns:m="http://schemas.openxmlformats.org/officeDocument/2006/math">
+                    <m:r>
+                      <a:rPr lang="ru-RU" i="1">
+                        <a:latin typeface="Cambria Math" panose="02040503050406030204" pitchFamily="18" charset="0"/>
+                      </a:rPr>
+                      <m:t>(</m:t>
+                    </m:r>
+                    <m:sSub>
+                      <m:sSubPr>
+                        <m:ctrlPr>
+                          <a:rPr lang="ru-RU" i="1">
+                            <a:latin typeface="Cambria Math" panose="02040503050406030204" pitchFamily="18" charset="0"/>
+                          </a:rPr>
+                        </m:ctrlPr>
+                      </m:sSubPr>
+                      <m:e>
+                        <m:r>
+                          <a:rPr lang="ru-RU" i="1">
+                            <a:latin typeface="Cambria Math" panose="02040503050406030204" pitchFamily="18" charset="0"/>
+                          </a:rPr>
+                          <m:t>𝑁</m:t>
+                        </m:r>
+                      </m:e>
+                      <m:sub>
+                        <m:r>
+                          <a:rPr lang="ru-RU" i="1">
+                            <a:latin typeface="Cambria Math" panose="02040503050406030204" pitchFamily="18" charset="0"/>
+                          </a:rPr>
+                          <m:t>1</m:t>
+                        </m:r>
+                      </m:sub>
+                    </m:sSub>
+                    <m:r>
+                      <a:rPr lang="ru-RU" i="1">
+                        <a:latin typeface="Cambria Math" panose="02040503050406030204" pitchFamily="18" charset="0"/>
+                      </a:rPr>
+                      <m:t>,</m:t>
+                    </m:r>
+                    <m:sSub>
+                      <m:sSubPr>
+                        <m:ctrlPr>
+                          <a:rPr lang="ru-RU" i="1">
+                            <a:latin typeface="Cambria Math" panose="02040503050406030204" pitchFamily="18" charset="0"/>
+                          </a:rPr>
+                        </m:ctrlPr>
+                      </m:sSubPr>
+                      <m:e>
+                        <m:r>
+                          <a:rPr lang="ru-RU" i="1">
+                            <a:latin typeface="Cambria Math" panose="02040503050406030204" pitchFamily="18" charset="0"/>
+                          </a:rPr>
+                          <m:t>𝑁</m:t>
+                        </m:r>
+                      </m:e>
+                      <m:sub>
+                        <m:r>
+                          <a:rPr lang="ru-RU" i="1">
+                            <a:latin typeface="Cambria Math" panose="02040503050406030204" pitchFamily="18" charset="0"/>
+                          </a:rPr>
+                          <m:t>2</m:t>
+                        </m:r>
+                      </m:sub>
+                    </m:sSub>
+                    <m:r>
+                      <a:rPr lang="ru-RU" i="1">
+                        <a:latin typeface="Cambria Math" panose="02040503050406030204" pitchFamily="18" charset="0"/>
+                      </a:rPr>
+                      <m:t>)</m:t>
+                    </m:r>
+                  </m:oMath>
+                </a14:m>
+                <a:r>
+                  <a:rPr lang="ru-RU" dirty="0"/>
+                  <a:t> и </a:t>
+                </a:r>
+                <a14:m>
+                  <m:oMath xmlns:m="http://schemas.openxmlformats.org/officeDocument/2006/math">
+                    <m:r>
+                      <a:rPr lang="ru-RU" i="1">
+                        <a:latin typeface="Cambria Math" panose="02040503050406030204" pitchFamily="18" charset="0"/>
+                      </a:rPr>
+                      <m:t>(</m:t>
+                    </m:r>
+                    <m:sSub>
+                      <m:sSubPr>
+                        <m:ctrlPr>
+                          <a:rPr lang="ru-RU" i="1">
+                            <a:latin typeface="Cambria Math" panose="02040503050406030204" pitchFamily="18" charset="0"/>
+                          </a:rPr>
+                        </m:ctrlPr>
+                      </m:sSubPr>
+                      <m:e>
+                        <m:r>
+                          <a:rPr lang="ru-RU" i="1">
+                            <a:latin typeface="Cambria Math" panose="02040503050406030204" pitchFamily="18" charset="0"/>
+                          </a:rPr>
+                          <m:t>𝑀</m:t>
+                        </m:r>
+                      </m:e>
+                      <m:sub>
+                        <m:r>
+                          <a:rPr lang="ru-RU" i="1">
+                            <a:latin typeface="Cambria Math" panose="02040503050406030204" pitchFamily="18" charset="0"/>
+                          </a:rPr>
+                          <m:t>1</m:t>
+                        </m:r>
+                      </m:sub>
+                    </m:sSub>
+                    <m:r>
+                      <a:rPr lang="ru-RU" i="1">
+                        <a:latin typeface="Cambria Math" panose="02040503050406030204" pitchFamily="18" charset="0"/>
+                      </a:rPr>
+                      <m:t>,</m:t>
+                    </m:r>
+                    <m:sSub>
+                      <m:sSubPr>
+                        <m:ctrlPr>
+                          <a:rPr lang="ru-RU" i="1">
+                            <a:latin typeface="Cambria Math" panose="02040503050406030204" pitchFamily="18" charset="0"/>
+                          </a:rPr>
+                        </m:ctrlPr>
+                      </m:sSubPr>
+                      <m:e>
+                        <m:r>
+                          <a:rPr lang="ru-RU" i="1">
+                            <a:latin typeface="Cambria Math" panose="02040503050406030204" pitchFamily="18" charset="0"/>
+                          </a:rPr>
+                          <m:t>𝑀</m:t>
+                        </m:r>
+                      </m:e>
+                      <m:sub>
+                        <m:r>
+                          <a:rPr lang="ru-RU" i="1">
+                            <a:latin typeface="Cambria Math" panose="02040503050406030204" pitchFamily="18" charset="0"/>
+                          </a:rPr>
+                          <m:t>2</m:t>
+                        </m:r>
+                      </m:sub>
+                    </m:sSub>
+                    <m:r>
+                      <a:rPr lang="ru-RU" i="1">
+                        <a:latin typeface="Cambria Math" panose="02040503050406030204" pitchFamily="18" charset="0"/>
+                      </a:rPr>
+                      <m:t>)</m:t>
+                    </m:r>
+                  </m:oMath>
+                </a14:m>
+                <a:r>
+                  <a:rPr lang="ru-RU" dirty="0"/>
+                  <a:t> </a:t>
+                </a:r>
+                <a:r>
+                  <a:rPr lang="en-US" dirty="0"/>
+                  <a:t> </a:t>
+                </a:r>
+                <a:r>
+                  <a:rPr lang="ru-RU" dirty="0" smtClean="0"/>
+                  <a:t>соответственно и </a:t>
+                </a:r>
+                <a:r>
+                  <a:rPr lang="en-US" dirty="0" smtClean="0"/>
+                  <a:t>Ni &gt; Mi</a:t>
+                </a:r>
+              </a:p>
+              <a:p>
+                <a:r>
+                  <a:rPr lang="ru-RU" dirty="0" smtClean="0"/>
+                  <a:t>Требуется найти координаты образца </a:t>
+                </a:r>
+                <a:r>
+                  <a:rPr lang="en-US" dirty="0" smtClean="0"/>
+                  <a:t>Y</a:t>
+                </a:r>
+                <a:r>
+                  <a:rPr lang="ru-RU" dirty="0" smtClean="0"/>
+                  <a:t> в полном изображении </a:t>
+                </a:r>
+                <a:r>
+                  <a:rPr lang="en-US" dirty="0" smtClean="0"/>
+                  <a:t>X</a:t>
+                </a:r>
+                <a:r>
+                  <a:rPr lang="ru-RU" dirty="0" smtClean="0"/>
+                  <a:t> и вычислить оценочную величину - меру близости.</a:t>
+                </a:r>
+                <a:endParaRPr lang="en-US" dirty="0" smtClean="0"/>
+              </a:p>
+              <a:p>
+                <a:endParaRPr lang="ru-RU" dirty="0"/>
+              </a:p>
+            </p:txBody>
+          </p:sp>
+        </mc:Choice>
+        <mc:Fallback xmlns="">
+          <p:sp>
+            <p:nvSpPr>
+              <p:cNvPr id="3" name="Объект 2"/>
+              <p:cNvSpPr>
+                <a:spLocks noGrp="1" noRot="1" noChangeAspect="1" noMove="1" noResize="1" noEditPoints="1" noAdjustHandles="1" noChangeArrowheads="1" noChangeShapeType="1" noTextEdit="1"/>
+              </p:cNvSpPr>
+              <p:nvPr>
+                <p:ph idx="1"/>
+              </p:nvPr>
+            </p:nvSpPr>
+            <p:spPr>
+              <a:blipFill rotWithShape="0">
+                <a:blip r:embed="rId2"/>
+                <a:stretch>
+                  <a:fillRect l="-303" t="-1353"/>
+                </a:stretch>
+              </a:blipFill>
+            </p:spPr>
+            <p:txBody>
+              <a:bodyPr/>
+              <a:lstStyle/>
+              <a:p>
+                <a:r>
+                  <a:rPr lang="ru-RU">
+                    <a:noFill/>
+                  </a:rPr>
+                  <a:t> </a:t>
+                </a:r>
+              </a:p>
+            </p:txBody>
+          </p:sp>
+        </mc:Fallback>
+      </mc:AlternateContent>
       <p:sp>
         <p:nvSpPr>
           <p:cNvPr id="4" name="Нижний колонтитул 3"/>
@@ -16227,7 +17444,7 @@
           <p:nvPr/>
         </p:nvPicPr>
         <p:blipFill>
-          <a:blip r:embed="rId2">
+          <a:blip r:embed="rId3">
             <a:extLst>
               <a:ext uri="{28A0092B-C50C-407E-A947-70E740481C1C}">
                 <a14:useLocalDpi xmlns:a14="http://schemas.microsoft.com/office/drawing/2010/main" val="0"/>
@@ -16257,7 +17474,7 @@
           <p:nvPr/>
         </p:nvPicPr>
         <p:blipFill>
-          <a:blip r:embed="rId3">
+          <a:blip r:embed="rId4">
             <a:extLst>
               <a:ext uri="{28A0092B-C50C-407E-A947-70E740481C1C}">
                 <a14:useLocalDpi xmlns:a14="http://schemas.microsoft.com/office/drawing/2010/main" val="0"/>
@@ -16340,258 +17557,912 @@
           </a:p>
         </p:txBody>
       </p:sp>
-      <p:sp>
-        <p:nvSpPr>
-          <p:cNvPr id="3" name="Объект 2"/>
-          <p:cNvSpPr>
-            <a:spLocks noGrp="1"/>
-          </p:cNvSpPr>
-          <p:nvPr>
-            <p:ph idx="1"/>
-          </p:nvPr>
-        </p:nvSpPr>
-        <p:spPr/>
-        <p:txBody>
-          <a:bodyPr>
-            <a:normAutofit fontScale="85000" lnSpcReduction="20000"/>
-          </a:bodyPr>
-          <a:lstStyle/>
-          <a:p>
-            <a:r>
-              <a:rPr lang="ru-RU" dirty="0"/>
-              <a:t>Согласно определению, корреляцией </a:t>
-            </a:r>
-            <a:r>
-              <a:rPr lang="en-US" dirty="0"/>
-              <a:t>&lt;</a:t>
-            </a:r>
-            <a:r>
-              <a:rPr lang="en-US" dirty="0" smtClean="0"/>
-              <a:t>F,G&gt;</a:t>
-            </a:r>
-            <a:r>
-              <a:rPr lang="ru-RU" dirty="0" smtClean="0"/>
-              <a:t> двух </a:t>
-            </a:r>
-            <a:r>
-              <a:rPr lang="ru-RU" dirty="0"/>
-              <a:t>функций </a:t>
-            </a:r>
-            <a:r>
-              <a:rPr lang="en-US" dirty="0"/>
-              <a:t>F</a:t>
-            </a:r>
-            <a:r>
-              <a:rPr lang="ru-RU" dirty="0"/>
-              <a:t> и </a:t>
-            </a:r>
-            <a:r>
-              <a:rPr lang="en-US" dirty="0"/>
-              <a:t>G </a:t>
-            </a:r>
-            <a:r>
-              <a:rPr lang="ru-RU" dirty="0"/>
-              <a:t>называется величина </a:t>
-            </a:r>
-            <a:endParaRPr lang="ru-RU" dirty="0" smtClean="0"/>
-          </a:p>
-          <a:p>
-            <a:pPr marL="0" indent="0" algn="ctr">
-              <a:buNone/>
-            </a:pPr>
-            <a:r>
-              <a:rPr lang="en-US" dirty="0" smtClean="0"/>
-              <a:t>&lt;</a:t>
-            </a:r>
-            <a:r>
-              <a:rPr lang="en-US" dirty="0"/>
-              <a:t>F,G&gt; = SUM F(i)*G(i</a:t>
-            </a:r>
-            <a:r>
-              <a:rPr lang="en-US" dirty="0" smtClean="0"/>
-              <a:t>)</a:t>
-            </a:r>
-          </a:p>
-          <a:p>
-            <a:r>
-              <a:rPr lang="ru-RU" dirty="0" smtClean="0"/>
-              <a:t>Эта величина хорошо известна из курса математики и геометрии, посвященного линейным пространствам, </a:t>
-            </a:r>
-            <a:r>
-              <a:rPr lang="ru-RU" dirty="0"/>
-              <a:t>г</a:t>
-            </a:r>
-            <a:r>
-              <a:rPr lang="ru-RU" dirty="0" smtClean="0"/>
-              <a:t>де носит название скалярного произведения.</a:t>
-            </a:r>
-            <a:endParaRPr lang="en-US" dirty="0"/>
-          </a:p>
-          <a:p>
-            <a:r>
-              <a:rPr lang="ru-RU" dirty="0" smtClean="0"/>
-              <a:t>Будем использовать в качестве меры </a:t>
-            </a:r>
-            <a:r>
-              <a:rPr lang="ru-RU" dirty="0"/>
-              <a:t>между </a:t>
-            </a:r>
-            <a:r>
-              <a:rPr lang="ru-RU" dirty="0" smtClean="0"/>
-              <a:t>изображениями формулу</a:t>
-            </a:r>
-          </a:p>
-          <a:p>
-            <a:pPr marL="0" indent="0" algn="ctr">
-              <a:buNone/>
-            </a:pPr>
-            <a:r>
-              <a:rPr lang="en-US" dirty="0"/>
-              <a:t>m</a:t>
-            </a:r>
-            <a:r>
-              <a:rPr lang="en-US" dirty="0" smtClean="0"/>
-              <a:t>(X,Y</a:t>
-            </a:r>
-            <a:r>
-              <a:rPr lang="en-US" dirty="0"/>
-              <a:t>) = SUM ( X[i,j] </a:t>
-            </a:r>
-            <a:r>
-              <a:rPr lang="en-US" dirty="0" smtClean="0"/>
-              <a:t>* </a:t>
-            </a:r>
-            <a:r>
-              <a:rPr lang="en-US" dirty="0"/>
-              <a:t>Y[i,j] </a:t>
-            </a:r>
-            <a:r>
-              <a:rPr lang="en-US" dirty="0" smtClean="0"/>
-              <a:t>) / (</a:t>
-            </a:r>
-            <a:r>
-              <a:rPr lang="ru-RU" dirty="0" smtClean="0"/>
-              <a:t> </a:t>
-            </a:r>
-            <a:r>
-              <a:rPr lang="en-US" dirty="0" smtClean="0"/>
-              <a:t>SQRT </a:t>
-            </a:r>
-            <a:r>
-              <a:rPr lang="en-US" dirty="0"/>
-              <a:t>( SUM </a:t>
-            </a:r>
-            <a:r>
-              <a:rPr lang="en-US" dirty="0" smtClean="0"/>
-              <a:t>X[i,j</a:t>
-            </a:r>
-            <a:r>
-              <a:rPr lang="en-US" dirty="0"/>
-              <a:t>] ^2 </a:t>
-            </a:r>
-            <a:r>
-              <a:rPr lang="en-US" dirty="0" smtClean="0"/>
-              <a:t>)</a:t>
-            </a:r>
-            <a:r>
-              <a:rPr lang="en-US" dirty="0"/>
-              <a:t> </a:t>
-            </a:r>
-            <a:r>
-              <a:rPr lang="en-US" dirty="0" smtClean="0"/>
-              <a:t>* SQRT </a:t>
-            </a:r>
-            <a:r>
-              <a:rPr lang="en-US" dirty="0"/>
-              <a:t>( SUM Y[i,j] ^2 </a:t>
-            </a:r>
-            <a:r>
-              <a:rPr lang="en-US" dirty="0" smtClean="0"/>
-              <a:t>) )</a:t>
-            </a:r>
-            <a:endParaRPr lang="ru-RU" dirty="0" smtClean="0"/>
-          </a:p>
-          <a:p>
-            <a:pPr marL="0" indent="0" algn="ctr">
-              <a:buNone/>
-            </a:pPr>
-            <a:r>
-              <a:rPr lang="ru-RU" dirty="0" smtClean="0"/>
-              <a:t>или </a:t>
-            </a:r>
-            <a:r>
-              <a:rPr lang="en-US" dirty="0"/>
-              <a:t>m(X,Y) = </a:t>
-            </a:r>
-            <a:r>
-              <a:rPr lang="en-US" dirty="0" smtClean="0"/>
-              <a:t>&lt;X,Y&gt; / (</a:t>
-            </a:r>
-            <a:r>
-              <a:rPr lang="ru-RU" dirty="0" smtClean="0"/>
-              <a:t> </a:t>
-            </a:r>
-            <a:r>
-              <a:rPr lang="en-US" dirty="0" smtClean="0"/>
-              <a:t>SQRT (</a:t>
-            </a:r>
-            <a:r>
-              <a:rPr lang="en-US" dirty="0"/>
-              <a:t>&lt;</a:t>
-            </a:r>
-            <a:r>
-              <a:rPr lang="en-US" dirty="0" smtClean="0"/>
-              <a:t>X,X&gt; ) </a:t>
-            </a:r>
-            <a:r>
-              <a:rPr lang="en-US" dirty="0"/>
-              <a:t>* SQRT </a:t>
-            </a:r>
-            <a:r>
-              <a:rPr lang="en-US" dirty="0" smtClean="0"/>
-              <a:t>(&lt;Y,Y</a:t>
-            </a:r>
-            <a:r>
-              <a:rPr lang="en-US" dirty="0"/>
-              <a:t>&gt; </a:t>
-            </a:r>
-            <a:r>
-              <a:rPr lang="en-US" dirty="0" smtClean="0"/>
-              <a:t>) )</a:t>
-            </a:r>
-          </a:p>
-          <a:p>
-            <a:r>
-              <a:rPr lang="ru-RU" dirty="0" smtClean="0"/>
-              <a:t>Данная величина получена из операции скалярного произведения векторов (рассматривая изображения как векторы в многомерном пространстве). И даже более - эта же формула представляет собой и стандартную статистическую </a:t>
-            </a:r>
-            <a:r>
-              <a:rPr lang="ru-RU" dirty="0"/>
-              <a:t>формулу критерия </a:t>
-            </a:r>
-            <a:r>
-              <a:rPr lang="ru-RU" dirty="0" smtClean="0"/>
-              <a:t>для гипотезы о совпадении двух вероятностных распределений.</a:t>
-            </a:r>
-          </a:p>
-          <a:p>
-            <a:r>
-              <a:rPr lang="ru-RU" dirty="0" smtClean="0"/>
-              <a:t>Примечание. При вычислении корреляции между фрагментами изображений, если одно изображение меньше другого, будем делить только на значение норм у пересекающийся частей.</a:t>
-            </a:r>
-            <a:endParaRPr lang="ru-RU" dirty="0"/>
-          </a:p>
-          <a:p>
-            <a:endParaRPr lang="ru-RU" dirty="0" smtClean="0"/>
-          </a:p>
-          <a:p>
-            <a:endParaRPr lang="ru-RU" dirty="0"/>
-          </a:p>
-          <a:p>
-            <a:endParaRPr lang="ru-RU" dirty="0"/>
-          </a:p>
-        </p:txBody>
-      </p:sp>
+      <mc:AlternateContent xmlns:mc="http://schemas.openxmlformats.org/markup-compatibility/2006" xmlns:a14="http://schemas.microsoft.com/office/drawing/2010/main">
+        <mc:Choice Requires="a14">
+          <p:sp>
+            <p:nvSpPr>
+              <p:cNvPr id="3" name="Объект 2"/>
+              <p:cNvSpPr>
+                <a:spLocks noGrp="1"/>
+              </p:cNvSpPr>
+              <p:nvPr>
+                <p:ph idx="1"/>
+              </p:nvPr>
+            </p:nvSpPr>
+            <p:spPr/>
+            <p:txBody>
+              <a:bodyPr>
+                <a:normAutofit fontScale="70000" lnSpcReduction="20000"/>
+              </a:bodyPr>
+              <a:lstStyle/>
+              <a:p>
+                <a:r>
+                  <a:rPr lang="ru-RU" dirty="0"/>
+                  <a:t>Согласно определению, корреляцией </a:t>
+                </a:r>
+                <a14:m>
+                  <m:oMath xmlns:m="http://schemas.openxmlformats.org/officeDocument/2006/math">
+                    <m:r>
+                      <a:rPr lang="en-US" i="1" dirty="0" smtClean="0">
+                        <a:latin typeface="Cambria Math" panose="02040503050406030204" pitchFamily="18" charset="0"/>
+                      </a:rPr>
+                      <m:t>&lt;</m:t>
+                    </m:r>
+                    <m:r>
+                      <a:rPr lang="en-US" i="1" dirty="0" smtClean="0">
+                        <a:latin typeface="Cambria Math" panose="02040503050406030204" pitchFamily="18" charset="0"/>
+                      </a:rPr>
+                      <m:t>𝐹</m:t>
+                    </m:r>
+                    <m:r>
+                      <a:rPr lang="en-US" i="1" dirty="0" smtClean="0">
+                        <a:latin typeface="Cambria Math" panose="02040503050406030204" pitchFamily="18" charset="0"/>
+                      </a:rPr>
+                      <m:t>,</m:t>
+                    </m:r>
+                    <m:r>
+                      <a:rPr lang="en-US" i="1" dirty="0" smtClean="0">
+                        <a:latin typeface="Cambria Math" panose="02040503050406030204" pitchFamily="18" charset="0"/>
+                      </a:rPr>
+                      <m:t>𝐺</m:t>
+                    </m:r>
+                    <m:r>
+                      <a:rPr lang="en-US" i="1" dirty="0" smtClean="0">
+                        <a:latin typeface="Cambria Math" panose="02040503050406030204" pitchFamily="18" charset="0"/>
+                      </a:rPr>
+                      <m:t>&gt; </m:t>
+                    </m:r>
+                  </m:oMath>
+                </a14:m>
+                <a:r>
+                  <a:rPr lang="ru-RU" dirty="0" smtClean="0"/>
+                  <a:t>двух </a:t>
+                </a:r>
+                <a:r>
+                  <a:rPr lang="ru-RU" dirty="0"/>
+                  <a:t>функций </a:t>
+                </a:r>
+                <a14:m>
+                  <m:oMath xmlns:m="http://schemas.openxmlformats.org/officeDocument/2006/math">
+                    <m:r>
+                      <a:rPr lang="ru-RU" i="1">
+                        <a:latin typeface="Cambria Math" panose="02040503050406030204" pitchFamily="18" charset="0"/>
+                      </a:rPr>
+                      <m:t>𝐹</m:t>
+                    </m:r>
+                  </m:oMath>
+                </a14:m>
+                <a:r>
+                  <a:rPr lang="ru-RU" dirty="0"/>
+                  <a:t> и </a:t>
+                </a:r>
+                <a14:m>
+                  <m:oMath xmlns:m="http://schemas.openxmlformats.org/officeDocument/2006/math">
+                    <m:r>
+                      <a:rPr lang="ru-RU" i="1">
+                        <a:latin typeface="Cambria Math" panose="02040503050406030204" pitchFamily="18" charset="0"/>
+                      </a:rPr>
+                      <m:t>𝐺</m:t>
+                    </m:r>
+                  </m:oMath>
+                </a14:m>
+                <a:r>
+                  <a:rPr lang="en-US" dirty="0" smtClean="0"/>
+                  <a:t> </a:t>
+                </a:r>
+                <a:r>
+                  <a:rPr lang="ru-RU" dirty="0"/>
+                  <a:t>называется величина </a:t>
+                </a:r>
+                <a:endParaRPr lang="ru-RU" dirty="0" smtClean="0"/>
+              </a:p>
+              <a:p>
+                <a:pPr marL="0" indent="0" fontAlgn="base">
+                  <a:buNone/>
+                </a:pPr>
+                <a14:m>
+                  <m:oMathPara xmlns:m="http://schemas.openxmlformats.org/officeDocument/2006/math">
+                    <m:oMathParaPr>
+                      <m:jc m:val="center"/>
+                    </m:oMathParaPr>
+                    <m:oMath xmlns:m="http://schemas.openxmlformats.org/officeDocument/2006/math">
+                      <m:r>
+                        <a:rPr lang="ru-RU" i="1">
+                          <a:latin typeface="Cambria Math" panose="02040503050406030204" pitchFamily="18" charset="0"/>
+                        </a:rPr>
+                        <m:t>&lt;</m:t>
+                      </m:r>
+                      <m:r>
+                        <a:rPr lang="ru-RU" i="1">
+                          <a:latin typeface="Cambria Math" panose="02040503050406030204" pitchFamily="18" charset="0"/>
+                        </a:rPr>
+                        <m:t>𝐹</m:t>
+                      </m:r>
+                      <m:r>
+                        <a:rPr lang="ru-RU" i="1">
+                          <a:latin typeface="Cambria Math" panose="02040503050406030204" pitchFamily="18" charset="0"/>
+                        </a:rPr>
+                        <m:t>,</m:t>
+                      </m:r>
+                      <m:r>
+                        <a:rPr lang="ru-RU" i="1">
+                          <a:latin typeface="Cambria Math" panose="02040503050406030204" pitchFamily="18" charset="0"/>
+                        </a:rPr>
+                        <m:t>𝐺</m:t>
+                      </m:r>
+                      <m:r>
+                        <a:rPr lang="ru-RU" i="1">
+                          <a:latin typeface="Cambria Math" panose="02040503050406030204" pitchFamily="18" charset="0"/>
+                        </a:rPr>
+                        <m:t>&gt; = </m:t>
+                      </m:r>
+                      <m:nary>
+                        <m:naryPr>
+                          <m:chr m:val="∑"/>
+                          <m:limLoc m:val="undOvr"/>
+                          <m:supHide m:val="on"/>
+                          <m:ctrlPr>
+                            <a:rPr lang="ru-RU" i="1">
+                              <a:latin typeface="Cambria Math" panose="02040503050406030204" pitchFamily="18" charset="0"/>
+                            </a:rPr>
+                          </m:ctrlPr>
+                        </m:naryPr>
+                        <m:sub>
+                          <m:r>
+                            <a:rPr lang="ru-RU" i="1">
+                              <a:latin typeface="Cambria Math" panose="02040503050406030204" pitchFamily="18" charset="0"/>
+                            </a:rPr>
+                            <m:t>𝑖</m:t>
+                          </m:r>
+                        </m:sub>
+                        <m:sup/>
+                        <m:e>
+                          <m:r>
+                            <a:rPr lang="ru-RU" i="1">
+                              <a:latin typeface="Cambria Math" panose="02040503050406030204" pitchFamily="18" charset="0"/>
+                            </a:rPr>
+                            <m:t>𝐹</m:t>
+                          </m:r>
+                          <m:r>
+                            <a:rPr lang="ru-RU" i="1">
+                              <a:latin typeface="Cambria Math" panose="02040503050406030204" pitchFamily="18" charset="0"/>
+                            </a:rPr>
+                            <m:t>(</m:t>
+                          </m:r>
+                          <m:r>
+                            <a:rPr lang="ru-RU" i="1">
+                              <a:latin typeface="Cambria Math" panose="02040503050406030204" pitchFamily="18" charset="0"/>
+                            </a:rPr>
+                            <m:t>𝑖</m:t>
+                          </m:r>
+                          <m:r>
+                            <a:rPr lang="ru-RU" i="1">
+                              <a:latin typeface="Cambria Math" panose="02040503050406030204" pitchFamily="18" charset="0"/>
+                            </a:rPr>
+                            <m:t>)∗</m:t>
+                          </m:r>
+                          <m:r>
+                            <a:rPr lang="ru-RU" i="1">
+                              <a:latin typeface="Cambria Math" panose="02040503050406030204" pitchFamily="18" charset="0"/>
+                            </a:rPr>
+                            <m:t>𝐺</m:t>
+                          </m:r>
+                          <m:r>
+                            <a:rPr lang="ru-RU" i="1">
+                              <a:latin typeface="Cambria Math" panose="02040503050406030204" pitchFamily="18" charset="0"/>
+                            </a:rPr>
+                            <m:t>(</m:t>
+                          </m:r>
+                          <m:r>
+                            <a:rPr lang="ru-RU" i="1">
+                              <a:latin typeface="Cambria Math" panose="02040503050406030204" pitchFamily="18" charset="0"/>
+                            </a:rPr>
+                            <m:t>𝑖</m:t>
+                          </m:r>
+                          <m:r>
+                            <a:rPr lang="ru-RU" i="1">
+                              <a:latin typeface="Cambria Math" panose="02040503050406030204" pitchFamily="18" charset="0"/>
+                            </a:rPr>
+                            <m:t>)</m:t>
+                          </m:r>
+                        </m:e>
+                      </m:nary>
+                    </m:oMath>
+                  </m:oMathPara>
+                </a14:m>
+                <a:endParaRPr lang="ru-RU" dirty="0"/>
+              </a:p>
+              <a:p>
+                <a:r>
+                  <a:rPr lang="ru-RU" dirty="0" smtClean="0"/>
+                  <a:t>Эта величина хорошо известна из курса математики и геометрии, посвященного линейным пространствам, </a:t>
+                </a:r>
+                <a:r>
+                  <a:rPr lang="ru-RU" dirty="0"/>
+                  <a:t>г</a:t>
+                </a:r>
+                <a:r>
+                  <a:rPr lang="ru-RU" dirty="0" smtClean="0"/>
+                  <a:t>де носит название скалярного произведения.</a:t>
+                </a:r>
+                <a:endParaRPr lang="en-US" dirty="0"/>
+              </a:p>
+              <a:p>
+                <a:pPr algn="just"/>
+                <a:r>
+                  <a:rPr lang="ru-RU" dirty="0" smtClean="0"/>
+                  <a:t>Будем использовать в качестве меры </a:t>
+                </a:r>
+                <a:r>
+                  <a:rPr lang="ru-RU" dirty="0"/>
+                  <a:t>между </a:t>
+                </a:r>
+                <a:r>
+                  <a:rPr lang="ru-RU" dirty="0" smtClean="0"/>
+                  <a:t>изображениями формулу</a:t>
+                </a:r>
+              </a:p>
+              <a:p>
+                <a:pPr marL="0" indent="0" algn="ctr">
+                  <a:buNone/>
+                </a:pPr>
+                <a14:m>
+                  <m:oMathPara xmlns:m="http://schemas.openxmlformats.org/officeDocument/2006/math">
+                    <m:oMathParaPr>
+                      <m:jc m:val="centerGroup"/>
+                    </m:oMathParaPr>
+                    <m:oMath xmlns:m="http://schemas.openxmlformats.org/officeDocument/2006/math">
+                      <m:r>
+                        <a:rPr lang="en-US" i="1">
+                          <a:latin typeface="Cambria Math" panose="02040503050406030204" pitchFamily="18" charset="0"/>
+                        </a:rPr>
+                        <m:t>𝜇</m:t>
+                      </m:r>
+                      <m:r>
+                        <a:rPr lang="en-US" i="1">
+                          <a:latin typeface="Cambria Math" panose="02040503050406030204" pitchFamily="18" charset="0"/>
+                        </a:rPr>
+                        <m:t>(</m:t>
+                      </m:r>
+                      <m:r>
+                        <a:rPr lang="en-US" i="1">
+                          <a:latin typeface="Cambria Math" panose="02040503050406030204" pitchFamily="18" charset="0"/>
+                        </a:rPr>
+                        <m:t>𝑋</m:t>
+                      </m:r>
+                      <m:r>
+                        <a:rPr lang="en-US" i="1">
+                          <a:latin typeface="Cambria Math" panose="02040503050406030204" pitchFamily="18" charset="0"/>
+                        </a:rPr>
+                        <m:t>,</m:t>
+                      </m:r>
+                      <m:r>
+                        <a:rPr lang="en-US" i="1">
+                          <a:latin typeface="Cambria Math" panose="02040503050406030204" pitchFamily="18" charset="0"/>
+                        </a:rPr>
+                        <m:t>𝑌</m:t>
+                      </m:r>
+                      <m:r>
+                        <a:rPr lang="en-US" i="1">
+                          <a:latin typeface="Cambria Math" panose="02040503050406030204" pitchFamily="18" charset="0"/>
+                        </a:rPr>
+                        <m:t>) = </m:t>
+                      </m:r>
+                      <m:f>
+                        <m:fPr>
+                          <m:ctrlPr>
+                            <a:rPr lang="ru-RU" i="1">
+                              <a:latin typeface="Cambria Math" panose="02040503050406030204" pitchFamily="18" charset="0"/>
+                            </a:rPr>
+                          </m:ctrlPr>
+                        </m:fPr>
+                        <m:num>
+                          <m:nary>
+                            <m:naryPr>
+                              <m:chr m:val="∑"/>
+                              <m:limLoc m:val="undOvr"/>
+                              <m:supHide m:val="on"/>
+                              <m:ctrlPr>
+                                <a:rPr lang="ru-RU" i="1">
+                                  <a:latin typeface="Cambria Math" panose="02040503050406030204" pitchFamily="18" charset="0"/>
+                                </a:rPr>
+                              </m:ctrlPr>
+                            </m:naryPr>
+                            <m:sub>
+                              <m:r>
+                                <a:rPr lang="en-US" i="1">
+                                  <a:latin typeface="Cambria Math" panose="02040503050406030204" pitchFamily="18" charset="0"/>
+                                </a:rPr>
+                                <m:t>𝑖</m:t>
+                              </m:r>
+                              <m:r>
+                                <a:rPr lang="en-US" i="1">
+                                  <a:latin typeface="Cambria Math" panose="02040503050406030204" pitchFamily="18" charset="0"/>
+                                </a:rPr>
+                                <m:t>,</m:t>
+                              </m:r>
+                              <m:r>
+                                <a:rPr lang="en-US" i="1">
+                                  <a:latin typeface="Cambria Math" panose="02040503050406030204" pitchFamily="18" charset="0"/>
+                                </a:rPr>
+                                <m:t>𝑗</m:t>
+                              </m:r>
+                            </m:sub>
+                            <m:sup/>
+                            <m:e>
+                              <m:r>
+                                <a:rPr lang="en-US" i="1">
+                                  <a:latin typeface="Cambria Math" panose="02040503050406030204" pitchFamily="18" charset="0"/>
+                                </a:rPr>
+                                <m:t>( </m:t>
+                              </m:r>
+                              <m:r>
+                                <a:rPr lang="en-US" i="1">
+                                  <a:latin typeface="Cambria Math" panose="02040503050406030204" pitchFamily="18" charset="0"/>
+                                </a:rPr>
+                                <m:t>𝑋</m:t>
+                              </m:r>
+                              <m:r>
+                                <a:rPr lang="en-US" i="1">
+                                  <a:latin typeface="Cambria Math" panose="02040503050406030204" pitchFamily="18" charset="0"/>
+                                </a:rPr>
+                                <m:t>[</m:t>
+                              </m:r>
+                              <m:r>
+                                <a:rPr lang="en-US" i="1">
+                                  <a:latin typeface="Cambria Math" panose="02040503050406030204" pitchFamily="18" charset="0"/>
+                                </a:rPr>
+                                <m:t>𝑖</m:t>
+                              </m:r>
+                              <m:r>
+                                <a:rPr lang="en-US" i="1">
+                                  <a:latin typeface="Cambria Math" panose="02040503050406030204" pitchFamily="18" charset="0"/>
+                                </a:rPr>
+                                <m:t>,</m:t>
+                              </m:r>
+                              <m:r>
+                                <a:rPr lang="en-US" i="1">
+                                  <a:latin typeface="Cambria Math" panose="02040503050406030204" pitchFamily="18" charset="0"/>
+                                </a:rPr>
+                                <m:t>𝑗</m:t>
+                              </m:r>
+                              <m:r>
+                                <a:rPr lang="en-US" i="1">
+                                  <a:latin typeface="Cambria Math" panose="02040503050406030204" pitchFamily="18" charset="0"/>
+                                </a:rPr>
+                                <m:t>] ∗ </m:t>
+                              </m:r>
+                              <m:r>
+                                <a:rPr lang="en-US" i="1">
+                                  <a:latin typeface="Cambria Math" panose="02040503050406030204" pitchFamily="18" charset="0"/>
+                                </a:rPr>
+                                <m:t>𝑌</m:t>
+                              </m:r>
+                              <m:r>
+                                <a:rPr lang="en-US" i="1">
+                                  <a:latin typeface="Cambria Math" panose="02040503050406030204" pitchFamily="18" charset="0"/>
+                                </a:rPr>
+                                <m:t>[</m:t>
+                              </m:r>
+                              <m:r>
+                                <a:rPr lang="en-US" i="1">
+                                  <a:latin typeface="Cambria Math" panose="02040503050406030204" pitchFamily="18" charset="0"/>
+                                </a:rPr>
+                                <m:t>𝑖</m:t>
+                              </m:r>
+                              <m:r>
+                                <a:rPr lang="en-US" i="1">
+                                  <a:latin typeface="Cambria Math" panose="02040503050406030204" pitchFamily="18" charset="0"/>
+                                </a:rPr>
+                                <m:t>,</m:t>
+                              </m:r>
+                              <m:r>
+                                <a:rPr lang="en-US" i="1">
+                                  <a:latin typeface="Cambria Math" panose="02040503050406030204" pitchFamily="18" charset="0"/>
+                                </a:rPr>
+                                <m:t>𝑗</m:t>
+                              </m:r>
+                              <m:r>
+                                <a:rPr lang="en-US" i="1">
+                                  <a:latin typeface="Cambria Math" panose="02040503050406030204" pitchFamily="18" charset="0"/>
+                                </a:rPr>
+                                <m:t>] )</m:t>
+                              </m:r>
+                            </m:e>
+                          </m:nary>
+                        </m:num>
+                        <m:den>
+                          <m:rad>
+                            <m:radPr>
+                              <m:degHide m:val="on"/>
+                              <m:ctrlPr>
+                                <a:rPr lang="ru-RU" i="1">
+                                  <a:latin typeface="Cambria Math" panose="02040503050406030204" pitchFamily="18" charset="0"/>
+                                </a:rPr>
+                              </m:ctrlPr>
+                            </m:radPr>
+                            <m:deg/>
+                            <m:e>
+                              <m:nary>
+                                <m:naryPr>
+                                  <m:chr m:val="∑"/>
+                                  <m:limLoc m:val="undOvr"/>
+                                  <m:supHide m:val="on"/>
+                                  <m:ctrlPr>
+                                    <a:rPr lang="ru-RU" i="1">
+                                      <a:latin typeface="Cambria Math" panose="02040503050406030204" pitchFamily="18" charset="0"/>
+                                    </a:rPr>
+                                  </m:ctrlPr>
+                                </m:naryPr>
+                                <m:sub>
+                                  <m:r>
+                                    <a:rPr lang="en-US" i="1">
+                                      <a:latin typeface="Cambria Math" panose="02040503050406030204" pitchFamily="18" charset="0"/>
+                                    </a:rPr>
+                                    <m:t>𝑖</m:t>
+                                  </m:r>
+                                  <m:r>
+                                    <a:rPr lang="en-US" i="1">
+                                      <a:latin typeface="Cambria Math" panose="02040503050406030204" pitchFamily="18" charset="0"/>
+                                    </a:rPr>
+                                    <m:t>,</m:t>
+                                  </m:r>
+                                  <m:r>
+                                    <a:rPr lang="en-US" i="1">
+                                      <a:latin typeface="Cambria Math" panose="02040503050406030204" pitchFamily="18" charset="0"/>
+                                    </a:rPr>
+                                    <m:t>𝑗</m:t>
+                                  </m:r>
+                                </m:sub>
+                                <m:sup/>
+                                <m:e>
+                                  <m:sSup>
+                                    <m:sSupPr>
+                                      <m:ctrlPr>
+                                        <a:rPr lang="ru-RU" i="1">
+                                          <a:latin typeface="Cambria Math" panose="02040503050406030204" pitchFamily="18" charset="0"/>
+                                        </a:rPr>
+                                      </m:ctrlPr>
+                                    </m:sSupPr>
+                                    <m:e>
+                                      <m:r>
+                                        <a:rPr lang="en-US" i="1">
+                                          <a:latin typeface="Cambria Math" panose="02040503050406030204" pitchFamily="18" charset="0"/>
+                                        </a:rPr>
+                                        <m:t>𝑋</m:t>
+                                      </m:r>
+                                      <m:r>
+                                        <a:rPr lang="en-US" i="1">
+                                          <a:latin typeface="Cambria Math" panose="02040503050406030204" pitchFamily="18" charset="0"/>
+                                        </a:rPr>
+                                        <m:t>[</m:t>
+                                      </m:r>
+                                      <m:r>
+                                        <a:rPr lang="en-US" i="1">
+                                          <a:latin typeface="Cambria Math" panose="02040503050406030204" pitchFamily="18" charset="0"/>
+                                        </a:rPr>
+                                        <m:t>𝑖</m:t>
+                                      </m:r>
+                                      <m:r>
+                                        <a:rPr lang="en-US" i="1">
+                                          <a:latin typeface="Cambria Math" panose="02040503050406030204" pitchFamily="18" charset="0"/>
+                                        </a:rPr>
+                                        <m:t>,</m:t>
+                                      </m:r>
+                                      <m:r>
+                                        <a:rPr lang="en-US" i="1">
+                                          <a:latin typeface="Cambria Math" panose="02040503050406030204" pitchFamily="18" charset="0"/>
+                                        </a:rPr>
+                                        <m:t>𝑗</m:t>
+                                      </m:r>
+                                      <m:r>
+                                        <a:rPr lang="en-US" i="1">
+                                          <a:latin typeface="Cambria Math" panose="02040503050406030204" pitchFamily="18" charset="0"/>
+                                        </a:rPr>
+                                        <m:t>]</m:t>
+                                      </m:r>
+                                    </m:e>
+                                    <m:sup>
+                                      <m:r>
+                                        <a:rPr lang="en-US" i="1">
+                                          <a:latin typeface="Cambria Math" panose="02040503050406030204" pitchFamily="18" charset="0"/>
+                                        </a:rPr>
+                                        <m:t>2</m:t>
+                                      </m:r>
+                                    </m:sup>
+                                  </m:sSup>
+                                </m:e>
+                              </m:nary>
+                            </m:e>
+                          </m:rad>
+                          <m:r>
+                            <a:rPr lang="en-US" i="1">
+                              <a:latin typeface="Cambria Math" panose="02040503050406030204" pitchFamily="18" charset="0"/>
+                            </a:rPr>
+                            <m:t> ∗ </m:t>
+                          </m:r>
+                          <m:rad>
+                            <m:radPr>
+                              <m:degHide m:val="on"/>
+                              <m:ctrlPr>
+                                <a:rPr lang="ru-RU" i="1">
+                                  <a:latin typeface="Cambria Math" panose="02040503050406030204" pitchFamily="18" charset="0"/>
+                                </a:rPr>
+                              </m:ctrlPr>
+                            </m:radPr>
+                            <m:deg/>
+                            <m:e>
+                              <m:nary>
+                                <m:naryPr>
+                                  <m:chr m:val="∑"/>
+                                  <m:limLoc m:val="undOvr"/>
+                                  <m:supHide m:val="on"/>
+                                  <m:ctrlPr>
+                                    <a:rPr lang="ru-RU" i="1">
+                                      <a:latin typeface="Cambria Math" panose="02040503050406030204" pitchFamily="18" charset="0"/>
+                                    </a:rPr>
+                                  </m:ctrlPr>
+                                </m:naryPr>
+                                <m:sub>
+                                  <m:r>
+                                    <a:rPr lang="en-US" i="1">
+                                      <a:latin typeface="Cambria Math" panose="02040503050406030204" pitchFamily="18" charset="0"/>
+                                    </a:rPr>
+                                    <m:t>𝑖</m:t>
+                                  </m:r>
+                                  <m:r>
+                                    <a:rPr lang="en-US" i="1">
+                                      <a:latin typeface="Cambria Math" panose="02040503050406030204" pitchFamily="18" charset="0"/>
+                                    </a:rPr>
+                                    <m:t>,</m:t>
+                                  </m:r>
+                                  <m:r>
+                                    <a:rPr lang="en-US" i="1">
+                                      <a:latin typeface="Cambria Math" panose="02040503050406030204" pitchFamily="18" charset="0"/>
+                                    </a:rPr>
+                                    <m:t>𝑗</m:t>
+                                  </m:r>
+                                </m:sub>
+                                <m:sup/>
+                                <m:e>
+                                  <m:sSup>
+                                    <m:sSupPr>
+                                      <m:ctrlPr>
+                                        <a:rPr lang="ru-RU" i="1">
+                                          <a:latin typeface="Cambria Math" panose="02040503050406030204" pitchFamily="18" charset="0"/>
+                                        </a:rPr>
+                                      </m:ctrlPr>
+                                    </m:sSupPr>
+                                    <m:e>
+                                      <m:r>
+                                        <a:rPr lang="en-US" i="1">
+                                          <a:latin typeface="Cambria Math" panose="02040503050406030204" pitchFamily="18" charset="0"/>
+                                        </a:rPr>
+                                        <m:t>𝑌</m:t>
+                                      </m:r>
+                                      <m:r>
+                                        <a:rPr lang="en-US" i="1">
+                                          <a:latin typeface="Cambria Math" panose="02040503050406030204" pitchFamily="18" charset="0"/>
+                                        </a:rPr>
+                                        <m:t>[</m:t>
+                                      </m:r>
+                                      <m:r>
+                                        <a:rPr lang="en-US" i="1">
+                                          <a:latin typeface="Cambria Math" panose="02040503050406030204" pitchFamily="18" charset="0"/>
+                                        </a:rPr>
+                                        <m:t>𝑖</m:t>
+                                      </m:r>
+                                      <m:r>
+                                        <a:rPr lang="en-US" i="1">
+                                          <a:latin typeface="Cambria Math" panose="02040503050406030204" pitchFamily="18" charset="0"/>
+                                        </a:rPr>
+                                        <m:t>,</m:t>
+                                      </m:r>
+                                      <m:r>
+                                        <a:rPr lang="en-US" i="1">
+                                          <a:latin typeface="Cambria Math" panose="02040503050406030204" pitchFamily="18" charset="0"/>
+                                        </a:rPr>
+                                        <m:t>𝑗</m:t>
+                                      </m:r>
+                                      <m:r>
+                                        <a:rPr lang="en-US" i="1">
+                                          <a:latin typeface="Cambria Math" panose="02040503050406030204" pitchFamily="18" charset="0"/>
+                                        </a:rPr>
+                                        <m:t>]</m:t>
+                                      </m:r>
+                                    </m:e>
+                                    <m:sup>
+                                      <m:r>
+                                        <a:rPr lang="en-US" i="1">
+                                          <a:latin typeface="Cambria Math" panose="02040503050406030204" pitchFamily="18" charset="0"/>
+                                        </a:rPr>
+                                        <m:t>2</m:t>
+                                      </m:r>
+                                    </m:sup>
+                                  </m:sSup>
+                                  <m:r>
+                                    <a:rPr lang="en-US" i="1">
+                                      <a:latin typeface="Cambria Math" panose="02040503050406030204" pitchFamily="18" charset="0"/>
+                                    </a:rPr>
+                                    <m:t> </m:t>
+                                  </m:r>
+                                </m:e>
+                              </m:nary>
+                              <m:r>
+                                <a:rPr lang="en-US" i="1">
+                                  <a:latin typeface="Cambria Math" panose="02040503050406030204" pitchFamily="18" charset="0"/>
+                                </a:rPr>
+                                <m:t> </m:t>
+                              </m:r>
+                            </m:e>
+                          </m:rad>
+                        </m:den>
+                      </m:f>
+                    </m:oMath>
+                  </m:oMathPara>
+                </a14:m>
+                <a:endParaRPr lang="en-US" dirty="0" smtClean="0"/>
+              </a:p>
+              <a:p>
+                <a:pPr marL="0" indent="0" algn="ctr">
+                  <a:buNone/>
+                </a:pPr>
+                <a:r>
+                  <a:rPr lang="ru-RU" dirty="0" smtClean="0"/>
+                  <a:t>или </a:t>
+                </a:r>
+                <a14:m>
+                  <m:oMath xmlns:m="http://schemas.openxmlformats.org/officeDocument/2006/math">
+                    <m:r>
+                      <a:rPr lang="en-US" i="1">
+                        <a:latin typeface="Cambria Math" panose="02040503050406030204" pitchFamily="18" charset="0"/>
+                      </a:rPr>
+                      <m:t>𝜇</m:t>
+                    </m:r>
+                    <m:r>
+                      <a:rPr lang="en-US" i="1">
+                        <a:latin typeface="Cambria Math" panose="02040503050406030204" pitchFamily="18" charset="0"/>
+                      </a:rPr>
+                      <m:t>(</m:t>
+                    </m:r>
+                    <m:r>
+                      <a:rPr lang="en-US" i="1">
+                        <a:latin typeface="Cambria Math" panose="02040503050406030204" pitchFamily="18" charset="0"/>
+                      </a:rPr>
+                      <m:t>𝑋</m:t>
+                    </m:r>
+                    <m:r>
+                      <a:rPr lang="en-US" i="1">
+                        <a:latin typeface="Cambria Math" panose="02040503050406030204" pitchFamily="18" charset="0"/>
+                      </a:rPr>
+                      <m:t>,</m:t>
+                    </m:r>
+                    <m:r>
+                      <a:rPr lang="en-US" i="1">
+                        <a:latin typeface="Cambria Math" panose="02040503050406030204" pitchFamily="18" charset="0"/>
+                      </a:rPr>
+                      <m:t>𝑌</m:t>
+                    </m:r>
+                    <m:r>
+                      <a:rPr lang="en-US" i="1">
+                        <a:latin typeface="Cambria Math" panose="02040503050406030204" pitchFamily="18" charset="0"/>
+                      </a:rPr>
+                      <m:t>) = </m:t>
+                    </m:r>
+                    <m:f>
+                      <m:fPr>
+                        <m:ctrlPr>
+                          <a:rPr lang="ru-RU" i="1">
+                            <a:latin typeface="Cambria Math" panose="02040503050406030204" pitchFamily="18" charset="0"/>
+                          </a:rPr>
+                        </m:ctrlPr>
+                      </m:fPr>
+                      <m:num>
+                        <m:r>
+                          <a:rPr lang="en-US" i="1">
+                            <a:latin typeface="Cambria Math" panose="02040503050406030204" pitchFamily="18" charset="0"/>
+                          </a:rPr>
+                          <m:t>&lt;</m:t>
+                        </m:r>
+                        <m:r>
+                          <a:rPr lang="en-US" i="1">
+                            <a:latin typeface="Cambria Math" panose="02040503050406030204" pitchFamily="18" charset="0"/>
+                          </a:rPr>
+                          <m:t>𝑋</m:t>
+                        </m:r>
+                        <m:r>
+                          <a:rPr lang="en-US" i="1">
+                            <a:latin typeface="Cambria Math" panose="02040503050406030204" pitchFamily="18" charset="0"/>
+                          </a:rPr>
+                          <m:t>,</m:t>
+                        </m:r>
+                        <m:r>
+                          <a:rPr lang="en-US" i="1">
+                            <a:latin typeface="Cambria Math" panose="02040503050406030204" pitchFamily="18" charset="0"/>
+                          </a:rPr>
+                          <m:t>𝑌</m:t>
+                        </m:r>
+                        <m:r>
+                          <a:rPr lang="en-US" i="1">
+                            <a:latin typeface="Cambria Math" panose="02040503050406030204" pitchFamily="18" charset="0"/>
+                          </a:rPr>
+                          <m:t>&gt;</m:t>
+                        </m:r>
+                      </m:num>
+                      <m:den>
+                        <m:rad>
+                          <m:radPr>
+                            <m:degHide m:val="on"/>
+                            <m:ctrlPr>
+                              <a:rPr lang="ru-RU" i="1">
+                                <a:latin typeface="Cambria Math" panose="02040503050406030204" pitchFamily="18" charset="0"/>
+                              </a:rPr>
+                            </m:ctrlPr>
+                          </m:radPr>
+                          <m:deg/>
+                          <m:e>
+                            <m:r>
+                              <a:rPr lang="en-US" i="1">
+                                <a:latin typeface="Cambria Math" panose="02040503050406030204" pitchFamily="18" charset="0"/>
+                              </a:rPr>
+                              <m:t>&lt;</m:t>
+                            </m:r>
+                            <m:r>
+                              <a:rPr lang="en-US" i="1">
+                                <a:latin typeface="Cambria Math" panose="02040503050406030204" pitchFamily="18" charset="0"/>
+                              </a:rPr>
+                              <m:t>𝑋</m:t>
+                            </m:r>
+                            <m:r>
+                              <a:rPr lang="en-US" i="1">
+                                <a:latin typeface="Cambria Math" panose="02040503050406030204" pitchFamily="18" charset="0"/>
+                              </a:rPr>
+                              <m:t>,</m:t>
+                            </m:r>
+                            <m:r>
+                              <a:rPr lang="en-US" i="1">
+                                <a:latin typeface="Cambria Math" panose="02040503050406030204" pitchFamily="18" charset="0"/>
+                              </a:rPr>
+                              <m:t>𝑋</m:t>
+                            </m:r>
+                            <m:r>
+                              <a:rPr lang="en-US" i="1">
+                                <a:latin typeface="Cambria Math" panose="02040503050406030204" pitchFamily="18" charset="0"/>
+                              </a:rPr>
+                              <m:t>&gt;</m:t>
+                            </m:r>
+                          </m:e>
+                        </m:rad>
+                        <m:r>
+                          <a:rPr lang="en-US" i="1">
+                            <a:latin typeface="Cambria Math" panose="02040503050406030204" pitchFamily="18" charset="0"/>
+                          </a:rPr>
+                          <m:t>∗ </m:t>
+                        </m:r>
+                        <m:rad>
+                          <m:radPr>
+                            <m:degHide m:val="on"/>
+                            <m:ctrlPr>
+                              <a:rPr lang="ru-RU" i="1">
+                                <a:latin typeface="Cambria Math" panose="02040503050406030204" pitchFamily="18" charset="0"/>
+                              </a:rPr>
+                            </m:ctrlPr>
+                          </m:radPr>
+                          <m:deg/>
+                          <m:e>
+                            <m:r>
+                              <a:rPr lang="en-US" i="1">
+                                <a:latin typeface="Cambria Math" panose="02040503050406030204" pitchFamily="18" charset="0"/>
+                              </a:rPr>
+                              <m:t>&lt;</m:t>
+                            </m:r>
+                            <m:r>
+                              <a:rPr lang="en-US" i="1">
+                                <a:latin typeface="Cambria Math" panose="02040503050406030204" pitchFamily="18" charset="0"/>
+                              </a:rPr>
+                              <m:t>𝑌</m:t>
+                            </m:r>
+                            <m:r>
+                              <a:rPr lang="en-US" i="1">
+                                <a:latin typeface="Cambria Math" panose="02040503050406030204" pitchFamily="18" charset="0"/>
+                              </a:rPr>
+                              <m:t>,</m:t>
+                            </m:r>
+                            <m:r>
+                              <a:rPr lang="en-US" i="1">
+                                <a:latin typeface="Cambria Math" panose="02040503050406030204" pitchFamily="18" charset="0"/>
+                              </a:rPr>
+                              <m:t>𝑌</m:t>
+                            </m:r>
+                            <m:r>
+                              <a:rPr lang="en-US" i="1">
+                                <a:latin typeface="Cambria Math" panose="02040503050406030204" pitchFamily="18" charset="0"/>
+                              </a:rPr>
+                              <m:t>&gt;</m:t>
+                            </m:r>
+                          </m:e>
+                        </m:rad>
+                        <m:r>
+                          <a:rPr lang="en-US" i="1">
+                            <a:latin typeface="Cambria Math" panose="02040503050406030204" pitchFamily="18" charset="0"/>
+                          </a:rPr>
+                          <m:t> </m:t>
+                        </m:r>
+                      </m:den>
+                    </m:f>
+                  </m:oMath>
+                </a14:m>
+                <a:endParaRPr lang="en-US" dirty="0" smtClean="0"/>
+              </a:p>
+              <a:p>
+                <a:pPr algn="just"/>
+                <a:r>
+                  <a:rPr lang="ru-RU" dirty="0" smtClean="0"/>
+                  <a:t>Данная величина получена из операции скалярного произведения векторов (рассматривая изображения как векторы в многомерном пространстве). И даже более - эта же формула представляет собой и стандартную статистическую </a:t>
+                </a:r>
+                <a:r>
+                  <a:rPr lang="ru-RU" dirty="0"/>
+                  <a:t>формулу критерия </a:t>
+                </a:r>
+                <a:r>
+                  <a:rPr lang="ru-RU" dirty="0" smtClean="0"/>
+                  <a:t>для гипотезы о совпадении двух вероятностных распределений.</a:t>
+                </a:r>
+              </a:p>
+              <a:p>
+                <a:pPr algn="just"/>
+                <a:r>
+                  <a:rPr lang="ru-RU" dirty="0" smtClean="0"/>
+                  <a:t>Примечание. При вычислении корреляции между фрагментами изображений, если одно изображение меньше другого, будем делить только на значение норм у пересекающийся частей.</a:t>
+                </a:r>
+                <a:endParaRPr lang="ru-RU" dirty="0"/>
+              </a:p>
+              <a:p>
+                <a:endParaRPr lang="ru-RU" dirty="0" smtClean="0"/>
+              </a:p>
+              <a:p>
+                <a:endParaRPr lang="ru-RU" dirty="0"/>
+              </a:p>
+              <a:p>
+                <a:endParaRPr lang="ru-RU" dirty="0"/>
+              </a:p>
+            </p:txBody>
+          </p:sp>
+        </mc:Choice>
+        <mc:Fallback xmlns="">
+          <p:sp>
+            <p:nvSpPr>
+              <p:cNvPr id="3" name="Объект 2"/>
+              <p:cNvSpPr>
+                <a:spLocks noGrp="1" noRot="1" noChangeAspect="1" noMove="1" noResize="1" noEditPoints="1" noAdjustHandles="1" noChangeArrowheads="1" noChangeShapeType="1" noTextEdit="1"/>
+              </p:cNvSpPr>
+              <p:nvPr>
+                <p:ph idx="1"/>
+              </p:nvPr>
+            </p:nvSpPr>
+            <p:spPr>
+              <a:blipFill rotWithShape="0">
+                <a:blip r:embed="rId2"/>
+                <a:stretch>
+                  <a:fillRect t="-14887" r="-121"/>
+                </a:stretch>
+              </a:blipFill>
+            </p:spPr>
+            <p:txBody>
+              <a:bodyPr/>
+              <a:lstStyle/>
+              <a:p>
+                <a:r>
+                  <a:rPr lang="ru-RU">
+                    <a:noFill/>
+                  </a:rPr>
+                  <a:t> </a:t>
+                </a:r>
+              </a:p>
+            </p:txBody>
+          </p:sp>
+        </mc:Fallback>
+      </mc:AlternateContent>
       <p:sp>
         <p:nvSpPr>
           <p:cNvPr id="4" name="Нижний колонтитул 3"/>
@@ -16685,305 +18556,796 @@
           </a:p>
         </p:txBody>
       </p:sp>
-      <p:sp>
-        <p:nvSpPr>
-          <p:cNvPr id="3" name="Объект 2"/>
-          <p:cNvSpPr>
-            <a:spLocks noGrp="1"/>
-          </p:cNvSpPr>
-          <p:nvPr>
-            <p:ph idx="1"/>
-          </p:nvPr>
-        </p:nvSpPr>
-        <p:spPr/>
-        <p:txBody>
-          <a:bodyPr/>
-          <a:lstStyle/>
-          <a:p>
-            <a:r>
-              <a:rPr lang="ru-RU" dirty="0" smtClean="0"/>
-              <a:t>Согласно определению, свёрткой двух функций </a:t>
-            </a:r>
-            <a:r>
-              <a:rPr lang="en-US" dirty="0" smtClean="0"/>
-              <a:t>F</a:t>
-            </a:r>
-            <a:r>
-              <a:rPr lang="ru-RU" dirty="0" smtClean="0"/>
-              <a:t> и </a:t>
-            </a:r>
-            <a:r>
-              <a:rPr lang="en-US" dirty="0" smtClean="0"/>
-              <a:t>G </a:t>
-            </a:r>
-            <a:r>
-              <a:rPr lang="ru-RU" dirty="0" smtClean="0"/>
-              <a:t>называется функция </a:t>
-            </a:r>
-            <a:r>
-              <a:rPr lang="en-US" dirty="0"/>
-              <a:t>F</a:t>
-            </a:r>
-            <a:r>
-              <a:rPr lang="ru-RU" dirty="0"/>
-              <a:t>х</a:t>
-            </a:r>
-            <a:r>
-              <a:rPr lang="en-US" dirty="0"/>
-              <a:t>G</a:t>
-            </a:r>
-            <a:endParaRPr lang="ru-RU" dirty="0" smtClean="0"/>
-          </a:p>
-          <a:p>
-            <a:pPr marL="0" indent="0" algn="ctr">
-              <a:buNone/>
-            </a:pPr>
-            <a:r>
-              <a:rPr lang="en-US" dirty="0" smtClean="0"/>
-              <a:t>F</a:t>
-            </a:r>
-            <a:r>
-              <a:rPr lang="ru-RU" dirty="0" smtClean="0"/>
-              <a:t>х</a:t>
-            </a:r>
-            <a:r>
-              <a:rPr lang="en-US" dirty="0" smtClean="0"/>
-              <a:t>G(t) = SUM F(i)*G(i)|i+j=t</a:t>
-            </a:r>
-          </a:p>
-          <a:p>
-            <a:r>
-              <a:rPr lang="ru-RU" dirty="0" smtClean="0"/>
-              <a:t>Пусть </a:t>
-            </a:r>
-            <a:r>
-              <a:rPr lang="en-US" dirty="0" smtClean="0"/>
-              <a:t>G’(t) = G(-t)</a:t>
-            </a:r>
-            <a:r>
-              <a:rPr lang="ru-RU" dirty="0" smtClean="0"/>
-              <a:t> и </a:t>
-            </a:r>
-            <a:r>
-              <a:rPr lang="en-US" dirty="0" smtClean="0"/>
-              <a:t>F’(</a:t>
-            </a:r>
-            <a:r>
-              <a:rPr lang="en-US" dirty="0"/>
-              <a:t>t) = </a:t>
-            </a:r>
-            <a:r>
-              <a:rPr lang="en-US" dirty="0" smtClean="0"/>
-              <a:t>F(-</a:t>
-            </a:r>
-            <a:r>
-              <a:rPr lang="en-US" dirty="0"/>
-              <a:t>t)</a:t>
-            </a:r>
-            <a:r>
-              <a:rPr lang="en-US" dirty="0" smtClean="0"/>
-              <a:t>, </a:t>
-            </a:r>
-            <a:r>
-              <a:rPr lang="ru-RU" dirty="0" smtClean="0"/>
-              <a:t>тогда,</a:t>
-            </a:r>
-            <a:r>
-              <a:rPr lang="en-US" dirty="0" smtClean="0"/>
-              <a:t> </a:t>
-            </a:r>
-            <a:r>
-              <a:rPr lang="ru-RU" dirty="0" smtClean="0"/>
-              <a:t>очевидна справедливость равенств</a:t>
-            </a:r>
-          </a:p>
-          <a:p>
-            <a:pPr lvl="1"/>
-            <a:r>
-              <a:rPr lang="en-US" dirty="0"/>
-              <a:t>F</a:t>
-            </a:r>
-            <a:r>
-              <a:rPr lang="ru-RU" dirty="0"/>
-              <a:t>х</a:t>
-            </a:r>
-            <a:r>
-              <a:rPr lang="en-US" dirty="0"/>
-              <a:t>F’(0) = SUM </a:t>
-            </a:r>
-            <a:r>
-              <a:rPr lang="en-US" dirty="0" smtClean="0"/>
-              <a:t>F(i</a:t>
-            </a:r>
-            <a:r>
-              <a:rPr lang="en-US" dirty="0"/>
-              <a:t>)^</a:t>
-            </a:r>
-            <a:r>
-              <a:rPr lang="en-US" dirty="0" smtClean="0"/>
-              <a:t>2</a:t>
-            </a:r>
-            <a:r>
-              <a:rPr lang="ru-RU" dirty="0" smtClean="0"/>
-              <a:t> </a:t>
-            </a:r>
-            <a:r>
-              <a:rPr lang="en-US" dirty="0"/>
-              <a:t>– </a:t>
-            </a:r>
-            <a:r>
-              <a:rPr lang="ru-RU" dirty="0"/>
-              <a:t>скалярное произведение </a:t>
-            </a:r>
-            <a:r>
-              <a:rPr lang="ru-RU" dirty="0" smtClean="0"/>
-              <a:t>вектора </a:t>
-            </a:r>
-            <a:r>
-              <a:rPr lang="en-US" dirty="0" smtClean="0"/>
-              <a:t>F </a:t>
-            </a:r>
-            <a:r>
-              <a:rPr lang="ru-RU" dirty="0" smtClean="0"/>
-              <a:t>на самого себя</a:t>
-            </a:r>
-            <a:endParaRPr lang="ru-RU" dirty="0"/>
-          </a:p>
-          <a:p>
-            <a:pPr lvl="1"/>
-            <a:r>
-              <a:rPr lang="en-US" dirty="0" smtClean="0"/>
-              <a:t>G</a:t>
-            </a:r>
-            <a:r>
-              <a:rPr lang="ru-RU" dirty="0" smtClean="0"/>
-              <a:t>х</a:t>
-            </a:r>
-            <a:r>
-              <a:rPr lang="en-US" dirty="0" smtClean="0"/>
-              <a:t>G’(</a:t>
-            </a:r>
-            <a:r>
-              <a:rPr lang="en-US" dirty="0"/>
-              <a:t>0) = SUM G</a:t>
-            </a:r>
-            <a:r>
-              <a:rPr lang="en-US" dirty="0" smtClean="0"/>
-              <a:t>(j)^2</a:t>
-            </a:r>
-            <a:r>
-              <a:rPr lang="en-US" dirty="0"/>
-              <a:t>– </a:t>
-            </a:r>
-            <a:r>
-              <a:rPr lang="ru-RU" dirty="0"/>
-              <a:t>скалярное произведение вектора </a:t>
-            </a:r>
-            <a:r>
-              <a:rPr lang="en-US" dirty="0" smtClean="0"/>
-              <a:t>G </a:t>
-            </a:r>
-            <a:r>
-              <a:rPr lang="ru-RU" dirty="0"/>
-              <a:t>на самого </a:t>
-            </a:r>
-            <a:r>
-              <a:rPr lang="ru-RU" dirty="0" smtClean="0"/>
-              <a:t>себя</a:t>
-            </a:r>
-            <a:endParaRPr lang="en-US" dirty="0" smtClean="0"/>
-          </a:p>
-          <a:p>
-            <a:pPr lvl="1"/>
-            <a:r>
-              <a:rPr lang="en-US" dirty="0"/>
-              <a:t>F</a:t>
-            </a:r>
-            <a:r>
-              <a:rPr lang="ru-RU" dirty="0" smtClean="0"/>
-              <a:t>х</a:t>
-            </a:r>
-            <a:r>
-              <a:rPr lang="en-US" dirty="0" smtClean="0"/>
-              <a:t>G’(</a:t>
-            </a:r>
-            <a:r>
-              <a:rPr lang="en-US" dirty="0"/>
-              <a:t>0) = SUM </a:t>
-            </a:r>
-            <a:r>
-              <a:rPr lang="en-US" dirty="0" smtClean="0"/>
-              <a:t>F(i)*G(i) – </a:t>
-            </a:r>
-            <a:r>
-              <a:rPr lang="ru-RU" dirty="0" smtClean="0"/>
-              <a:t>скалярное произведение двух векторов</a:t>
-            </a:r>
-            <a:r>
-              <a:rPr lang="en-US" dirty="0"/>
-              <a:t> F</a:t>
-            </a:r>
-            <a:r>
-              <a:rPr lang="ru-RU" dirty="0"/>
-              <a:t> и </a:t>
-            </a:r>
-            <a:r>
-              <a:rPr lang="en-US" dirty="0"/>
-              <a:t>G </a:t>
-            </a:r>
-            <a:endParaRPr lang="ru-RU" dirty="0"/>
-          </a:p>
-          <a:p>
-            <a:r>
-              <a:rPr lang="ru-RU" dirty="0" smtClean="0"/>
-              <a:t>Так же очевидно, что </a:t>
-            </a:r>
-            <a:r>
-              <a:rPr lang="en-US" dirty="0"/>
-              <a:t>F</a:t>
-            </a:r>
-            <a:r>
-              <a:rPr lang="ru-RU" dirty="0"/>
-              <a:t>х</a:t>
-            </a:r>
-            <a:r>
-              <a:rPr lang="en-US" dirty="0"/>
-              <a:t>G</a:t>
-            </a:r>
-            <a:r>
-              <a:rPr lang="en-US" dirty="0" smtClean="0"/>
-              <a:t>’(</a:t>
-            </a:r>
-            <a:r>
-              <a:rPr lang="en-US" dirty="0"/>
-              <a:t>t</a:t>
-            </a:r>
-            <a:r>
-              <a:rPr lang="en-US" dirty="0" smtClean="0"/>
-              <a:t>) </a:t>
-            </a:r>
-            <a:r>
-              <a:rPr lang="ru-RU" dirty="0" smtClean="0"/>
-              <a:t>равна корреляции получаемой в результате сдвига одного вектора, относительно другого на шаг </a:t>
-            </a:r>
-            <a:r>
-              <a:rPr lang="en-US" dirty="0" smtClean="0"/>
-              <a:t>t</a:t>
-            </a:r>
-            <a:r>
-              <a:rPr lang="ru-RU" dirty="0" smtClean="0"/>
-              <a:t> (это легко проверить явной подстановкой значений в формулу корреляции).</a:t>
-            </a:r>
-            <a:endParaRPr lang="ru-RU" dirty="0"/>
-          </a:p>
-          <a:p>
-            <a:endParaRPr lang="ru-RU" dirty="0"/>
-          </a:p>
-          <a:p>
-            <a:endParaRPr lang="ru-RU" dirty="0"/>
-          </a:p>
-        </p:txBody>
-      </p:sp>
+      <mc:AlternateContent xmlns:mc="http://schemas.openxmlformats.org/markup-compatibility/2006" xmlns:a14="http://schemas.microsoft.com/office/drawing/2010/main">
+        <mc:Choice Requires="a14">
+          <p:sp>
+            <p:nvSpPr>
+              <p:cNvPr id="3" name="Объект 2"/>
+              <p:cNvSpPr>
+                <a:spLocks noGrp="1"/>
+              </p:cNvSpPr>
+              <p:nvPr>
+                <p:ph idx="1"/>
+              </p:nvPr>
+            </p:nvSpPr>
+            <p:spPr/>
+            <p:txBody>
+              <a:bodyPr/>
+              <a:lstStyle/>
+              <a:p>
+                <a:r>
+                  <a:rPr lang="ru-RU" dirty="0" smtClean="0"/>
+                  <a:t>Согласно определению, свёрткой двух функций </a:t>
+                </a:r>
+                <a:r>
+                  <a:rPr lang="en-US" dirty="0" smtClean="0"/>
+                  <a:t>F</a:t>
+                </a:r>
+                <a:r>
+                  <a:rPr lang="ru-RU" dirty="0" smtClean="0"/>
+                  <a:t> и </a:t>
+                </a:r>
+                <a:r>
+                  <a:rPr lang="en-US" dirty="0" smtClean="0"/>
+                  <a:t>G </a:t>
+                </a:r>
+                <a:r>
+                  <a:rPr lang="ru-RU" dirty="0" smtClean="0"/>
+                  <a:t>называется функция </a:t>
+                </a:r>
+                <a:r>
+                  <a:rPr lang="en-US" dirty="0"/>
+                  <a:t>F</a:t>
+                </a:r>
+                <a:r>
+                  <a:rPr lang="ru-RU" dirty="0"/>
+                  <a:t>х</a:t>
+                </a:r>
+                <a:r>
+                  <a:rPr lang="en-US" dirty="0"/>
+                  <a:t>G</a:t>
+                </a:r>
+                <a:endParaRPr lang="ru-RU" dirty="0" smtClean="0"/>
+              </a:p>
+              <a:p>
+                <a:pPr marL="0" indent="0" fontAlgn="base">
+                  <a:buNone/>
+                </a:pPr>
+                <a14:m>
+                  <m:oMathPara xmlns:m="http://schemas.openxmlformats.org/officeDocument/2006/math">
+                    <m:oMathParaPr>
+                      <m:jc m:val="center"/>
+                    </m:oMathParaPr>
+                    <m:oMath xmlns:m="http://schemas.openxmlformats.org/officeDocument/2006/math">
+                      <m:r>
+                        <a:rPr lang="en-US" i="1">
+                          <a:latin typeface="Cambria Math" panose="02040503050406030204" pitchFamily="18" charset="0"/>
+                        </a:rPr>
+                        <m:t>𝐹</m:t>
+                      </m:r>
+                      <m:r>
+                        <a:rPr lang="ru-RU" i="1">
+                          <a:latin typeface="Cambria Math" panose="02040503050406030204" pitchFamily="18" charset="0"/>
+                        </a:rPr>
+                        <m:t>х</m:t>
+                      </m:r>
+                      <m:r>
+                        <a:rPr lang="en-US" i="1">
+                          <a:latin typeface="Cambria Math" panose="02040503050406030204" pitchFamily="18" charset="0"/>
+                        </a:rPr>
+                        <m:t>𝐺</m:t>
+                      </m:r>
+                      <m:r>
+                        <a:rPr lang="en-US" i="1">
+                          <a:latin typeface="Cambria Math" panose="02040503050406030204" pitchFamily="18" charset="0"/>
+                        </a:rPr>
+                        <m:t>(</m:t>
+                      </m:r>
+                      <m:r>
+                        <a:rPr lang="en-US" i="1">
+                          <a:latin typeface="Cambria Math" panose="02040503050406030204" pitchFamily="18" charset="0"/>
+                        </a:rPr>
+                        <m:t>𝑡</m:t>
+                      </m:r>
+                      <m:r>
+                        <a:rPr lang="en-US" i="1">
+                          <a:latin typeface="Cambria Math" panose="02040503050406030204" pitchFamily="18" charset="0"/>
+                        </a:rPr>
+                        <m:t>) = </m:t>
+                      </m:r>
+                      <m:nary>
+                        <m:naryPr>
+                          <m:chr m:val="∑"/>
+                          <m:limLoc m:val="undOvr"/>
+                          <m:supHide m:val="on"/>
+                          <m:ctrlPr>
+                            <a:rPr lang="ru-RU" i="1">
+                              <a:latin typeface="Cambria Math" panose="02040503050406030204" pitchFamily="18" charset="0"/>
+                            </a:rPr>
+                          </m:ctrlPr>
+                        </m:naryPr>
+                        <m:sub>
+                          <m:r>
+                            <a:rPr lang="en-US" i="1">
+                              <a:latin typeface="Cambria Math" panose="02040503050406030204" pitchFamily="18" charset="0"/>
+                            </a:rPr>
+                            <m:t>𝑖</m:t>
+                          </m:r>
+                          <m:r>
+                            <a:rPr lang="en-US" i="1">
+                              <a:latin typeface="Cambria Math" panose="02040503050406030204" pitchFamily="18" charset="0"/>
+                            </a:rPr>
+                            <m:t>+</m:t>
+                          </m:r>
+                          <m:r>
+                            <a:rPr lang="en-US" i="1">
+                              <a:latin typeface="Cambria Math" panose="02040503050406030204" pitchFamily="18" charset="0"/>
+                            </a:rPr>
+                            <m:t>𝑗</m:t>
+                          </m:r>
+                          <m:r>
+                            <a:rPr lang="en-US" i="1">
+                              <a:latin typeface="Cambria Math" panose="02040503050406030204" pitchFamily="18" charset="0"/>
+                            </a:rPr>
+                            <m:t>=</m:t>
+                          </m:r>
+                          <m:r>
+                            <a:rPr lang="en-US" i="1">
+                              <a:latin typeface="Cambria Math" panose="02040503050406030204" pitchFamily="18" charset="0"/>
+                            </a:rPr>
+                            <m:t>𝑡</m:t>
+                          </m:r>
+                        </m:sub>
+                        <m:sup/>
+                        <m:e>
+                          <m:r>
+                            <a:rPr lang="en-US" i="1">
+                              <a:latin typeface="Cambria Math" panose="02040503050406030204" pitchFamily="18" charset="0"/>
+                            </a:rPr>
+                            <m:t>𝐹</m:t>
+                          </m:r>
+                          <m:r>
+                            <a:rPr lang="en-US" i="1">
+                              <a:latin typeface="Cambria Math" panose="02040503050406030204" pitchFamily="18" charset="0"/>
+                            </a:rPr>
+                            <m:t>(</m:t>
+                          </m:r>
+                          <m:r>
+                            <a:rPr lang="en-US" i="1">
+                              <a:latin typeface="Cambria Math" panose="02040503050406030204" pitchFamily="18" charset="0"/>
+                            </a:rPr>
+                            <m:t>𝑖</m:t>
+                          </m:r>
+                          <m:r>
+                            <a:rPr lang="en-US" i="1">
+                              <a:latin typeface="Cambria Math" panose="02040503050406030204" pitchFamily="18" charset="0"/>
+                            </a:rPr>
+                            <m:t>)∗</m:t>
+                          </m:r>
+                          <m:r>
+                            <a:rPr lang="en-US" i="1">
+                              <a:latin typeface="Cambria Math" panose="02040503050406030204" pitchFamily="18" charset="0"/>
+                            </a:rPr>
+                            <m:t>𝐺</m:t>
+                          </m:r>
+                          <m:r>
+                            <a:rPr lang="en-US" i="1">
+                              <a:latin typeface="Cambria Math" panose="02040503050406030204" pitchFamily="18" charset="0"/>
+                            </a:rPr>
+                            <m:t>(</m:t>
+                          </m:r>
+                          <m:r>
+                            <a:rPr lang="en-US" i="1">
+                              <a:latin typeface="Cambria Math" panose="02040503050406030204" pitchFamily="18" charset="0"/>
+                            </a:rPr>
+                            <m:t>𝑗</m:t>
+                          </m:r>
+                          <m:r>
+                            <a:rPr lang="en-US" i="1">
+                              <a:latin typeface="Cambria Math" panose="02040503050406030204" pitchFamily="18" charset="0"/>
+                            </a:rPr>
+                            <m:t>)</m:t>
+                          </m:r>
+                        </m:e>
+                      </m:nary>
+                    </m:oMath>
+                  </m:oMathPara>
+                </a14:m>
+                <a:endParaRPr lang="ru-RU" dirty="0"/>
+              </a:p>
+              <a:p>
+                <a:r>
+                  <a:rPr lang="ru-RU" dirty="0" smtClean="0"/>
+                  <a:t>Пусть </a:t>
+                </a:r>
+                <a14:m>
+                  <m:oMath xmlns:m="http://schemas.openxmlformats.org/officeDocument/2006/math">
+                    <m:r>
+                      <a:rPr lang="ru-RU" i="1">
+                        <a:latin typeface="Cambria Math" panose="02040503050406030204" pitchFamily="18" charset="0"/>
+                      </a:rPr>
+                      <m:t>𝐺</m:t>
+                    </m:r>
+                    <m:r>
+                      <a:rPr lang="ru-RU" i="1">
+                        <a:latin typeface="Cambria Math" panose="02040503050406030204" pitchFamily="18" charset="0"/>
+                      </a:rPr>
+                      <m:t>’(</m:t>
+                    </m:r>
+                    <m:r>
+                      <a:rPr lang="ru-RU" i="1">
+                        <a:latin typeface="Cambria Math" panose="02040503050406030204" pitchFamily="18" charset="0"/>
+                      </a:rPr>
+                      <m:t>𝑡</m:t>
+                    </m:r>
+                    <m:r>
+                      <a:rPr lang="ru-RU" i="1">
+                        <a:latin typeface="Cambria Math" panose="02040503050406030204" pitchFamily="18" charset="0"/>
+                      </a:rPr>
+                      <m:t>) = </m:t>
+                    </m:r>
+                    <m:r>
+                      <a:rPr lang="ru-RU" i="1">
+                        <a:latin typeface="Cambria Math" panose="02040503050406030204" pitchFamily="18" charset="0"/>
+                      </a:rPr>
+                      <m:t>𝐺</m:t>
+                    </m:r>
+                    <m:r>
+                      <a:rPr lang="ru-RU" i="1">
+                        <a:latin typeface="Cambria Math" panose="02040503050406030204" pitchFamily="18" charset="0"/>
+                      </a:rPr>
+                      <m:t>(−</m:t>
+                    </m:r>
+                    <m:r>
+                      <a:rPr lang="ru-RU" i="1">
+                        <a:latin typeface="Cambria Math" panose="02040503050406030204" pitchFamily="18" charset="0"/>
+                      </a:rPr>
+                      <m:t>𝑡</m:t>
+                    </m:r>
+                    <m:r>
+                      <a:rPr lang="ru-RU" i="1">
+                        <a:latin typeface="Cambria Math" panose="02040503050406030204" pitchFamily="18" charset="0"/>
+                      </a:rPr>
+                      <m:t>)</m:t>
+                    </m:r>
+                  </m:oMath>
+                </a14:m>
+                <a:r>
+                  <a:rPr lang="ru-RU" dirty="0"/>
+                  <a:t> и </a:t>
+                </a:r>
+                <a14:m>
+                  <m:oMath xmlns:m="http://schemas.openxmlformats.org/officeDocument/2006/math">
+                    <m:r>
+                      <a:rPr lang="ru-RU" i="1">
+                        <a:latin typeface="Cambria Math" panose="02040503050406030204" pitchFamily="18" charset="0"/>
+                      </a:rPr>
+                      <m:t>𝐹</m:t>
+                    </m:r>
+                    <m:r>
+                      <a:rPr lang="ru-RU" i="1">
+                        <a:latin typeface="Cambria Math" panose="02040503050406030204" pitchFamily="18" charset="0"/>
+                      </a:rPr>
+                      <m:t>’(</m:t>
+                    </m:r>
+                    <m:r>
+                      <a:rPr lang="ru-RU" i="1">
+                        <a:latin typeface="Cambria Math" panose="02040503050406030204" pitchFamily="18" charset="0"/>
+                      </a:rPr>
+                      <m:t>𝑡</m:t>
+                    </m:r>
+                    <m:r>
+                      <a:rPr lang="ru-RU" i="1">
+                        <a:latin typeface="Cambria Math" panose="02040503050406030204" pitchFamily="18" charset="0"/>
+                      </a:rPr>
+                      <m:t>) = </m:t>
+                    </m:r>
+                    <m:r>
+                      <a:rPr lang="ru-RU" i="1">
+                        <a:latin typeface="Cambria Math" panose="02040503050406030204" pitchFamily="18" charset="0"/>
+                      </a:rPr>
+                      <m:t>𝐹</m:t>
+                    </m:r>
+                    <m:r>
+                      <a:rPr lang="ru-RU" i="1">
+                        <a:latin typeface="Cambria Math" panose="02040503050406030204" pitchFamily="18" charset="0"/>
+                      </a:rPr>
+                      <m:t>(−</m:t>
+                    </m:r>
+                    <m:r>
+                      <a:rPr lang="ru-RU" i="1">
+                        <a:latin typeface="Cambria Math" panose="02040503050406030204" pitchFamily="18" charset="0"/>
+                      </a:rPr>
+                      <m:t>𝑡</m:t>
+                    </m:r>
+                    <m:r>
+                      <a:rPr lang="ru-RU" i="1">
+                        <a:latin typeface="Cambria Math" panose="02040503050406030204" pitchFamily="18" charset="0"/>
+                      </a:rPr>
+                      <m:t>)</m:t>
+                    </m:r>
+                  </m:oMath>
+                </a14:m>
+                <a:r>
+                  <a:rPr lang="en-US" dirty="0" smtClean="0"/>
+                  <a:t>, </a:t>
+                </a:r>
+                <a:r>
+                  <a:rPr lang="ru-RU" dirty="0" smtClean="0"/>
+                  <a:t>тогда,</a:t>
+                </a:r>
+                <a:r>
+                  <a:rPr lang="en-US" dirty="0" smtClean="0"/>
+                  <a:t> </a:t>
+                </a:r>
+                <a:r>
+                  <a:rPr lang="ru-RU" dirty="0" smtClean="0"/>
+                  <a:t>очевидна справедливость равенств</a:t>
+                </a:r>
+              </a:p>
+              <a:p>
+                <a:pPr lvl="1"/>
+                <a14:m>
+                  <m:oMath xmlns:m="http://schemas.openxmlformats.org/officeDocument/2006/math">
+                    <m:r>
+                      <a:rPr lang="ru-RU" i="1">
+                        <a:latin typeface="Cambria Math" panose="02040503050406030204" pitchFamily="18" charset="0"/>
+                      </a:rPr>
+                      <m:t>𝐹</m:t>
+                    </m:r>
+                    <m:r>
+                      <a:rPr lang="ru-RU" i="1">
+                        <a:latin typeface="Cambria Math" panose="02040503050406030204" pitchFamily="18" charset="0"/>
+                      </a:rPr>
+                      <m:t>х</m:t>
+                    </m:r>
+                    <m:r>
+                      <a:rPr lang="ru-RU" i="1">
+                        <a:latin typeface="Cambria Math" panose="02040503050406030204" pitchFamily="18" charset="0"/>
+                      </a:rPr>
+                      <m:t>𝐹</m:t>
+                    </m:r>
+                    <m:r>
+                      <a:rPr lang="ru-RU" i="1">
+                        <a:latin typeface="Cambria Math" panose="02040503050406030204" pitchFamily="18" charset="0"/>
+                      </a:rPr>
+                      <m:t>’(0) = </m:t>
+                    </m:r>
+                    <m:nary>
+                      <m:naryPr>
+                        <m:chr m:val="∑"/>
+                        <m:limLoc m:val="undOvr"/>
+                        <m:supHide m:val="on"/>
+                        <m:ctrlPr>
+                          <a:rPr lang="ru-RU" i="1">
+                            <a:latin typeface="Cambria Math" panose="02040503050406030204" pitchFamily="18" charset="0"/>
+                          </a:rPr>
+                        </m:ctrlPr>
+                      </m:naryPr>
+                      <m:sub>
+                        <m:r>
+                          <a:rPr lang="en-US" i="1">
+                            <a:latin typeface="Cambria Math" panose="02040503050406030204" pitchFamily="18" charset="0"/>
+                          </a:rPr>
+                          <m:t>𝑖</m:t>
+                        </m:r>
+                      </m:sub>
+                      <m:sup/>
+                      <m:e>
+                        <m:sSup>
+                          <m:sSupPr>
+                            <m:ctrlPr>
+                              <a:rPr lang="ru-RU" i="1">
+                                <a:latin typeface="Cambria Math" panose="02040503050406030204" pitchFamily="18" charset="0"/>
+                              </a:rPr>
+                            </m:ctrlPr>
+                          </m:sSupPr>
+                          <m:e>
+                            <m:r>
+                              <a:rPr lang="en-US" i="1">
+                                <a:latin typeface="Cambria Math" panose="02040503050406030204" pitchFamily="18" charset="0"/>
+                              </a:rPr>
+                              <m:t>𝐹</m:t>
+                            </m:r>
+                            <m:r>
+                              <a:rPr lang="ru-RU" i="1">
+                                <a:latin typeface="Cambria Math" panose="02040503050406030204" pitchFamily="18" charset="0"/>
+                              </a:rPr>
+                              <m:t>(</m:t>
+                            </m:r>
+                            <m:r>
+                              <a:rPr lang="en-US" i="1">
+                                <a:latin typeface="Cambria Math" panose="02040503050406030204" pitchFamily="18" charset="0"/>
+                              </a:rPr>
+                              <m:t>𝑖</m:t>
+                            </m:r>
+                            <m:r>
+                              <a:rPr lang="ru-RU" i="1">
+                                <a:latin typeface="Cambria Math" panose="02040503050406030204" pitchFamily="18" charset="0"/>
+                              </a:rPr>
+                              <m:t>)</m:t>
+                            </m:r>
+                          </m:e>
+                          <m:sup>
+                            <m:r>
+                              <a:rPr lang="ru-RU" i="1">
+                                <a:latin typeface="Cambria Math" panose="02040503050406030204" pitchFamily="18" charset="0"/>
+                              </a:rPr>
+                              <m:t>2</m:t>
+                            </m:r>
+                          </m:sup>
+                        </m:sSup>
+                      </m:e>
+                    </m:nary>
+                  </m:oMath>
+                </a14:m>
+                <a:r>
+                  <a:rPr lang="ru-RU" dirty="0"/>
+                  <a:t> – скалярное произведение вектора </a:t>
+                </a:r>
+                <a14:m>
+                  <m:oMath xmlns:m="http://schemas.openxmlformats.org/officeDocument/2006/math">
+                    <m:r>
+                      <a:rPr lang="ru-RU" i="1">
+                        <a:latin typeface="Cambria Math" panose="02040503050406030204" pitchFamily="18" charset="0"/>
+                      </a:rPr>
+                      <m:t>𝐹</m:t>
+                    </m:r>
+                  </m:oMath>
+                </a14:m>
+                <a:r>
+                  <a:rPr lang="ru-RU" dirty="0"/>
+                  <a:t> на самого себя</a:t>
+                </a:r>
+              </a:p>
+              <a:p>
+                <a:pPr lvl="1"/>
+                <a14:m>
+                  <m:oMath xmlns:m="http://schemas.openxmlformats.org/officeDocument/2006/math">
+                    <m:r>
+                      <a:rPr lang="ru-RU" i="1">
+                        <a:latin typeface="Cambria Math" panose="02040503050406030204" pitchFamily="18" charset="0"/>
+                      </a:rPr>
+                      <m:t>𝐺</m:t>
+                    </m:r>
+                    <m:r>
+                      <a:rPr lang="ru-RU" i="1">
+                        <a:latin typeface="Cambria Math" panose="02040503050406030204" pitchFamily="18" charset="0"/>
+                      </a:rPr>
+                      <m:t>х</m:t>
+                    </m:r>
+                    <m:r>
+                      <a:rPr lang="ru-RU" i="1">
+                        <a:latin typeface="Cambria Math" panose="02040503050406030204" pitchFamily="18" charset="0"/>
+                      </a:rPr>
+                      <m:t>𝐺</m:t>
+                    </m:r>
+                    <m:r>
+                      <a:rPr lang="ru-RU" i="1">
+                        <a:latin typeface="Cambria Math" panose="02040503050406030204" pitchFamily="18" charset="0"/>
+                      </a:rPr>
+                      <m:t>’(0) = </m:t>
+                    </m:r>
+                    <m:nary>
+                      <m:naryPr>
+                        <m:chr m:val="∑"/>
+                        <m:limLoc m:val="undOvr"/>
+                        <m:supHide m:val="on"/>
+                        <m:ctrlPr>
+                          <a:rPr lang="ru-RU" i="1">
+                            <a:latin typeface="Cambria Math" panose="02040503050406030204" pitchFamily="18" charset="0"/>
+                          </a:rPr>
+                        </m:ctrlPr>
+                      </m:naryPr>
+                      <m:sub>
+                        <m:r>
+                          <a:rPr lang="en-US" i="1">
+                            <a:latin typeface="Cambria Math" panose="02040503050406030204" pitchFamily="18" charset="0"/>
+                          </a:rPr>
+                          <m:t>𝑖</m:t>
+                        </m:r>
+                      </m:sub>
+                      <m:sup/>
+                      <m:e>
+                        <m:sSup>
+                          <m:sSupPr>
+                            <m:ctrlPr>
+                              <a:rPr lang="ru-RU" i="1">
+                                <a:latin typeface="Cambria Math" panose="02040503050406030204" pitchFamily="18" charset="0"/>
+                              </a:rPr>
+                            </m:ctrlPr>
+                          </m:sSupPr>
+                          <m:e>
+                            <m:r>
+                              <a:rPr lang="en-US" i="1">
+                                <a:latin typeface="Cambria Math" panose="02040503050406030204" pitchFamily="18" charset="0"/>
+                              </a:rPr>
+                              <m:t>𝐺</m:t>
+                            </m:r>
+                            <m:r>
+                              <a:rPr lang="ru-RU" i="1">
+                                <a:latin typeface="Cambria Math" panose="02040503050406030204" pitchFamily="18" charset="0"/>
+                              </a:rPr>
+                              <m:t>(</m:t>
+                            </m:r>
+                            <m:r>
+                              <a:rPr lang="en-US" i="1">
+                                <a:latin typeface="Cambria Math" panose="02040503050406030204" pitchFamily="18" charset="0"/>
+                              </a:rPr>
+                              <m:t>𝑖</m:t>
+                            </m:r>
+                            <m:r>
+                              <a:rPr lang="ru-RU" i="1">
+                                <a:latin typeface="Cambria Math" panose="02040503050406030204" pitchFamily="18" charset="0"/>
+                              </a:rPr>
+                              <m:t>)</m:t>
+                            </m:r>
+                          </m:e>
+                          <m:sup>
+                            <m:r>
+                              <a:rPr lang="ru-RU" i="1">
+                                <a:latin typeface="Cambria Math" panose="02040503050406030204" pitchFamily="18" charset="0"/>
+                              </a:rPr>
+                              <m:t>2</m:t>
+                            </m:r>
+                          </m:sup>
+                        </m:sSup>
+                      </m:e>
+                    </m:nary>
+                  </m:oMath>
+                </a14:m>
+                <a:r>
+                  <a:rPr lang="ru-RU" dirty="0"/>
+                  <a:t>– скалярное произведение вектора </a:t>
+                </a:r>
+                <a14:m>
+                  <m:oMath xmlns:m="http://schemas.openxmlformats.org/officeDocument/2006/math">
+                    <m:r>
+                      <a:rPr lang="ru-RU" i="1">
+                        <a:latin typeface="Cambria Math" panose="02040503050406030204" pitchFamily="18" charset="0"/>
+                      </a:rPr>
+                      <m:t>𝐺</m:t>
+                    </m:r>
+                  </m:oMath>
+                </a14:m>
+                <a:r>
+                  <a:rPr lang="ru-RU" dirty="0"/>
+                  <a:t> на самого себя</a:t>
+                </a:r>
+              </a:p>
+              <a:p>
+                <a:pPr lvl="1"/>
+                <a14:m>
+                  <m:oMath xmlns:m="http://schemas.openxmlformats.org/officeDocument/2006/math">
+                    <m:r>
+                      <a:rPr lang="en-US" i="1">
+                        <a:latin typeface="Cambria Math" panose="02040503050406030204" pitchFamily="18" charset="0"/>
+                      </a:rPr>
+                      <m:t>𝐹</m:t>
+                    </m:r>
+                    <m:r>
+                      <a:rPr lang="ru-RU" i="1">
+                        <a:latin typeface="Cambria Math" panose="02040503050406030204" pitchFamily="18" charset="0"/>
+                      </a:rPr>
+                      <m:t>х</m:t>
+                    </m:r>
+                    <m:r>
+                      <a:rPr lang="en-US" i="1">
+                        <a:latin typeface="Cambria Math" panose="02040503050406030204" pitchFamily="18" charset="0"/>
+                      </a:rPr>
+                      <m:t>𝐺</m:t>
+                    </m:r>
+                    <m:r>
+                      <a:rPr lang="en-US" i="1">
+                        <a:latin typeface="Cambria Math" panose="02040503050406030204" pitchFamily="18" charset="0"/>
+                      </a:rPr>
+                      <m:t>′(0) = </m:t>
+                    </m:r>
+                    <m:nary>
+                      <m:naryPr>
+                        <m:chr m:val="∑"/>
+                        <m:limLoc m:val="undOvr"/>
+                        <m:supHide m:val="on"/>
+                        <m:ctrlPr>
+                          <a:rPr lang="ru-RU" i="1">
+                            <a:latin typeface="Cambria Math" panose="02040503050406030204" pitchFamily="18" charset="0"/>
+                          </a:rPr>
+                        </m:ctrlPr>
+                      </m:naryPr>
+                      <m:sub>
+                        <m:r>
+                          <a:rPr lang="en-US" i="1">
+                            <a:latin typeface="Cambria Math" panose="02040503050406030204" pitchFamily="18" charset="0"/>
+                          </a:rPr>
+                          <m:t>𝑖</m:t>
+                        </m:r>
+                      </m:sub>
+                      <m:sup/>
+                      <m:e>
+                        <m:r>
+                          <a:rPr lang="en-US" i="1">
+                            <a:latin typeface="Cambria Math" panose="02040503050406030204" pitchFamily="18" charset="0"/>
+                          </a:rPr>
+                          <m:t>𝐹</m:t>
+                        </m:r>
+                        <m:r>
+                          <a:rPr lang="ru-RU" i="1">
+                            <a:latin typeface="Cambria Math" panose="02040503050406030204" pitchFamily="18" charset="0"/>
+                          </a:rPr>
+                          <m:t>(</m:t>
+                        </m:r>
+                        <m:r>
+                          <a:rPr lang="en-US" i="1">
+                            <a:latin typeface="Cambria Math" panose="02040503050406030204" pitchFamily="18" charset="0"/>
+                          </a:rPr>
+                          <m:t>𝑖</m:t>
+                        </m:r>
+                        <m:r>
+                          <a:rPr lang="ru-RU" i="1">
+                            <a:latin typeface="Cambria Math" panose="02040503050406030204" pitchFamily="18" charset="0"/>
+                          </a:rPr>
+                          <m:t>)∗</m:t>
+                        </m:r>
+                        <m:r>
+                          <a:rPr lang="en-US" i="1">
+                            <a:latin typeface="Cambria Math" panose="02040503050406030204" pitchFamily="18" charset="0"/>
+                          </a:rPr>
+                          <m:t>𝐺</m:t>
+                        </m:r>
+                        <m:r>
+                          <a:rPr lang="ru-RU" i="1">
+                            <a:latin typeface="Cambria Math" panose="02040503050406030204" pitchFamily="18" charset="0"/>
+                          </a:rPr>
+                          <m:t>(</m:t>
+                        </m:r>
+                        <m:r>
+                          <a:rPr lang="en-US" i="1">
+                            <a:latin typeface="Cambria Math" panose="02040503050406030204" pitchFamily="18" charset="0"/>
+                          </a:rPr>
+                          <m:t>𝑖</m:t>
+                        </m:r>
+                        <m:r>
+                          <a:rPr lang="ru-RU" i="1">
+                            <a:latin typeface="Cambria Math" panose="02040503050406030204" pitchFamily="18" charset="0"/>
+                          </a:rPr>
+                          <m:t>)</m:t>
+                        </m:r>
+                      </m:e>
+                    </m:nary>
+                  </m:oMath>
+                </a14:m>
+                <a:r>
+                  <a:rPr lang="ru-RU" dirty="0"/>
+                  <a:t> – скалярное произведение двух векторов </a:t>
+                </a:r>
+                <a14:m>
+                  <m:oMath xmlns:m="http://schemas.openxmlformats.org/officeDocument/2006/math">
+                    <m:r>
+                      <a:rPr lang="ru-RU" i="1" dirty="0" smtClean="0">
+                        <a:latin typeface="Cambria Math" panose="02040503050406030204" pitchFamily="18" charset="0"/>
+                      </a:rPr>
+                      <m:t>𝐹</m:t>
+                    </m:r>
+                  </m:oMath>
+                </a14:m>
+                <a:r>
+                  <a:rPr lang="ru-RU" dirty="0"/>
+                  <a:t> и </a:t>
+                </a:r>
+                <a14:m>
+                  <m:oMath xmlns:m="http://schemas.openxmlformats.org/officeDocument/2006/math">
+                    <m:r>
+                      <a:rPr lang="ru-RU" i="1" dirty="0" smtClean="0">
+                        <a:latin typeface="Cambria Math" panose="02040503050406030204" pitchFamily="18" charset="0"/>
+                      </a:rPr>
+                      <m:t>𝐺</m:t>
+                    </m:r>
+                  </m:oMath>
+                </a14:m>
+                <a:endParaRPr lang="ru-RU" dirty="0"/>
+              </a:p>
+              <a:p>
+                <a:r>
+                  <a:rPr lang="ru-RU" dirty="0" smtClean="0"/>
+                  <a:t>Так же очевидно, что </a:t>
+                </a:r>
+                <a14:m>
+                  <m:oMath xmlns:m="http://schemas.openxmlformats.org/officeDocument/2006/math">
+                    <m:r>
+                      <a:rPr lang="en-US" i="1" dirty="0" smtClean="0">
+                        <a:latin typeface="Cambria Math" panose="02040503050406030204" pitchFamily="18" charset="0"/>
+                      </a:rPr>
+                      <m:t>𝐹</m:t>
+                    </m:r>
+                    <m:r>
+                      <a:rPr lang="ru-RU" i="1" dirty="0">
+                        <a:latin typeface="Cambria Math" panose="02040503050406030204" pitchFamily="18" charset="0"/>
+                      </a:rPr>
+                      <m:t>х</m:t>
+                    </m:r>
+                    <m:r>
+                      <a:rPr lang="en-US" i="1" dirty="0">
+                        <a:latin typeface="Cambria Math" panose="02040503050406030204" pitchFamily="18" charset="0"/>
+                      </a:rPr>
+                      <m:t>𝐺</m:t>
+                    </m:r>
+                    <m:r>
+                      <a:rPr lang="en-US" i="1" dirty="0" smtClean="0">
+                        <a:latin typeface="Cambria Math" panose="02040503050406030204" pitchFamily="18" charset="0"/>
+                      </a:rPr>
+                      <m:t>’(</m:t>
+                    </m:r>
+                    <m:r>
+                      <a:rPr lang="en-US" i="1" dirty="0">
+                        <a:latin typeface="Cambria Math" panose="02040503050406030204" pitchFamily="18" charset="0"/>
+                      </a:rPr>
+                      <m:t>𝑡</m:t>
+                    </m:r>
+                    <m:r>
+                      <a:rPr lang="en-US" i="1" dirty="0" smtClean="0">
+                        <a:latin typeface="Cambria Math" panose="02040503050406030204" pitchFamily="18" charset="0"/>
+                      </a:rPr>
+                      <m:t>) </m:t>
+                    </m:r>
+                  </m:oMath>
+                </a14:m>
+                <a:r>
+                  <a:rPr lang="ru-RU" dirty="0" smtClean="0"/>
+                  <a:t>равна корреляции получаемой в результате сдвига одного вектора, относительно другого на шаг </a:t>
+                </a:r>
+                <a:r>
+                  <a:rPr lang="en-US" dirty="0" smtClean="0"/>
+                  <a:t>t</a:t>
+                </a:r>
+                <a:r>
+                  <a:rPr lang="ru-RU" dirty="0" smtClean="0"/>
+                  <a:t> (это легко проверить явной подстановкой значений в формулу корреляции).</a:t>
+                </a:r>
+                <a:endParaRPr lang="ru-RU" dirty="0"/>
+              </a:p>
+              <a:p>
+                <a:endParaRPr lang="ru-RU" dirty="0"/>
+              </a:p>
+              <a:p>
+                <a:endParaRPr lang="ru-RU" dirty="0"/>
+              </a:p>
+            </p:txBody>
+          </p:sp>
+        </mc:Choice>
+        <mc:Fallback xmlns="">
+          <p:sp>
+            <p:nvSpPr>
+              <p:cNvPr id="3" name="Объект 2"/>
+              <p:cNvSpPr>
+                <a:spLocks noGrp="1" noRot="1" noChangeAspect="1" noMove="1" noResize="1" noEditPoints="1" noAdjustHandles="1" noChangeArrowheads="1" noChangeShapeType="1" noTextEdit="1"/>
+              </p:cNvSpPr>
+              <p:nvPr>
+                <p:ph idx="1"/>
+              </p:nvPr>
+            </p:nvSpPr>
+            <p:spPr>
+              <a:blipFill rotWithShape="0">
+                <a:blip r:embed="rId2"/>
+                <a:stretch>
+                  <a:fillRect l="-303" t="-1353"/>
+                </a:stretch>
+              </a:blipFill>
+            </p:spPr>
+            <p:txBody>
+              <a:bodyPr/>
+              <a:lstStyle/>
+              <a:p>
+                <a:r>
+                  <a:rPr lang="ru-RU">
+                    <a:noFill/>
+                  </a:rPr>
+                  <a:t> </a:t>
+                </a:r>
+              </a:p>
+            </p:txBody>
+          </p:sp>
+        </mc:Fallback>
+      </mc:AlternateContent>
       <p:sp>
         <p:nvSpPr>
           <p:cNvPr id="4" name="Нижний колонтитул 3"/>
@@ -17066,62 +19428,282 @@
           </a:p>
         </p:txBody>
       </p:sp>
-      <p:sp>
-        <p:nvSpPr>
-          <p:cNvPr id="3" name="Объект 2"/>
-          <p:cNvSpPr>
-            <a:spLocks noGrp="1"/>
-          </p:cNvSpPr>
-          <p:nvPr>
-            <p:ph idx="1"/>
-          </p:nvPr>
-        </p:nvSpPr>
-        <p:spPr/>
-        <p:txBody>
-          <a:bodyPr>
-            <a:normAutofit fontScale="92500" lnSpcReduction="20000"/>
-          </a:bodyPr>
-          <a:lstStyle/>
-          <a:p>
-            <a:r>
-              <a:rPr lang="ru-RU" dirty="0"/>
-              <a:t>Преобразование Фурье (ℱ) — операция, сопоставляющая одной функции вещественной переменной другую функцию, также вещественной переменной. Эта новая функция описывает коэффициенты («амплитуды») при разложении исходной функции на элементарные составляющие — гармонические колебания с разными частотами.</a:t>
-            </a:r>
-          </a:p>
-          <a:p>
-            <a:r>
-              <a:rPr lang="ru-RU" dirty="0"/>
-              <a:t>Преобразование Фурье функции f вещественной переменной является интегральным и задаётся следующей </a:t>
-            </a:r>
-            <a:r>
-              <a:rPr lang="ru-RU" dirty="0" smtClean="0"/>
-              <a:t>формулой:</a:t>
-            </a:r>
-          </a:p>
-          <a:p>
-            <a:endParaRPr lang="ru-RU" dirty="0" smtClean="0"/>
-          </a:p>
-          <a:p>
-            <a:endParaRPr lang="ru-RU" dirty="0"/>
-          </a:p>
-          <a:p>
-            <a:r>
-              <a:rPr lang="ru-RU" dirty="0" smtClean="0"/>
-              <a:t>Разные </a:t>
-            </a:r>
-            <a:r>
-              <a:rPr lang="ru-RU" dirty="0"/>
-              <a:t>источники могут давать определения, отличающиеся от приведённого выше выбором коэффициента перед интегралом, а также знака «−» в показателе экспоненты. Но все свойства будут те же, хотя вид некоторых формул может измениться.</a:t>
-            </a:r>
-          </a:p>
-          <a:p>
-            <a:r>
-              <a:rPr lang="ru-RU" dirty="0"/>
-              <a:t>Кроме того, существуют разнообразные обобщения данного понятия</a:t>
-            </a:r>
-          </a:p>
-        </p:txBody>
-      </p:sp>
+      <mc:AlternateContent xmlns:mc="http://schemas.openxmlformats.org/markup-compatibility/2006" xmlns:a14="http://schemas.microsoft.com/office/drawing/2010/main">
+        <mc:Choice Requires="a14">
+          <p:sp>
+            <p:nvSpPr>
+              <p:cNvPr id="3" name="Объект 2"/>
+              <p:cNvSpPr>
+                <a:spLocks noGrp="1"/>
+              </p:cNvSpPr>
+              <p:nvPr>
+                <p:ph idx="1"/>
+              </p:nvPr>
+            </p:nvSpPr>
+            <p:spPr/>
+            <p:txBody>
+              <a:bodyPr>
+                <a:normAutofit fontScale="92500" lnSpcReduction="20000"/>
+              </a:bodyPr>
+              <a:lstStyle/>
+              <a:p>
+                <a:r>
+                  <a:rPr lang="ru-RU" dirty="0"/>
+                  <a:t>Преобразование Фурье (ℱ) — операция, сопоставляющая одной функции вещественной переменной другую функцию, также вещественной переменной. Эта новая функция описывает коэффициенты («амплитуды») при разложении исходной функции на элементарные составляющие — гармонические колебания с разными частотами.</a:t>
+                </a:r>
+              </a:p>
+              <a:p>
+                <a:r>
+                  <a:rPr lang="ru-RU" dirty="0"/>
+                  <a:t>Преобразование Фурье функции f вещественной переменной является интегральным и задаётся следующей </a:t>
+                </a:r>
+                <a:r>
+                  <a:rPr lang="ru-RU" dirty="0" smtClean="0"/>
+                  <a:t>формулой:</a:t>
+                </a:r>
+              </a:p>
+              <a:p>
+                <a:pPr marL="0" indent="0">
+                  <a:buNone/>
+                </a:pPr>
+                <a14:m>
+                  <m:oMathPara xmlns:m="http://schemas.openxmlformats.org/officeDocument/2006/math">
+                    <m:oMathParaPr>
+                      <m:jc m:val="center"/>
+                    </m:oMathParaPr>
+                    <m:oMath xmlns:m="http://schemas.openxmlformats.org/officeDocument/2006/math">
+                      <m:acc>
+                        <m:accPr>
+                          <m:chr m:val="̂"/>
+                          <m:ctrlPr>
+                            <a:rPr lang="ru-RU" i="1">
+                              <a:latin typeface="Cambria Math" panose="02040503050406030204" pitchFamily="18" charset="0"/>
+                            </a:rPr>
+                          </m:ctrlPr>
+                        </m:accPr>
+                        <m:e>
+                          <m:r>
+                            <a:rPr lang="ru-RU" i="1">
+                              <a:latin typeface="Cambria Math" panose="02040503050406030204" pitchFamily="18" charset="0"/>
+                            </a:rPr>
+                            <m:t>𝑓</m:t>
+                          </m:r>
+                        </m:e>
+                      </m:acc>
+                      <m:r>
+                        <a:rPr lang="ru-RU" i="1">
+                          <a:latin typeface="Cambria Math" panose="02040503050406030204" pitchFamily="18" charset="0"/>
+                        </a:rPr>
+                        <m:t>(</m:t>
+                      </m:r>
+                      <m:r>
+                        <a:rPr lang="ru-RU" i="1">
+                          <a:latin typeface="Cambria Math" panose="02040503050406030204" pitchFamily="18" charset="0"/>
+                        </a:rPr>
+                        <m:t>𝜔</m:t>
+                      </m:r>
+                      <m:r>
+                        <a:rPr lang="ru-RU" i="1">
+                          <a:latin typeface="Cambria Math" panose="02040503050406030204" pitchFamily="18" charset="0"/>
+                        </a:rPr>
+                        <m:t>)=</m:t>
+                      </m:r>
+                      <m:f>
+                        <m:fPr>
+                          <m:ctrlPr>
+                            <a:rPr lang="ru-RU" i="1">
+                              <a:latin typeface="Cambria Math" panose="02040503050406030204" pitchFamily="18" charset="0"/>
+                            </a:rPr>
+                          </m:ctrlPr>
+                        </m:fPr>
+                        <m:num>
+                          <m:r>
+                            <a:rPr lang="ru-RU" i="1">
+                              <a:latin typeface="Cambria Math" panose="02040503050406030204" pitchFamily="18" charset="0"/>
+                            </a:rPr>
+                            <m:t>1</m:t>
+                          </m:r>
+                        </m:num>
+                        <m:den>
+                          <m:rad>
+                            <m:radPr>
+                              <m:degHide m:val="on"/>
+                              <m:ctrlPr>
+                                <a:rPr lang="ru-RU" i="1">
+                                  <a:latin typeface="Cambria Math" panose="02040503050406030204" pitchFamily="18" charset="0"/>
+                                </a:rPr>
+                              </m:ctrlPr>
+                            </m:radPr>
+                            <m:deg/>
+                            <m:e>
+                              <m:r>
+                                <a:rPr lang="ru-RU" i="1">
+                                  <a:latin typeface="Cambria Math" panose="02040503050406030204" pitchFamily="18" charset="0"/>
+                                </a:rPr>
+                                <m:t>2</m:t>
+                              </m:r>
+                              <m:r>
+                                <a:rPr lang="ru-RU" i="1">
+                                  <a:latin typeface="Cambria Math" panose="02040503050406030204" pitchFamily="18" charset="0"/>
+                                </a:rPr>
+                                <m:t>𝜋</m:t>
+                              </m:r>
+                            </m:e>
+                          </m:rad>
+                        </m:den>
+                      </m:f>
+                      <m:nary>
+                        <m:naryPr>
+                          <m:limLoc m:val="undOvr"/>
+                          <m:ctrlPr>
+                            <a:rPr lang="ru-RU" i="1">
+                              <a:latin typeface="Cambria Math" panose="02040503050406030204" pitchFamily="18" charset="0"/>
+                            </a:rPr>
+                          </m:ctrlPr>
+                        </m:naryPr>
+                        <m:sub>
+                          <m:r>
+                            <a:rPr lang="ru-RU" i="1">
+                              <a:latin typeface="Cambria Math" panose="02040503050406030204" pitchFamily="18" charset="0"/>
+                            </a:rPr>
+                            <m:t>−∞</m:t>
+                          </m:r>
+                        </m:sub>
+                        <m:sup>
+                          <m:r>
+                            <a:rPr lang="ru-RU" i="1">
+                              <a:latin typeface="Cambria Math" panose="02040503050406030204" pitchFamily="18" charset="0"/>
+                            </a:rPr>
+                            <m:t>∞</m:t>
+                          </m:r>
+                        </m:sup>
+                        <m:e>
+                          <m:r>
+                            <a:rPr lang="ru-RU" i="1">
+                              <a:latin typeface="Cambria Math" panose="02040503050406030204" pitchFamily="18" charset="0"/>
+                            </a:rPr>
+                            <m:t>𝑓</m:t>
+                          </m:r>
+                          <m:d>
+                            <m:dPr>
+                              <m:ctrlPr>
+                                <a:rPr lang="ru-RU" i="1">
+                                  <a:latin typeface="Cambria Math" panose="02040503050406030204" pitchFamily="18" charset="0"/>
+                                </a:rPr>
+                              </m:ctrlPr>
+                            </m:dPr>
+                            <m:e>
+                              <m:r>
+                                <a:rPr lang="ru-RU" i="1">
+                                  <a:latin typeface="Cambria Math" panose="02040503050406030204" pitchFamily="18" charset="0"/>
+                                </a:rPr>
+                                <m:t>𝑥</m:t>
+                              </m:r>
+                            </m:e>
+                          </m:d>
+                          <m:sSup>
+                            <m:sSupPr>
+                              <m:ctrlPr>
+                                <a:rPr lang="ru-RU" i="1">
+                                  <a:latin typeface="Cambria Math" panose="02040503050406030204" pitchFamily="18" charset="0"/>
+                                </a:rPr>
+                              </m:ctrlPr>
+                            </m:sSupPr>
+                            <m:e>
+                              <m:r>
+                                <a:rPr lang="ru-RU" i="1">
+                                  <a:latin typeface="Cambria Math" panose="02040503050406030204" pitchFamily="18" charset="0"/>
+                                </a:rPr>
+                                <m:t>𝑒</m:t>
+                              </m:r>
+                            </m:e>
+                            <m:sup>
+                              <m:r>
+                                <a:rPr lang="ru-RU" i="1">
+                                  <a:latin typeface="Cambria Math" panose="02040503050406030204" pitchFamily="18" charset="0"/>
+                                </a:rPr>
+                                <m:t>−</m:t>
+                              </m:r>
+                              <m:r>
+                                <a:rPr lang="ru-RU" i="1">
+                                  <a:latin typeface="Cambria Math" panose="02040503050406030204" pitchFamily="18" charset="0"/>
+                                </a:rPr>
+                                <m:t>𝑖𝑥</m:t>
+                              </m:r>
+                              <m:r>
+                                <a:rPr lang="ru-RU" i="1">
+                                  <a:latin typeface="Cambria Math" panose="02040503050406030204" pitchFamily="18" charset="0"/>
+                                </a:rPr>
+                                <m:t>𝜔</m:t>
+                              </m:r>
+                            </m:sup>
+                          </m:sSup>
+                          <m:r>
+                            <a:rPr lang="ru-RU" i="1">
+                              <a:latin typeface="Cambria Math" panose="02040503050406030204" pitchFamily="18" charset="0"/>
+                            </a:rPr>
+                            <m:t>𝑑𝑥</m:t>
+                          </m:r>
+                        </m:e>
+                      </m:nary>
+                    </m:oMath>
+                  </m:oMathPara>
+                </a14:m>
+                <a:endParaRPr lang="ru-RU" dirty="0"/>
+              </a:p>
+              <a:p>
+                <a:r>
+                  <a:rPr lang="ru-RU" dirty="0" smtClean="0"/>
+                  <a:t>Разные </a:t>
+                </a:r>
+                <a:r>
+                  <a:rPr lang="ru-RU" dirty="0"/>
+                  <a:t>источники могут давать определения, отличающиеся от приведённого выше выбором коэффициента перед интегралом, а также знака «−» в показателе экспоненты. Но все свойства будут те же, хотя вид некоторых формул может измениться.</a:t>
+                </a:r>
+              </a:p>
+              <a:p>
+                <a:r>
+                  <a:rPr lang="ru-RU" dirty="0"/>
+                  <a:t>Кроме того, существуют разнообразные обобщения данного понятия</a:t>
+                </a:r>
+              </a:p>
+            </p:txBody>
+          </p:sp>
+        </mc:Choice>
+        <mc:Fallback xmlns="">
+          <p:sp>
+            <p:nvSpPr>
+              <p:cNvPr id="3" name="Объект 2"/>
+              <p:cNvSpPr>
+                <a:spLocks noGrp="1" noRot="1" noChangeAspect="1" noMove="1" noResize="1" noEditPoints="1" noAdjustHandles="1" noChangeArrowheads="1" noChangeShapeType="1" noTextEdit="1"/>
+              </p:cNvSpPr>
+              <p:nvPr>
+                <p:ph idx="1"/>
+              </p:nvPr>
+            </p:nvSpPr>
+            <p:spPr>
+              <a:blipFill rotWithShape="0">
+                <a:blip r:embed="rId2"/>
+                <a:stretch>
+                  <a:fillRect l="-303" t="-2857"/>
+                </a:stretch>
+              </a:blipFill>
+            </p:spPr>
+            <p:txBody>
+              <a:bodyPr/>
+              <a:lstStyle/>
+              <a:p>
+                <a:r>
+                  <a:rPr lang="ru-RU">
+                    <a:noFill/>
+                  </a:rPr>
+                  <a:t> </a:t>
+                </a:r>
+              </a:p>
+            </p:txBody>
+          </p:sp>
+        </mc:Fallback>
+      </mc:AlternateContent>
       <p:sp>
         <p:nvSpPr>
           <p:cNvPr id="7" name="Нижний колонтитул 6"/>
@@ -17145,47 +19727,6 @@
           </a:p>
         </p:txBody>
       </p:sp>
-      <p:pic>
-        <p:nvPicPr>
-          <p:cNvPr id="4098" name="Picture 2" descr="\hat{f}(\omega)=\frac{1}{\sqrt{2\pi}}\int\limits_{-\infty}^{\infty}f(x)e^{-ix\omega}\,dx."/>
-          <p:cNvPicPr>
-            <a:picLocks noChangeAspect="1" noChangeArrowheads="1"/>
-          </p:cNvPicPr>
-          <p:nvPr/>
-        </p:nvPicPr>
-        <p:blipFill>
-          <a:blip r:embed="rId2">
-            <a:extLst>
-              <a:ext uri="{28A0092B-C50C-407E-A947-70E740481C1C}">
-                <a14:useLocalDpi xmlns:a14="http://schemas.microsoft.com/office/drawing/2010/main" val="0"/>
-              </a:ext>
-            </a:extLst>
-          </a:blip>
-          <a:srcRect/>
-          <a:stretch>
-            <a:fillRect/>
-          </a:stretch>
-        </p:blipFill>
-        <p:spPr bwMode="auto">
-          <a:xfrm>
-            <a:off x="4846218" y="3856224"/>
-            <a:ext cx="1771650" cy="407195"/>
-          </a:xfrm>
-          <a:prstGeom prst="rect">
-            <a:avLst/>
-          </a:prstGeom>
-          <a:noFill/>
-          <a:extLst>
-            <a:ext uri="{909E8E84-426E-40DD-AFC4-6F175D3DCCD1}">
-              <a14:hiddenFill xmlns:a14="http://schemas.microsoft.com/office/drawing/2010/main">
-                <a:solidFill>
-                  <a:srgbClr val="FFFFFF"/>
-                </a:solidFill>
-              </a14:hiddenFill>
-            </a:ext>
-          </a:extLst>
-        </p:spPr>
-      </p:pic>
     </p:spTree>
     <p:extLst>
       <p:ext uri="{BB962C8B-B14F-4D97-AF65-F5344CB8AC3E}">
@@ -17318,6 +19859,246 @@
                 </a:r>
               </a:p>
               <a:p>
+                <a:pPr marL="0" indent="0">
+                  <a:buNone/>
+                </a:pPr>
+                <a14:m>
+                  <m:oMathPara xmlns:m="http://schemas.openxmlformats.org/officeDocument/2006/math">
+                    <m:oMathParaPr>
+                      <m:jc m:val="center"/>
+                    </m:oMathParaPr>
+                    <m:oMath xmlns:m="http://schemas.openxmlformats.org/officeDocument/2006/math">
+                      <m:acc>
+                        <m:accPr>
+                          <m:chr m:val="̂"/>
+                          <m:ctrlPr>
+                            <a:rPr lang="ru-RU" i="1">
+                              <a:latin typeface="Cambria Math" panose="02040503050406030204" pitchFamily="18" charset="0"/>
+                            </a:rPr>
+                          </m:ctrlPr>
+                        </m:accPr>
+                        <m:e>
+                          <m:r>
+                            <a:rPr lang="ru-RU" i="1">
+                              <a:latin typeface="Cambria Math" panose="02040503050406030204" pitchFamily="18" charset="0"/>
+                            </a:rPr>
+                            <m:t>𝑓</m:t>
+                          </m:r>
+                        </m:e>
+                      </m:acc>
+                      <m:r>
+                        <a:rPr lang="ru-RU" i="1">
+                          <a:latin typeface="Cambria Math" panose="02040503050406030204" pitchFamily="18" charset="0"/>
+                        </a:rPr>
+                        <m:t>(</m:t>
+                      </m:r>
+                      <m:r>
+                        <a:rPr lang="ru-RU" i="1">
+                          <a:latin typeface="Cambria Math" panose="02040503050406030204" pitchFamily="18" charset="0"/>
+                        </a:rPr>
+                        <m:t>𝜔</m:t>
+                      </m:r>
+                      <m:r>
+                        <a:rPr lang="ru-RU" i="1">
+                          <a:latin typeface="Cambria Math" panose="02040503050406030204" pitchFamily="18" charset="0"/>
+                        </a:rPr>
+                        <m:t>)=</m:t>
+                      </m:r>
+                      <m:f>
+                        <m:fPr>
+                          <m:ctrlPr>
+                            <a:rPr lang="ru-RU" i="1">
+                              <a:latin typeface="Cambria Math" panose="02040503050406030204" pitchFamily="18" charset="0"/>
+                            </a:rPr>
+                          </m:ctrlPr>
+                        </m:fPr>
+                        <m:num>
+                          <m:r>
+                            <a:rPr lang="ru-RU" i="1">
+                              <a:latin typeface="Cambria Math" panose="02040503050406030204" pitchFamily="18" charset="0"/>
+                            </a:rPr>
+                            <m:t>1</m:t>
+                          </m:r>
+                        </m:num>
+                        <m:den>
+                          <m:sSup>
+                            <m:sSupPr>
+                              <m:ctrlPr>
+                                <a:rPr lang="ru-RU" i="1" smtClean="0">
+                                  <a:latin typeface="Cambria Math" panose="02040503050406030204" pitchFamily="18" charset="0"/>
+                                </a:rPr>
+                              </m:ctrlPr>
+                            </m:sSupPr>
+                            <m:e>
+                              <m:r>
+                                <a:rPr lang="en-US" i="1">
+                                  <a:latin typeface="Cambria Math" panose="02040503050406030204" pitchFamily="18" charset="0"/>
+                                </a:rPr>
+                                <m:t>(</m:t>
+                              </m:r>
+                              <m:r>
+                                <a:rPr lang="ru-RU" i="1">
+                                  <a:latin typeface="Cambria Math" panose="02040503050406030204" pitchFamily="18" charset="0"/>
+                                </a:rPr>
+                                <m:t>2</m:t>
+                              </m:r>
+                              <m:r>
+                                <a:rPr lang="ru-RU" i="1">
+                                  <a:latin typeface="Cambria Math" panose="02040503050406030204" pitchFamily="18" charset="0"/>
+                                </a:rPr>
+                                <m:t>𝜋</m:t>
+                              </m:r>
+                              <m:r>
+                                <a:rPr lang="en-US" i="1">
+                                  <a:latin typeface="Cambria Math" panose="02040503050406030204" pitchFamily="18" charset="0"/>
+                                </a:rPr>
+                                <m:t>)</m:t>
+                              </m:r>
+                            </m:e>
+                            <m:sup>
+                              <m:f>
+                                <m:fPr>
+                                  <m:type m:val="skw"/>
+                                  <m:ctrlPr>
+                                    <a:rPr lang="ru-RU" i="1" smtClean="0">
+                                      <a:latin typeface="Cambria Math" panose="02040503050406030204" pitchFamily="18" charset="0"/>
+                                    </a:rPr>
+                                  </m:ctrlPr>
+                                </m:fPr>
+                                <m:num>
+                                  <m:r>
+                                    <a:rPr lang="en-US" b="0" i="1" smtClean="0">
+                                      <a:latin typeface="Cambria Math" panose="02040503050406030204" pitchFamily="18" charset="0"/>
+                                    </a:rPr>
+                                    <m:t>𝑛</m:t>
+                                  </m:r>
+                                </m:num>
+                                <m:den>
+                                  <m:r>
+                                    <a:rPr lang="en-US" b="0" i="1" smtClean="0">
+                                      <a:latin typeface="Cambria Math" panose="02040503050406030204" pitchFamily="18" charset="0"/>
+                                    </a:rPr>
+                                    <m:t>2</m:t>
+                                  </m:r>
+                                </m:den>
+                              </m:f>
+                            </m:sup>
+                          </m:sSup>
+                        </m:den>
+                      </m:f>
+                      <m:nary>
+                        <m:naryPr>
+                          <m:limLoc m:val="undOvr"/>
+                          <m:supHide m:val="on"/>
+                          <m:ctrlPr>
+                            <a:rPr lang="ru-RU" i="1">
+                              <a:latin typeface="Cambria Math" panose="02040503050406030204" pitchFamily="18" charset="0"/>
+                            </a:rPr>
+                          </m:ctrlPr>
+                        </m:naryPr>
+                        <m:sub>
+                          <m:sSup>
+                            <m:sSupPr>
+                              <m:ctrlPr>
+                                <a:rPr lang="ru-RU" i="1">
+                                  <a:latin typeface="Cambria Math" panose="02040503050406030204" pitchFamily="18" charset="0"/>
+                                  <a:ea typeface="Cambria Math" panose="02040503050406030204" pitchFamily="18" charset="0"/>
+                                </a:rPr>
+                              </m:ctrlPr>
+                            </m:sSupPr>
+                            <m:e>
+                              <m:r>
+                                <a:rPr lang="ru-RU" i="1">
+                                  <a:latin typeface="Cambria Math" panose="02040503050406030204" pitchFamily="18" charset="0"/>
+                                  <a:ea typeface="Cambria Math" panose="02040503050406030204" pitchFamily="18" charset="0"/>
+                                </a:rPr>
+                                <m:t>ℝ</m:t>
+                              </m:r>
+                            </m:e>
+                            <m:sup>
+                              <m:r>
+                                <a:rPr lang="en-US" i="1">
+                                  <a:latin typeface="Cambria Math" panose="02040503050406030204" pitchFamily="18" charset="0"/>
+                                  <a:ea typeface="Cambria Math" panose="02040503050406030204" pitchFamily="18" charset="0"/>
+                                </a:rPr>
+                                <m:t>𝑛</m:t>
+                              </m:r>
+                            </m:sup>
+                          </m:sSup>
+                        </m:sub>
+                        <m:sup/>
+                        <m:e>
+                          <m:r>
+                            <a:rPr lang="ru-RU" i="1" smtClean="0">
+                              <a:latin typeface="Cambria Math" panose="02040503050406030204" pitchFamily="18" charset="0"/>
+                            </a:rPr>
+                            <m:t>𝑓</m:t>
+                          </m:r>
+                          <m:d>
+                            <m:dPr>
+                              <m:ctrlPr>
+                                <a:rPr lang="ru-RU" i="1">
+                                  <a:latin typeface="Cambria Math" panose="02040503050406030204" pitchFamily="18" charset="0"/>
+                                </a:rPr>
+                              </m:ctrlPr>
+                            </m:dPr>
+                            <m:e>
+                              <m:r>
+                                <a:rPr lang="ru-RU" i="1">
+                                  <a:latin typeface="Cambria Math" panose="02040503050406030204" pitchFamily="18" charset="0"/>
+                                </a:rPr>
+                                <m:t>𝑥</m:t>
+                              </m:r>
+                            </m:e>
+                          </m:d>
+                          <m:sSup>
+                            <m:sSupPr>
+                              <m:ctrlPr>
+                                <a:rPr lang="ru-RU" i="1">
+                                  <a:latin typeface="Cambria Math" panose="02040503050406030204" pitchFamily="18" charset="0"/>
+                                </a:rPr>
+                              </m:ctrlPr>
+                            </m:sSupPr>
+                            <m:e>
+                              <m:r>
+                                <a:rPr lang="ru-RU" i="1">
+                                  <a:latin typeface="Cambria Math" panose="02040503050406030204" pitchFamily="18" charset="0"/>
+                                </a:rPr>
+                                <m:t>𝑒</m:t>
+                              </m:r>
+                            </m:e>
+                            <m:sup>
+                              <m:r>
+                                <a:rPr lang="ru-RU" i="1">
+                                  <a:latin typeface="Cambria Math" panose="02040503050406030204" pitchFamily="18" charset="0"/>
+                                </a:rPr>
+                                <m:t>−</m:t>
+                              </m:r>
+                              <m:r>
+                                <a:rPr lang="ru-RU" i="1">
+                                  <a:latin typeface="Cambria Math" panose="02040503050406030204" pitchFamily="18" charset="0"/>
+                                </a:rPr>
+                                <m:t>𝑖𝑥</m:t>
+                              </m:r>
+                              <m:r>
+                                <a:rPr lang="ru-RU" i="1">
+                                  <a:latin typeface="Cambria Math" panose="02040503050406030204" pitchFamily="18" charset="0"/>
+                                </a:rPr>
+                                <m:t>𝜔</m:t>
+                              </m:r>
+                            </m:sup>
+                          </m:sSup>
+                          <m:r>
+                            <a:rPr lang="ru-RU" i="1">
+                              <a:latin typeface="Cambria Math" panose="02040503050406030204" pitchFamily="18" charset="0"/>
+                            </a:rPr>
+                            <m:t>𝑑𝑥</m:t>
+                          </m:r>
+                        </m:e>
+                      </m:nary>
+                    </m:oMath>
+                  </m:oMathPara>
+                </a14:m>
                 <a:endParaRPr lang="en-US" dirty="0" smtClean="0"/>
               </a:p>
               <a:p>
@@ -17330,13 +20111,252 @@
                 </a:r>
                 <a:r>
                   <a:rPr lang="ru-RU" dirty="0"/>
-                  <a:t>преобразование в этом случае задается формулой</a:t>
-                </a:r>
-              </a:p>
-              <a:p>
+                  <a:t>преобразование в этом случае задается </a:t>
+                </a:r>
+                <a:r>
+                  <a:rPr lang="ru-RU" dirty="0" smtClean="0"/>
+                  <a:t>формулой</a:t>
+                </a:r>
                 <a:endParaRPr lang="en-US" dirty="0" smtClean="0"/>
               </a:p>
               <a:p>
+                <a:pPr marL="0" indent="0">
+                  <a:buNone/>
+                </a:pPr>
+                <a14:m>
+                  <m:oMathPara xmlns:m="http://schemas.openxmlformats.org/officeDocument/2006/math">
+                    <m:oMathParaPr>
+                      <m:jc m:val="centerGroup"/>
+                    </m:oMathParaPr>
+                    <m:oMath xmlns:m="http://schemas.openxmlformats.org/officeDocument/2006/math">
+                      <m:r>
+                        <a:rPr lang="en-US" b="0" i="1" smtClean="0">
+                          <a:latin typeface="Cambria Math" panose="02040503050406030204" pitchFamily="18" charset="0"/>
+                        </a:rPr>
+                        <m:t>𝑓</m:t>
+                      </m:r>
+                      <m:r>
+                        <a:rPr lang="ru-RU" i="1">
+                          <a:latin typeface="Cambria Math" panose="02040503050406030204" pitchFamily="18" charset="0"/>
+                        </a:rPr>
+                        <m:t>(</m:t>
+                      </m:r>
+                      <m:r>
+                        <a:rPr lang="en-US" b="0" i="1" smtClean="0">
+                          <a:latin typeface="Cambria Math" panose="02040503050406030204" pitchFamily="18" charset="0"/>
+                        </a:rPr>
+                        <m:t>𝑥</m:t>
+                      </m:r>
+                      <m:r>
+                        <a:rPr lang="ru-RU" i="1">
+                          <a:latin typeface="Cambria Math" panose="02040503050406030204" pitchFamily="18" charset="0"/>
+                        </a:rPr>
+                        <m:t>)=</m:t>
+                      </m:r>
+                      <m:f>
+                        <m:fPr>
+                          <m:ctrlPr>
+                            <a:rPr lang="ru-RU" i="1">
+                              <a:latin typeface="Cambria Math" panose="02040503050406030204" pitchFamily="18" charset="0"/>
+                            </a:rPr>
+                          </m:ctrlPr>
+                        </m:fPr>
+                        <m:num>
+                          <m:r>
+                            <a:rPr lang="ru-RU" i="1">
+                              <a:latin typeface="Cambria Math" panose="02040503050406030204" pitchFamily="18" charset="0"/>
+                            </a:rPr>
+                            <m:t>1</m:t>
+                          </m:r>
+                        </m:num>
+                        <m:den>
+                          <m:sSup>
+                            <m:sSupPr>
+                              <m:ctrlPr>
+                                <a:rPr lang="ru-RU" i="1">
+                                  <a:latin typeface="Cambria Math" panose="02040503050406030204" pitchFamily="18" charset="0"/>
+                                </a:rPr>
+                              </m:ctrlPr>
+                            </m:sSupPr>
+                            <m:e>
+                              <m:r>
+                                <a:rPr lang="en-US" i="1">
+                                  <a:latin typeface="Cambria Math" panose="02040503050406030204" pitchFamily="18" charset="0"/>
+                                </a:rPr>
+                                <m:t>(</m:t>
+                              </m:r>
+                              <m:r>
+                                <a:rPr lang="ru-RU" i="1">
+                                  <a:latin typeface="Cambria Math" panose="02040503050406030204" pitchFamily="18" charset="0"/>
+                                </a:rPr>
+                                <m:t>2</m:t>
+                              </m:r>
+                              <m:r>
+                                <a:rPr lang="ru-RU" i="1">
+                                  <a:latin typeface="Cambria Math" panose="02040503050406030204" pitchFamily="18" charset="0"/>
+                                </a:rPr>
+                                <m:t>𝜋</m:t>
+                              </m:r>
+                              <m:r>
+                                <a:rPr lang="en-US" i="1">
+                                  <a:latin typeface="Cambria Math" panose="02040503050406030204" pitchFamily="18" charset="0"/>
+                                </a:rPr>
+                                <m:t>)</m:t>
+                              </m:r>
+                            </m:e>
+                            <m:sup>
+                              <m:f>
+                                <m:fPr>
+                                  <m:type m:val="skw"/>
+                                  <m:ctrlPr>
+                                    <a:rPr lang="ru-RU" i="1">
+                                      <a:latin typeface="Cambria Math" panose="02040503050406030204" pitchFamily="18" charset="0"/>
+                                    </a:rPr>
+                                  </m:ctrlPr>
+                                </m:fPr>
+                                <m:num>
+                                  <m:r>
+                                    <a:rPr lang="en-US" i="1">
+                                      <a:latin typeface="Cambria Math" panose="02040503050406030204" pitchFamily="18" charset="0"/>
+                                    </a:rPr>
+                                    <m:t>𝑛</m:t>
+                                  </m:r>
+                                </m:num>
+                                <m:den>
+                                  <m:r>
+                                    <a:rPr lang="en-US" i="1">
+                                      <a:latin typeface="Cambria Math" panose="02040503050406030204" pitchFamily="18" charset="0"/>
+                                    </a:rPr>
+                                    <m:t>2</m:t>
+                                  </m:r>
+                                </m:den>
+                              </m:f>
+                            </m:sup>
+                          </m:sSup>
+                        </m:den>
+                      </m:f>
+                      <m:nary>
+                        <m:naryPr>
+                          <m:limLoc m:val="undOvr"/>
+                          <m:supHide m:val="on"/>
+                          <m:ctrlPr>
+                            <a:rPr lang="ru-RU" i="1">
+                              <a:latin typeface="Cambria Math" panose="02040503050406030204" pitchFamily="18" charset="0"/>
+                            </a:rPr>
+                          </m:ctrlPr>
+                        </m:naryPr>
+                        <m:sub>
+                          <m:sSup>
+                            <m:sSupPr>
+                              <m:ctrlPr>
+                                <a:rPr lang="ru-RU" i="1">
+                                  <a:latin typeface="Cambria Math" panose="02040503050406030204" pitchFamily="18" charset="0"/>
+                                  <a:ea typeface="Cambria Math" panose="02040503050406030204" pitchFamily="18" charset="0"/>
+                                </a:rPr>
+                              </m:ctrlPr>
+                            </m:sSupPr>
+                            <m:e>
+                              <m:r>
+                                <a:rPr lang="ru-RU" i="1">
+                                  <a:latin typeface="Cambria Math" panose="02040503050406030204" pitchFamily="18" charset="0"/>
+                                  <a:ea typeface="Cambria Math" panose="02040503050406030204" pitchFamily="18" charset="0"/>
+                                </a:rPr>
+                                <m:t>ℝ</m:t>
+                              </m:r>
+                            </m:e>
+                            <m:sup>
+                              <m:r>
+                                <a:rPr lang="en-US" i="1">
+                                  <a:latin typeface="Cambria Math" panose="02040503050406030204" pitchFamily="18" charset="0"/>
+                                  <a:ea typeface="Cambria Math" panose="02040503050406030204" pitchFamily="18" charset="0"/>
+                                </a:rPr>
+                                <m:t>𝑛</m:t>
+                              </m:r>
+                            </m:sup>
+                          </m:sSup>
+                        </m:sub>
+                        <m:sup/>
+                        <m:e>
+                          <m:acc>
+                            <m:accPr>
+                              <m:chr m:val="̂"/>
+                              <m:ctrlPr>
+                                <a:rPr lang="en-US" b="0" i="1" smtClean="0">
+                                  <a:latin typeface="Cambria Math" panose="02040503050406030204" pitchFamily="18" charset="0"/>
+                                  <a:ea typeface="Cambria Math" panose="02040503050406030204" pitchFamily="18" charset="0"/>
+                                </a:rPr>
+                              </m:ctrlPr>
+                            </m:accPr>
+                            <m:e>
+                              <m:r>
+                                <a:rPr lang="en-US" b="0" i="1" smtClean="0">
+                                  <a:latin typeface="Cambria Math" panose="02040503050406030204" pitchFamily="18" charset="0"/>
+                                  <a:ea typeface="Cambria Math" panose="02040503050406030204" pitchFamily="18" charset="0"/>
+                                </a:rPr>
+                                <m:t>𝑓</m:t>
+                              </m:r>
+                            </m:e>
+                          </m:acc>
+                          <m:d>
+                            <m:dPr>
+                              <m:ctrlPr>
+                                <a:rPr lang="ru-RU" i="1">
+                                  <a:latin typeface="Cambria Math" panose="02040503050406030204" pitchFamily="18" charset="0"/>
+                                </a:rPr>
+                              </m:ctrlPr>
+                            </m:dPr>
+                            <m:e>
+                              <m:r>
+                                <a:rPr lang="ru-RU" i="1" smtClean="0">
+                                  <a:latin typeface="Cambria Math" panose="02040503050406030204" pitchFamily="18" charset="0"/>
+                                  <a:ea typeface="Cambria Math" panose="02040503050406030204" pitchFamily="18" charset="0"/>
+                                </a:rPr>
+                                <m:t>𝜔</m:t>
+                              </m:r>
+                            </m:e>
+                          </m:d>
+                          <m:sSup>
+                            <m:sSupPr>
+                              <m:ctrlPr>
+                                <a:rPr lang="ru-RU" i="1">
+                                  <a:latin typeface="Cambria Math" panose="02040503050406030204" pitchFamily="18" charset="0"/>
+                                </a:rPr>
+                              </m:ctrlPr>
+                            </m:sSupPr>
+                            <m:e>
+                              <m:r>
+                                <a:rPr lang="ru-RU" i="1">
+                                  <a:latin typeface="Cambria Math" panose="02040503050406030204" pitchFamily="18" charset="0"/>
+                                </a:rPr>
+                                <m:t>𝑒</m:t>
+                              </m:r>
+                            </m:e>
+                            <m:sup>
+                              <m:r>
+                                <a:rPr lang="ru-RU" i="1">
+                                  <a:latin typeface="Cambria Math" panose="02040503050406030204" pitchFamily="18" charset="0"/>
+                                </a:rPr>
+                                <m:t>𝑖𝑥</m:t>
+                              </m:r>
+                              <m:r>
+                                <a:rPr lang="ru-RU" i="1">
+                                  <a:latin typeface="Cambria Math" panose="02040503050406030204" pitchFamily="18" charset="0"/>
+                                </a:rPr>
+                                <m:t>𝜔</m:t>
+                              </m:r>
+                            </m:sup>
+                          </m:sSup>
+                          <m:r>
+                            <a:rPr lang="ru-RU" i="1">
+                              <a:latin typeface="Cambria Math" panose="02040503050406030204" pitchFamily="18" charset="0"/>
+                            </a:rPr>
+                            <m:t>𝑑𝑥</m:t>
+                          </m:r>
+                        </m:e>
+                      </m:nary>
+                    </m:oMath>
+                  </m:oMathPara>
+                </a14:m>
                 <a:endParaRPr lang="en-US" dirty="0"/>
               </a:p>
               <a:p>
@@ -17409,88 +20429,6 @@
           </a:p>
         </p:txBody>
       </p:sp>
-      <p:pic>
-        <p:nvPicPr>
-          <p:cNvPr id="5124" name="Picture 4" descr="\hat{f}(\omega)=\frac{1}{(2\pi)^{n/2}}\int\limits_{\R^n}f(x)e^{-ix\cdot\omega}\,dx."/>
-          <p:cNvPicPr>
-            <a:picLocks noChangeAspect="1" noChangeArrowheads="1"/>
-          </p:cNvPicPr>
-          <p:nvPr/>
-        </p:nvPicPr>
-        <p:blipFill>
-          <a:blip r:embed="rId3">
-            <a:extLst>
-              <a:ext uri="{28A0092B-C50C-407E-A947-70E740481C1C}">
-                <a14:useLocalDpi xmlns:a14="http://schemas.microsoft.com/office/drawing/2010/main" val="0"/>
-              </a:ext>
-            </a:extLst>
-          </a:blip>
-          <a:srcRect/>
-          <a:stretch>
-            <a:fillRect/>
-          </a:stretch>
-        </p:blipFill>
-        <p:spPr bwMode="auto">
-          <a:xfrm>
-            <a:off x="4963696" y="2969960"/>
-            <a:ext cx="1921669" cy="407195"/>
-          </a:xfrm>
-          <a:prstGeom prst="rect">
-            <a:avLst/>
-          </a:prstGeom>
-          <a:noFill/>
-          <a:extLst>
-            <a:ext uri="{909E8E84-426E-40DD-AFC4-6F175D3DCCD1}">
-              <a14:hiddenFill xmlns:a14="http://schemas.microsoft.com/office/drawing/2010/main">
-                <a:solidFill>
-                  <a:srgbClr val="FFFFFF"/>
-                </a:solidFill>
-              </a14:hiddenFill>
-            </a:ext>
-          </a:extLst>
-        </p:spPr>
-      </p:pic>
-      <p:pic>
-        <p:nvPicPr>
-          <p:cNvPr id="5126" name="Picture 6" descr="f(x)=\frac{1}{(2\pi)^{n/2}}\int\limits_{\R^n}\hat{f}(\omega)e^{ix\cdot\omega}\,d\omega."/>
-          <p:cNvPicPr>
-            <a:picLocks noChangeAspect="1" noChangeArrowheads="1"/>
-          </p:cNvPicPr>
-          <p:nvPr/>
-        </p:nvPicPr>
-        <p:blipFill>
-          <a:blip r:embed="rId4">
-            <a:extLst>
-              <a:ext uri="{28A0092B-C50C-407E-A947-70E740481C1C}">
-                <a14:useLocalDpi xmlns:a14="http://schemas.microsoft.com/office/drawing/2010/main" val="0"/>
-              </a:ext>
-            </a:extLst>
-          </a:blip>
-          <a:srcRect/>
-          <a:stretch>
-            <a:fillRect/>
-          </a:stretch>
-        </p:blipFill>
-        <p:spPr bwMode="auto">
-          <a:xfrm>
-            <a:off x="5027989" y="4098413"/>
-            <a:ext cx="1857375" cy="407195"/>
-          </a:xfrm>
-          <a:prstGeom prst="rect">
-            <a:avLst/>
-          </a:prstGeom>
-          <a:noFill/>
-          <a:extLst>
-            <a:ext uri="{909E8E84-426E-40DD-AFC4-6F175D3DCCD1}">
-              <a14:hiddenFill xmlns:a14="http://schemas.microsoft.com/office/drawing/2010/main">
-                <a:solidFill>
-                  <a:srgbClr val="FFFFFF"/>
-                </a:solidFill>
-              </a14:hiddenFill>
-            </a:ext>
-          </a:extLst>
-        </p:spPr>
-      </p:pic>
     </p:spTree>
     <p:extLst>
       <p:ext uri="{BB962C8B-B14F-4D97-AF65-F5344CB8AC3E}">
@@ -17669,48 +20607,416 @@
           </a:p>
         </p:txBody>
       </p:sp>
-      <p:sp>
-        <p:nvSpPr>
-          <p:cNvPr id="3" name="Объект 2"/>
-          <p:cNvSpPr>
-            <a:spLocks noGrp="1"/>
-          </p:cNvSpPr>
-          <p:nvPr>
-            <p:ph idx="1"/>
-          </p:nvPr>
-        </p:nvSpPr>
-        <p:spPr/>
-        <p:txBody>
-          <a:bodyPr/>
-          <a:lstStyle/>
-          <a:p>
-            <a:r>
-              <a:rPr lang="ru-RU" dirty="0"/>
-              <a:t>Прямое преобразование</a:t>
-            </a:r>
-            <a:r>
-              <a:rPr lang="ru-RU" dirty="0" smtClean="0"/>
-              <a:t>:</a:t>
-            </a:r>
-            <a:endParaRPr lang="en-US" dirty="0" smtClean="0"/>
-          </a:p>
-          <a:p>
-            <a:endParaRPr lang="en-US" dirty="0"/>
-          </a:p>
-          <a:p>
-            <a:endParaRPr lang="en-US" dirty="0" smtClean="0"/>
-          </a:p>
-          <a:p>
-            <a:endParaRPr lang="en-US" dirty="0"/>
-          </a:p>
-          <a:p>
-            <a:r>
-              <a:rPr lang="ru-RU" dirty="0"/>
-              <a:t>Обратное преобразование:</a:t>
-            </a:r>
-          </a:p>
-        </p:txBody>
-      </p:sp>
+      <mc:AlternateContent xmlns:mc="http://schemas.openxmlformats.org/markup-compatibility/2006">
+        <mc:Choice xmlns:a14="http://schemas.microsoft.com/office/drawing/2010/main" Requires="a14">
+          <p:sp>
+            <p:nvSpPr>
+              <p:cNvPr id="3" name="Объект 2"/>
+              <p:cNvSpPr>
+                <a:spLocks noGrp="1"/>
+              </p:cNvSpPr>
+              <p:nvPr>
+                <p:ph idx="1"/>
+              </p:nvPr>
+            </p:nvSpPr>
+            <p:spPr/>
+            <p:txBody>
+              <a:bodyPr>
+                <a:normAutofit/>
+              </a:bodyPr>
+              <a:lstStyle/>
+              <a:p>
+                <a:r>
+                  <a:rPr lang="ru-RU" dirty="0"/>
+                  <a:t>Прямое преобразование:</a:t>
+                </a:r>
+              </a:p>
+              <a:p>
+                <a:pPr marL="0" indent="0">
+                  <a:buNone/>
+                </a:pPr>
+                <a14:m>
+                  <m:oMathPara xmlns:m="http://schemas.openxmlformats.org/officeDocument/2006/math">
+                    <m:oMathParaPr>
+                      <m:jc m:val="centerGroup"/>
+                    </m:oMathParaPr>
+                    <m:oMath xmlns:m="http://schemas.openxmlformats.org/officeDocument/2006/math">
+                      <m:sSub>
+                        <m:sSubPr>
+                          <m:ctrlPr>
+                            <a:rPr lang="ru-RU" i="1"/>
+                          </m:ctrlPr>
+                        </m:sSubPr>
+                        <m:e>
+                          <m:r>
+                            <a:rPr lang="ru-RU" i="1"/>
+                            <m:t>𝑋</m:t>
+                          </m:r>
+                        </m:e>
+                        <m:sub>
+                          <m:r>
+                            <a:rPr lang="ru-RU" i="1"/>
+                            <m:t>𝑘</m:t>
+                          </m:r>
+                        </m:sub>
+                      </m:sSub>
+                      <m:r>
+                        <a:rPr lang="ru-RU" i="1"/>
+                        <m:t>=</m:t>
+                      </m:r>
+                      <m:nary>
+                        <m:naryPr>
+                          <m:chr m:val="∑"/>
+                          <m:limLoc m:val="undOvr"/>
+                          <m:ctrlPr>
+                            <a:rPr lang="ru-RU" i="1"/>
+                          </m:ctrlPr>
+                        </m:naryPr>
+                        <m:sub>
+                          <m:r>
+                            <a:rPr lang="ru-RU" i="1"/>
+                            <m:t>𝑛</m:t>
+                          </m:r>
+                          <m:r>
+                            <a:rPr lang="ru-RU" i="1"/>
+                            <m:t>=0</m:t>
+                          </m:r>
+                        </m:sub>
+                        <m:sup>
+                          <m:r>
+                            <a:rPr lang="ru-RU" i="1"/>
+                            <m:t>𝑁</m:t>
+                          </m:r>
+                          <m:r>
+                            <a:rPr lang="ru-RU" i="1"/>
+                            <m:t>−1</m:t>
+                          </m:r>
+                        </m:sup>
+                        <m:e>
+                          <m:sSub>
+                            <m:sSubPr>
+                              <m:ctrlPr>
+                                <a:rPr lang="ru-RU" i="1"/>
+                              </m:ctrlPr>
+                            </m:sSubPr>
+                            <m:e>
+                              <m:r>
+                                <a:rPr lang="ru-RU" i="1"/>
+                                <m:t>𝑥</m:t>
+                              </m:r>
+                            </m:e>
+                            <m:sub>
+                              <m:r>
+                                <a:rPr lang="ru-RU" i="1"/>
+                                <m:t>𝑛</m:t>
+                              </m:r>
+                            </m:sub>
+                          </m:sSub>
+                          <m:sSup>
+                            <m:sSupPr>
+                              <m:ctrlPr>
+                                <a:rPr lang="ru-RU" i="1"/>
+                              </m:ctrlPr>
+                            </m:sSupPr>
+                            <m:e>
+                              <m:r>
+                                <a:rPr lang="ru-RU" i="1"/>
+                                <m:t>𝑒</m:t>
+                              </m:r>
+                            </m:e>
+                            <m:sup>
+                              <m:r>
+                                <a:rPr lang="ru-RU" i="1"/>
+                                <m:t>− </m:t>
+                              </m:r>
+                              <m:f>
+                                <m:fPr>
+                                  <m:ctrlPr>
+                                    <a:rPr lang="ru-RU" i="1"/>
+                                  </m:ctrlPr>
+                                </m:fPr>
+                                <m:num>
+                                  <m:r>
+                                    <a:rPr lang="ru-RU" i="1"/>
+                                    <m:t>2</m:t>
+                                  </m:r>
+                                  <m:r>
+                                    <a:rPr lang="ru-RU" i="1"/>
+                                    <m:t>𝜋</m:t>
+                                  </m:r>
+                                  <m:r>
+                                    <a:rPr lang="ru-RU" i="1"/>
+                                    <m:t>𝑖</m:t>
+                                  </m:r>
+                                </m:num>
+                                <m:den>
+                                  <m:r>
+                                    <a:rPr lang="ru-RU" i="1"/>
+                                    <m:t>𝑁</m:t>
+                                  </m:r>
+                                </m:den>
+                              </m:f>
+                              <m:r>
+                                <a:rPr lang="ru-RU" i="1"/>
+                                <m:t>𝑘𝑛</m:t>
+                              </m:r>
+                            </m:sup>
+                          </m:sSup>
+                        </m:e>
+                      </m:nary>
+                      <m:r>
+                        <a:rPr lang="en-US" i="1"/>
+                        <m:t>, </m:t>
+                      </m:r>
+                      <m:r>
+                        <a:rPr lang="en-US" i="1"/>
+                        <m:t>𝑘</m:t>
+                      </m:r>
+                      <m:r>
+                        <a:rPr lang="en-US" i="1"/>
+                        <m:t>=0,…,</m:t>
+                      </m:r>
+                      <m:r>
+                        <a:rPr lang="en-US" i="1"/>
+                        <m:t>𝑁</m:t>
+                      </m:r>
+                      <m:r>
+                        <a:rPr lang="en-US" i="1"/>
+                        <m:t>−1</m:t>
+                      </m:r>
+                    </m:oMath>
+                  </m:oMathPara>
+                </a14:m>
+                <a:endParaRPr lang="en-US" dirty="0" smtClean="0"/>
+              </a:p>
+              <a:p>
+                <a:pPr marL="0" indent="0">
+                  <a:buNone/>
+                </a:pPr>
+                <a:endParaRPr lang="en-US" dirty="0" smtClean="0"/>
+              </a:p>
+              <a:p>
+                <a:r>
+                  <a:rPr lang="ru-RU" dirty="0" smtClean="0"/>
+                  <a:t>Обратное </a:t>
+                </a:r>
+                <a:r>
+                  <a:rPr lang="ru-RU" dirty="0"/>
+                  <a:t>преобразование:</a:t>
+                </a:r>
+              </a:p>
+              <a:p>
+                <a:pPr marL="0" indent="0">
+                  <a:buNone/>
+                </a:pPr>
+                <a14:m>
+                  <m:oMathPara xmlns:m="http://schemas.openxmlformats.org/officeDocument/2006/math">
+                    <m:oMathParaPr>
+                      <m:jc m:val="centerGroup"/>
+                    </m:oMathParaPr>
+                    <m:oMath xmlns:m="http://schemas.openxmlformats.org/officeDocument/2006/math">
+                      <m:sSub>
+                        <m:sSubPr>
+                          <m:ctrlPr>
+                            <a:rPr lang="ru-RU" i="1"/>
+                          </m:ctrlPr>
+                        </m:sSubPr>
+                        <m:e>
+                          <m:r>
+                            <a:rPr lang="ru-RU" i="1"/>
+                            <m:t>𝑥</m:t>
+                          </m:r>
+                        </m:e>
+                        <m:sub>
+                          <m:r>
+                            <a:rPr lang="ru-RU" i="1"/>
+                            <m:t>𝑛</m:t>
+                          </m:r>
+                        </m:sub>
+                      </m:sSub>
+                      <m:r>
+                        <a:rPr lang="ru-RU" i="1"/>
+                        <m:t>=</m:t>
+                      </m:r>
+                      <m:nary>
+                        <m:naryPr>
+                          <m:chr m:val="∑"/>
+                          <m:limLoc m:val="undOvr"/>
+                          <m:ctrlPr>
+                            <a:rPr lang="ru-RU" i="1"/>
+                          </m:ctrlPr>
+                        </m:naryPr>
+                        <m:sub>
+                          <m:r>
+                            <a:rPr lang="ru-RU" i="1"/>
+                            <m:t>𝑘</m:t>
+                          </m:r>
+                          <m:r>
+                            <a:rPr lang="ru-RU" i="1"/>
+                            <m:t>=0</m:t>
+                          </m:r>
+                        </m:sub>
+                        <m:sup>
+                          <m:r>
+                            <a:rPr lang="ru-RU" i="1"/>
+                            <m:t>𝑁</m:t>
+                          </m:r>
+                          <m:r>
+                            <a:rPr lang="ru-RU" i="1"/>
+                            <m:t>−1</m:t>
+                          </m:r>
+                        </m:sup>
+                        <m:e>
+                          <m:sSub>
+                            <m:sSubPr>
+                              <m:ctrlPr>
+                                <a:rPr lang="ru-RU" i="1"/>
+                              </m:ctrlPr>
+                            </m:sSubPr>
+                            <m:e>
+                              <m:r>
+                                <a:rPr lang="ru-RU" i="1"/>
+                                <m:t>𝑥</m:t>
+                              </m:r>
+                            </m:e>
+                            <m:sub>
+                              <m:r>
+                                <a:rPr lang="ru-RU" i="1"/>
+                                <m:t>𝑛</m:t>
+                              </m:r>
+                            </m:sub>
+                          </m:sSub>
+                          <m:sSup>
+                            <m:sSupPr>
+                              <m:ctrlPr>
+                                <a:rPr lang="ru-RU" i="1"/>
+                              </m:ctrlPr>
+                            </m:sSupPr>
+                            <m:e>
+                              <m:r>
+                                <a:rPr lang="ru-RU" i="1"/>
+                                <m:t>𝑒</m:t>
+                              </m:r>
+                            </m:e>
+                            <m:sup>
+                              <m:f>
+                                <m:fPr>
+                                  <m:ctrlPr>
+                                    <a:rPr lang="ru-RU" i="1"/>
+                                  </m:ctrlPr>
+                                </m:fPr>
+                                <m:num>
+                                  <m:r>
+                                    <a:rPr lang="ru-RU" i="1"/>
+                                    <m:t>2</m:t>
+                                  </m:r>
+                                  <m:r>
+                                    <a:rPr lang="ru-RU" i="1"/>
+                                    <m:t>𝜋</m:t>
+                                  </m:r>
+                                  <m:r>
+                                    <a:rPr lang="ru-RU" i="1"/>
+                                    <m:t>𝑖</m:t>
+                                  </m:r>
+                                </m:num>
+                                <m:den>
+                                  <m:r>
+                                    <a:rPr lang="ru-RU" i="1"/>
+                                    <m:t>𝑁</m:t>
+                                  </m:r>
+                                </m:den>
+                              </m:f>
+                              <m:r>
+                                <a:rPr lang="ru-RU" i="1"/>
+                                <m:t>𝑘𝑛</m:t>
+                              </m:r>
+                            </m:sup>
+                          </m:sSup>
+                        </m:e>
+                      </m:nary>
+                      <m:r>
+                        <a:rPr lang="en-US" i="1"/>
+                        <m:t>, </m:t>
+                      </m:r>
+                      <m:r>
+                        <a:rPr lang="en-US" i="1"/>
+                        <m:t>𝑛</m:t>
+                      </m:r>
+                      <m:r>
+                        <a:rPr lang="en-US" i="1"/>
+                        <m:t>=0,…,</m:t>
+                      </m:r>
+                      <m:r>
+                        <a:rPr lang="en-US" i="1"/>
+                        <m:t>𝑁</m:t>
+                      </m:r>
+                      <m:r>
+                        <a:rPr lang="en-US" i="1"/>
+                        <m:t>−1</m:t>
+                      </m:r>
+                    </m:oMath>
+                  </m:oMathPara>
+                </a14:m>
+                <a:r>
+                  <a:rPr lang="ru-RU" dirty="0"/>
+                  <a:t/>
+                </a:r>
+                <a:br>
+                  <a:rPr lang="ru-RU" dirty="0"/>
+                </a:br>
+                <a:r>
+                  <a:rPr lang="ru-RU" dirty="0"/>
+                  <a:t/>
+                </a:r>
+                <a:br>
+                  <a:rPr lang="ru-RU" dirty="0"/>
+                </a:br>
+                <a:r>
+                  <a:rPr lang="ru-RU" dirty="0"/>
+                  <a:t/>
+                </a:r>
+                <a:br>
+                  <a:rPr lang="ru-RU" dirty="0"/>
+                </a:br>
+                <a:endParaRPr lang="ru-RU" dirty="0"/>
+              </a:p>
+            </p:txBody>
+          </p:sp>
+        </mc:Choice>
+        <mc:Fallback>
+          <p:sp>
+            <p:nvSpPr>
+              <p:cNvPr id="3" name="Объект 2"/>
+              <p:cNvSpPr>
+                <a:spLocks noGrp="1" noRot="1" noChangeAspect="1" noMove="1" noResize="1" noEditPoints="1" noAdjustHandles="1" noChangeArrowheads="1" noChangeShapeType="1" noTextEdit="1"/>
+              </p:cNvSpPr>
+              <p:nvPr>
+                <p:ph idx="1"/>
+              </p:nvPr>
+            </p:nvSpPr>
+            <p:spPr>
+              <a:blipFill rotWithShape="0">
+                <a:blip r:embed="rId2"/>
+                <a:stretch>
+                  <a:fillRect l="-303" t="-1353"/>
+                </a:stretch>
+              </a:blipFill>
+            </p:spPr>
+            <p:txBody>
+              <a:bodyPr/>
+              <a:lstStyle/>
+              <a:p>
+                <a:r>
+                  <a:rPr lang="ru-RU">
+                    <a:noFill/>
+                  </a:rPr>
+                  <a:t> </a:t>
+                </a:r>
+              </a:p>
+            </p:txBody>
+          </p:sp>
+        </mc:Fallback>
+      </mc:AlternateContent>
       <p:sp>
         <p:nvSpPr>
           <p:cNvPr id="4" name="Нижний колонтитул 3"/>
@@ -17734,88 +21040,6 @@
           </a:p>
         </p:txBody>
       </p:sp>
-      <p:pic>
-        <p:nvPicPr>
-          <p:cNvPr id="6146" name="Picture 2" descr="X_k = \sum_{n=0}^{N-1} x_n e^{-\frac{2 \pi i}{N} k n} \qquad k = 0, \dots, N-1"/>
-          <p:cNvPicPr>
-            <a:picLocks noChangeAspect="1" noChangeArrowheads="1"/>
-          </p:cNvPicPr>
-          <p:nvPr/>
-        </p:nvPicPr>
-        <p:blipFill>
-          <a:blip r:embed="rId2">
-            <a:extLst>
-              <a:ext uri="{28A0092B-C50C-407E-A947-70E740481C1C}">
-                <a14:useLocalDpi xmlns:a14="http://schemas.microsoft.com/office/drawing/2010/main" val="0"/>
-              </a:ext>
-            </a:extLst>
-          </a:blip>
-          <a:srcRect/>
-          <a:stretch>
-            <a:fillRect/>
-          </a:stretch>
-        </p:blipFill>
-        <p:spPr bwMode="auto">
-          <a:xfrm>
-            <a:off x="4234252" y="3042458"/>
-            <a:ext cx="2464594" cy="357188"/>
-          </a:xfrm>
-          <a:prstGeom prst="rect">
-            <a:avLst/>
-          </a:prstGeom>
-          <a:noFill/>
-          <a:extLst>
-            <a:ext uri="{909E8E84-426E-40DD-AFC4-6F175D3DCCD1}">
-              <a14:hiddenFill xmlns:a14="http://schemas.microsoft.com/office/drawing/2010/main">
-                <a:solidFill>
-                  <a:srgbClr val="FFFFFF"/>
-                </a:solidFill>
-              </a14:hiddenFill>
-            </a:ext>
-          </a:extLst>
-        </p:spPr>
-      </p:pic>
-      <p:pic>
-        <p:nvPicPr>
-          <p:cNvPr id="6148" name="Picture 4" descr="x_n = \frac{1}{N} \sum_{k=0}^{N-1} X_k e^{\frac{2\pi i}{N} k n} \quad \quad n = 0,\dots,N-1."/>
-          <p:cNvPicPr>
-            <a:picLocks noChangeAspect="1" noChangeArrowheads="1"/>
-          </p:cNvPicPr>
-          <p:nvPr/>
-        </p:nvPicPr>
-        <p:blipFill>
-          <a:blip r:embed="rId3">
-            <a:extLst>
-              <a:ext uri="{28A0092B-C50C-407E-A947-70E740481C1C}">
-                <a14:useLocalDpi xmlns:a14="http://schemas.microsoft.com/office/drawing/2010/main" val="0"/>
-              </a:ext>
-            </a:extLst>
-          </a:blip>
-          <a:srcRect/>
-          <a:stretch>
-            <a:fillRect/>
-          </a:stretch>
-        </p:blipFill>
-        <p:spPr bwMode="auto">
-          <a:xfrm>
-            <a:off x="4084234" y="4389122"/>
-            <a:ext cx="2614613" cy="364331"/>
-          </a:xfrm>
-          <a:prstGeom prst="rect">
-            <a:avLst/>
-          </a:prstGeom>
-          <a:noFill/>
-          <a:extLst>
-            <a:ext uri="{909E8E84-426E-40DD-AFC4-6F175D3DCCD1}">
-              <a14:hiddenFill xmlns:a14="http://schemas.microsoft.com/office/drawing/2010/main">
-                <a:solidFill>
-                  <a:srgbClr val="FFFFFF"/>
-                </a:solidFill>
-              </a14:hiddenFill>
-            </a:ext>
-          </a:extLst>
-        </p:spPr>
-      </p:pic>
     </p:spTree>
     <p:extLst>
       <p:ext uri="{BB962C8B-B14F-4D97-AF65-F5344CB8AC3E}">
